--- a/打乒乓球_第七組.pptx
+++ b/打乒乓球_第七組.pptx
@@ -5,10 +5,10 @@
     <p:sldMasterId id="2147483999" r:id="rId1"/>
   </p:sldMasterIdLst>
   <p:notesMasterIdLst>
-    <p:notesMasterId r:id="rId19"/>
+    <p:notesMasterId r:id="rId20"/>
   </p:notesMasterIdLst>
   <p:handoutMasterIdLst>
-    <p:handoutMasterId r:id="rId20"/>
+    <p:handoutMasterId r:id="rId21"/>
   </p:handoutMasterIdLst>
   <p:sldIdLst>
     <p:sldId id="268" r:id="rId2"/>
@@ -17,17 +17,18 @@
     <p:sldId id="280" r:id="rId5"/>
     <p:sldId id="276" r:id="rId6"/>
     <p:sldId id="278" r:id="rId7"/>
-    <p:sldId id="270" r:id="rId8"/>
-    <p:sldId id="271" r:id="rId9"/>
-    <p:sldId id="279" r:id="rId10"/>
-    <p:sldId id="274" r:id="rId11"/>
-    <p:sldId id="281" r:id="rId12"/>
-    <p:sldId id="282" r:id="rId13"/>
-    <p:sldId id="283" r:id="rId14"/>
-    <p:sldId id="273" r:id="rId15"/>
-    <p:sldId id="284" r:id="rId16"/>
-    <p:sldId id="285" r:id="rId17"/>
-    <p:sldId id="272" r:id="rId18"/>
+    <p:sldId id="286" r:id="rId8"/>
+    <p:sldId id="270" r:id="rId9"/>
+    <p:sldId id="271" r:id="rId10"/>
+    <p:sldId id="279" r:id="rId11"/>
+    <p:sldId id="274" r:id="rId12"/>
+    <p:sldId id="281" r:id="rId13"/>
+    <p:sldId id="282" r:id="rId14"/>
+    <p:sldId id="283" r:id="rId15"/>
+    <p:sldId id="273" r:id="rId16"/>
+    <p:sldId id="284" r:id="rId17"/>
+    <p:sldId id="285" r:id="rId18"/>
+    <p:sldId id="272" r:id="rId19"/>
   </p:sldIdLst>
   <p:sldSz cx="12188825" cy="6858000"/>
   <p:notesSz cx="6858000" cy="9144000"/>
@@ -1422,7 +1423,7 @@
                 <a:latin typeface="Microsoft JhengHei UI" panose="020B0604030504040204" pitchFamily="34" charset="-120"/>
                 <a:ea typeface="Microsoft JhengHei UI" panose="020B0604030504040204" pitchFamily="34" charset="-120"/>
               </a:rPr>
-              <a:t>2020/1/8</a:t>
+              <a:t>2020/1/13</a:t>
             </a:fld>
             <a:endParaRPr lang="zh-TW" altLang="en-US">
               <a:latin typeface="Microsoft JhengHei UI" panose="020B0604030504040204" pitchFamily="34" charset="-120"/>
@@ -1608,7 +1609,7 @@
           <a:p>
             <a:fld id="{B0A587AB-C785-4ECC-B9BB-3D529D1F06DC}" type="datetime1">
               <a:rPr lang="zh-TW" altLang="en-US" noProof="0" smtClean="0"/>
-              <a:t>2020/1/8</a:t>
+              <a:t>2020/1/13</a:t>
             </a:fld>
             <a:endParaRPr lang="zh-TW" altLang="en-US" noProof="0" dirty="0"/>
           </a:p>
@@ -2405,7 +2406,7 @@
           <a:p>
             <a:fld id="{3CA771DD-A38A-4481-A79C-730E5B1B5857}" type="datetime1">
               <a:rPr lang="zh-TW" altLang="en-US" noProof="0" smtClean="0"/>
-              <a:t>2020/1/8</a:t>
+              <a:t>2020/1/13</a:t>
             </a:fld>
             <a:endParaRPr lang="zh-TW" altLang="en-US" noProof="0"/>
           </a:p>
@@ -2745,7 +2746,7 @@
           <a:p>
             <a:fld id="{63A4AE2E-A8ED-46AC-BF15-D2D75BD090F4}" type="datetime1">
               <a:rPr lang="zh-TW" altLang="en-US" noProof="0" smtClean="0"/>
-              <a:t>2020/1/8</a:t>
+              <a:t>2020/1/13</a:t>
             </a:fld>
             <a:endParaRPr lang="zh-TW" altLang="en-US" noProof="0"/>
           </a:p>
@@ -2998,7 +2999,7 @@
           <a:p>
             <a:fld id="{63A4AE2E-A8ED-46AC-BF15-D2D75BD090F4}" type="datetime1">
               <a:rPr lang="zh-TW" altLang="en-US" noProof="0" smtClean="0"/>
-              <a:t>2020/1/8</a:t>
+              <a:t>2020/1/13</a:t>
             </a:fld>
             <a:endParaRPr lang="zh-TW" altLang="en-US" noProof="0"/>
           </a:p>
@@ -3342,7 +3343,7 @@
           <a:p>
             <a:fld id="{63A4AE2E-A8ED-46AC-BF15-D2D75BD090F4}" type="datetime1">
               <a:rPr lang="zh-TW" altLang="en-US" noProof="0" smtClean="0"/>
-              <a:t>2020/1/8</a:t>
+              <a:t>2020/1/13</a:t>
             </a:fld>
             <a:endParaRPr lang="zh-TW" altLang="en-US" noProof="0"/>
           </a:p>
@@ -3694,7 +3695,7 @@
           <a:p>
             <a:fld id="{63A4AE2E-A8ED-46AC-BF15-D2D75BD090F4}" type="datetime1">
               <a:rPr lang="zh-TW" altLang="en-US" noProof="0" smtClean="0"/>
-              <a:t>2020/1/8</a:t>
+              <a:t>2020/1/13</a:t>
             </a:fld>
             <a:endParaRPr lang="zh-TW" altLang="en-US" noProof="0"/>
           </a:p>
@@ -4073,7 +4074,7 @@
           <a:p>
             <a:fld id="{63A4AE2E-A8ED-46AC-BF15-D2D75BD090F4}" type="datetime1">
               <a:rPr lang="zh-TW" altLang="en-US" noProof="0" smtClean="0"/>
-              <a:t>2020/1/8</a:t>
+              <a:t>2020/1/13</a:t>
             </a:fld>
             <a:endParaRPr lang="zh-TW" altLang="en-US" noProof="0"/>
           </a:p>
@@ -4548,7 +4549,7 @@
           <a:p>
             <a:fld id="{63A4AE2E-A8ED-46AC-BF15-D2D75BD090F4}" type="datetime1">
               <a:rPr lang="zh-TW" altLang="en-US" noProof="0" smtClean="0"/>
-              <a:t>2020/1/8</a:t>
+              <a:t>2020/1/13</a:t>
             </a:fld>
             <a:endParaRPr lang="zh-TW" altLang="en-US" noProof="0"/>
           </a:p>
@@ -4758,7 +4759,7 @@
           <a:p>
             <a:fld id="{E94E497E-7F6A-4129-AF0F-C48CFF1AF488}" type="datetime1">
               <a:rPr lang="zh-TW" altLang="en-US" noProof="0" smtClean="0"/>
-              <a:t>2020/1/8</a:t>
+              <a:t>2020/1/13</a:t>
             </a:fld>
             <a:endParaRPr lang="zh-TW" altLang="en-US" noProof="0"/>
           </a:p>
@@ -4985,7 +4986,7 @@
           <a:p>
             <a:fld id="{822B6A02-9721-4F58-ACE9-7BFC1D0501A2}" type="datetime1">
               <a:rPr lang="zh-TW" altLang="en-US" noProof="0" smtClean="0"/>
-              <a:t>2020/1/8</a:t>
+              <a:t>2020/1/13</a:t>
             </a:fld>
             <a:endParaRPr lang="zh-TW" altLang="en-US" noProof="0"/>
           </a:p>
@@ -5277,7 +5278,7 @@
           <a:p>
             <a:fld id="{D53C7591-9393-4596-B717-AAF1E714B2FC}" type="datetime1">
               <a:rPr lang="zh-TW" altLang="en-US" noProof="0" smtClean="0"/>
-              <a:t>2020/1/8</a:t>
+              <a:t>2020/1/13</a:t>
             </a:fld>
             <a:endParaRPr lang="zh-TW" altLang="en-US" noProof="0"/>
           </a:p>
@@ -5523,7 +5524,7 @@
           <a:p>
             <a:fld id="{6BC39405-04A1-40D1-8C59-854574ADCA20}" type="datetime1">
               <a:rPr lang="zh-TW" altLang="en-US" noProof="0" smtClean="0"/>
-              <a:t>2020/1/8</a:t>
+              <a:t>2020/1/13</a:t>
             </a:fld>
             <a:endParaRPr lang="zh-TW" altLang="en-US" noProof="0"/>
           </a:p>
@@ -5725,7 +5726,7 @@
           <a:p>
             <a:fld id="{63A4AE2E-A8ED-46AC-BF15-D2D75BD090F4}" type="datetime1">
               <a:rPr lang="zh-TW" altLang="en-US" noProof="0" smtClean="0"/>
-              <a:t>2020/1/8</a:t>
+              <a:t>2020/1/13</a:t>
             </a:fld>
             <a:endParaRPr lang="zh-TW" altLang="en-US" noProof="0"/>
           </a:p>
@@ -5978,7 +5979,7 @@
           <a:p>
             <a:fld id="{2E2B4595-0FA5-4FB1-A6D5-B04F3226EA92}" type="datetime1">
               <a:rPr lang="zh-TW" altLang="en-US" noProof="0" smtClean="0"/>
-              <a:t>2020/1/8</a:t>
+              <a:t>2020/1/13</a:t>
             </a:fld>
             <a:endParaRPr lang="zh-TW" altLang="en-US" noProof="0"/>
           </a:p>
@@ -6292,7 +6293,7 @@
           <a:p>
             <a:fld id="{63A4AE2E-A8ED-46AC-BF15-D2D75BD090F4}" type="datetime1">
               <a:rPr lang="zh-TW" altLang="en-US" noProof="0" smtClean="0"/>
-              <a:t>2020/1/8</a:t>
+              <a:t>2020/1/13</a:t>
             </a:fld>
             <a:endParaRPr lang="zh-TW" altLang="en-US" noProof="0"/>
           </a:p>
@@ -6691,7 +6692,7 @@
           <a:p>
             <a:fld id="{63A4AE2E-A8ED-46AC-BF15-D2D75BD090F4}" type="datetime1">
               <a:rPr lang="zh-TW" altLang="en-US" noProof="0" smtClean="0"/>
-              <a:t>2020/1/8</a:t>
+              <a:t>2020/1/13</a:t>
             </a:fld>
             <a:endParaRPr lang="zh-TW" altLang="en-US" noProof="0"/>
           </a:p>
@@ -6845,7 +6846,7 @@
           <a:p>
             <a:fld id="{FF083CC8-5257-4D37-8B3C-F40C8475F46E}" type="datetime1">
               <a:rPr lang="zh-TW" altLang="en-US" noProof="0" smtClean="0"/>
-              <a:t>2020/1/8</a:t>
+              <a:t>2020/1/13</a:t>
             </a:fld>
             <a:endParaRPr lang="zh-TW" altLang="en-US" noProof="0"/>
           </a:p>
@@ -6987,7 +6988,7 @@
           <a:p>
             <a:fld id="{000761D5-80DB-4139-BF6C-FFE0FE69F568}" type="datetime1">
               <a:rPr lang="zh-TW" altLang="en-US" noProof="0" smtClean="0"/>
-              <a:t>2020/1/8</a:t>
+              <a:t>2020/1/13</a:t>
             </a:fld>
             <a:endParaRPr lang="zh-TW" altLang="en-US" noProof="0"/>
           </a:p>
@@ -7417,7 +7418,7 @@
           <a:p>
             <a:fld id="{27E3E20B-2387-4C46-9A18-32ABD03809A7}" type="datetime1">
               <a:rPr lang="zh-TW" altLang="en-US" noProof="0" smtClean="0"/>
-              <a:t>2020/1/8</a:t>
+              <a:t>2020/1/13</a:t>
             </a:fld>
             <a:endParaRPr lang="zh-TW" altLang="en-US" noProof="0"/>
           </a:p>
@@ -7748,7 +7749,7 @@
           <a:p>
             <a:fld id="{06315862-59F7-4262-A86D-921CCAED8154}" type="datetime1">
               <a:rPr lang="zh-TW" altLang="en-US" noProof="0" smtClean="0"/>
-              <a:t>2020/1/8</a:t>
+              <a:t>2020/1/13</a:t>
             </a:fld>
             <a:endParaRPr lang="zh-TW" altLang="en-US" noProof="0"/>
           </a:p>
@@ -8115,7 +8116,7 @@
           <a:p>
             <a:fld id="{63A4AE2E-A8ED-46AC-BF15-D2D75BD090F4}" type="datetime1">
               <a:rPr lang="zh-TW" altLang="en-US" noProof="0" smtClean="0"/>
-              <a:t>2020/1/8</a:t>
+              <a:t>2020/1/13</a:t>
             </a:fld>
             <a:endParaRPr lang="zh-TW" altLang="en-US" noProof="0"/>
           </a:p>
@@ -8742,13 +8743,6 @@
               </a:rPr>
               <a:t>陳映吾</a:t>
             </a:r>
-            <a:r>
-              <a:rPr lang="en-US" altLang="zh-TW" dirty="0">
-                <a:latin typeface="Microsoft JhengHei UI" panose="020B0604030504040204" pitchFamily="34" charset="-120"/>
-                <a:ea typeface="Microsoft JhengHei UI" panose="020B0604030504040204" pitchFamily="34" charset="-120"/>
-              </a:rPr>
-              <a:t/>
-            </a:r>
             <a:br>
               <a:rPr lang="en-US" altLang="zh-TW" dirty="0">
                 <a:latin typeface="Microsoft JhengHei UI" panose="020B0604030504040204" pitchFamily="34" charset="-120"/>
@@ -8776,13 +8770,6 @@
               </a:rPr>
               <a:t>戴辰翰</a:t>
             </a:r>
-            <a:r>
-              <a:rPr lang="en-US" altLang="zh-TW" dirty="0">
-                <a:latin typeface="Microsoft JhengHei UI" panose="020B0604030504040204" pitchFamily="34" charset="-120"/>
-                <a:ea typeface="Microsoft JhengHei UI" panose="020B0604030504040204" pitchFamily="34" charset="-120"/>
-              </a:rPr>
-              <a:t/>
-            </a:r>
             <a:br>
               <a:rPr lang="en-US" altLang="zh-TW" dirty="0">
                 <a:latin typeface="Microsoft JhengHei UI" panose="020B0604030504040204" pitchFamily="34" charset="-120"/>
@@ -8809,10 +8796,6 @@
                 <a:ea typeface="Microsoft JhengHei UI" panose="020B0604030504040204" pitchFamily="34" charset="-120"/>
               </a:rPr>
               <a:t>陳延俊</a:t>
-            </a:r>
-            <a:r>
-              <a:rPr lang="en-US" altLang="zh-TW" dirty="0"/>
-              <a:t/>
             </a:r>
             <a:br>
               <a:rPr lang="en-US" altLang="zh-TW" dirty="0"/>
@@ -8908,7 +8891,7 @@
             </a:r>
             <a:r>
               <a:rPr lang="zh-TW" altLang="en-US" dirty="0"/>
-              <a:t>穿膜問題</a:t>
+              <a:t>預測落點飄移</a:t>
             </a:r>
           </a:p>
         </p:txBody>
@@ -8925,8 +8908,8 @@
         </p:nvSpPr>
         <p:spPr>
           <a:xfrm>
-            <a:off x="1295064" y="2556932"/>
-            <a:ext cx="5231396" cy="3318936"/>
+            <a:off x="1293334" y="2556932"/>
+            <a:ext cx="5233126" cy="3318936"/>
           </a:xfrm>
         </p:spPr>
         <p:txBody>
@@ -8935,63 +8918,48 @@
           <a:p>
             <a:r>
               <a:rPr lang="zh-TW" altLang="en-US" dirty="0"/>
-              <a:t>當球速超過紅色路徑長度時會穿模</a:t>
+              <a:t>預測球移動</a:t>
+            </a:r>
+            <a:r>
+              <a:rPr lang="en-US" altLang="zh-TW" dirty="0"/>
+              <a:t>7</a:t>
+            </a:r>
+            <a:r>
+              <a:rPr lang="zh-TW" altLang="en-US" dirty="0"/>
+              <a:t>次，實際移動大於</a:t>
+            </a:r>
+            <a:r>
+              <a:rPr lang="en-US" altLang="zh-TW" dirty="0"/>
+              <a:t>7</a:t>
+            </a:r>
+            <a:r>
+              <a:rPr lang="zh-TW" altLang="en-US"/>
+              <a:t>次導致落點飄移</a:t>
             </a:r>
             <a:endParaRPr lang="en-US" altLang="zh-TW" dirty="0"/>
           </a:p>
-          <a:p>
-            <a:r>
-              <a:rPr lang="zh-TW" altLang="en-US" dirty="0"/>
-              <a:t>解決方法 </a:t>
-            </a:r>
-            <a:r>
-              <a:rPr lang="en-US" altLang="zh-TW" dirty="0"/>
-              <a:t>:</a:t>
-            </a:r>
-            <a:r>
-              <a:rPr lang="zh-TW" altLang="en-US" dirty="0"/>
-              <a:t> 當平板都用中心點接的話，紅色路徑長度為</a:t>
-            </a:r>
-            <a:r>
-              <a:rPr lang="en-US" altLang="zh-TW" dirty="0"/>
-              <a:t>28</a:t>
-            </a:r>
-            <a:r>
-              <a:rPr lang="zh-TW" altLang="en-US" dirty="0"/>
-              <a:t>點多。如果平板稍微偏移，黑色路徑最大長度為</a:t>
-            </a:r>
-            <a:r>
-              <a:rPr lang="en-US" altLang="zh-TW" dirty="0"/>
-              <a:t>42</a:t>
-            </a:r>
-            <a:r>
-              <a:rPr lang="zh-TW" altLang="en-US" dirty="0"/>
-              <a:t>點多。</a:t>
-            </a:r>
-            <a:endParaRPr lang="en-US" altLang="zh-TW" dirty="0"/>
-          </a:p>
-          <a:p>
-            <a:endParaRPr lang="en-US" altLang="zh-TW" dirty="0"/>
-          </a:p>
-          <a:p>
-            <a:endParaRPr lang="en-US" altLang="zh-TW" dirty="0"/>
-          </a:p>
-        </p:txBody>
-      </p:sp>
-      <p:sp>
-        <p:nvSpPr>
-          <p:cNvPr id="5" name="矩形 4"/>
+        </p:txBody>
+      </p:sp>
+      <p:sp>
+        <p:nvSpPr>
+          <p:cNvPr id="6" name="矩形 5"/>
           <p:cNvSpPr/>
           <p:nvPr/>
         </p:nvSpPr>
         <p:spPr>
           <a:xfrm>
-            <a:off x="8326660" y="1844066"/>
-            <a:ext cx="1512168" cy="360040"/>
+            <a:off x="7778689" y="116213"/>
+            <a:ext cx="1800200" cy="3312368"/>
           </a:xfrm>
           <a:prstGeom prst="rect">
             <a:avLst/>
           </a:prstGeom>
+          <a:noFill/>
+          <a:ln w="76200">
+            <a:solidFill>
+              <a:schemeClr val="tx1"/>
+            </a:solidFill>
+          </a:ln>
         </p:spPr>
         <p:style>
           <a:lnRef idx="2">
@@ -9020,213 +8988,26 @@
       </p:sp>
       <p:sp>
         <p:nvSpPr>
-          <p:cNvPr id="6" name="左大括弧 5"/>
+          <p:cNvPr id="7" name="矩形 6"/>
           <p:cNvSpPr/>
           <p:nvPr/>
         </p:nvSpPr>
         <p:spPr>
           <a:xfrm>
-            <a:off x="7199719" y="1303868"/>
-            <a:ext cx="910917" cy="900238"/>
-          </a:xfrm>
-          <a:prstGeom prst="leftBrace">
-            <a:avLst>
-              <a:gd name="adj1" fmla="val 8333"/>
-              <a:gd name="adj2" fmla="val 50000"/>
-            </a:avLst>
-          </a:prstGeom>
-        </p:spPr>
-        <p:style>
-          <a:lnRef idx="1">
-            <a:schemeClr val="accent1"/>
-          </a:lnRef>
-          <a:fillRef idx="0">
-            <a:schemeClr val="accent1"/>
-          </a:fillRef>
-          <a:effectRef idx="0">
-            <a:schemeClr val="accent1"/>
-          </a:effectRef>
-          <a:fontRef idx="minor">
-            <a:schemeClr val="tx1"/>
-          </a:fontRef>
-        </p:style>
-        <p:txBody>
-          <a:bodyPr rtlCol="0" anchor="ctr"/>
-          <a:lstStyle/>
-          <a:p>
-            <a:pPr algn="ctr"/>
-            <a:endParaRPr lang="zh-TW" altLang="en-US"/>
-          </a:p>
-        </p:txBody>
-      </p:sp>
-      <p:cxnSp>
-        <p:nvCxnSpPr>
-          <p:cNvPr id="14" name="直線接點 13"/>
-          <p:cNvCxnSpPr/>
-          <p:nvPr/>
-        </p:nvCxnSpPr>
-        <p:spPr>
-          <a:xfrm flipV="1">
-            <a:off x="9838828" y="1304901"/>
-            <a:ext cx="0" cy="539165"/>
-          </a:xfrm>
-          <a:prstGeom prst="line">
-            <a:avLst/>
-          </a:prstGeom>
-        </p:spPr>
-        <p:style>
-          <a:lnRef idx="1">
-            <a:schemeClr val="accent1"/>
-          </a:lnRef>
-          <a:fillRef idx="0">
-            <a:schemeClr val="accent1"/>
-          </a:fillRef>
-          <a:effectRef idx="0">
-            <a:schemeClr val="accent1"/>
-          </a:effectRef>
-          <a:fontRef idx="minor">
-            <a:schemeClr val="tx1"/>
-          </a:fontRef>
-        </p:style>
-      </p:cxnSp>
-      <p:cxnSp>
-        <p:nvCxnSpPr>
-          <p:cNvPr id="16" name="直線接點 15"/>
-          <p:cNvCxnSpPr/>
-          <p:nvPr/>
-        </p:nvCxnSpPr>
-        <p:spPr>
-          <a:xfrm flipV="1">
-            <a:off x="8326660" y="1304901"/>
-            <a:ext cx="0" cy="539165"/>
-          </a:xfrm>
-          <a:prstGeom prst="line">
-            <a:avLst/>
-          </a:prstGeom>
-        </p:spPr>
-        <p:style>
-          <a:lnRef idx="1">
-            <a:schemeClr val="accent1"/>
-          </a:lnRef>
-          <a:fillRef idx="0">
-            <a:schemeClr val="accent1"/>
-          </a:fillRef>
-          <a:effectRef idx="0">
-            <a:schemeClr val="accent1"/>
-          </a:effectRef>
-          <a:fontRef idx="minor">
-            <a:schemeClr val="tx1"/>
-          </a:fontRef>
-        </p:style>
-      </p:cxnSp>
-      <p:cxnSp>
-        <p:nvCxnSpPr>
-          <p:cNvPr id="18" name="直線接點 17"/>
-          <p:cNvCxnSpPr/>
-          <p:nvPr/>
-        </p:nvCxnSpPr>
-        <p:spPr>
-          <a:xfrm flipH="1">
-            <a:off x="8326660" y="1304901"/>
-            <a:ext cx="1512168" cy="0"/>
-          </a:xfrm>
-          <a:prstGeom prst="line">
-            <a:avLst/>
-          </a:prstGeom>
-        </p:spPr>
-        <p:style>
-          <a:lnRef idx="1">
-            <a:schemeClr val="accent1"/>
-          </a:lnRef>
-          <a:fillRef idx="0">
-            <a:schemeClr val="accent1"/>
-          </a:fillRef>
-          <a:effectRef idx="0">
-            <a:schemeClr val="accent1"/>
-          </a:effectRef>
-          <a:fontRef idx="minor">
-            <a:schemeClr val="tx1"/>
-          </a:fontRef>
-        </p:style>
-      </p:cxnSp>
-      <p:sp>
-        <p:nvSpPr>
-          <p:cNvPr id="19" name="文字方塊 18"/>
-          <p:cNvSpPr txBox="1"/>
-          <p:nvPr/>
-        </p:nvSpPr>
-        <p:spPr>
-          <a:xfrm>
-            <a:off x="6779154" y="1556792"/>
-            <a:ext cx="673259" cy="369332"/>
+            <a:off x="8910716" y="2854465"/>
+            <a:ext cx="420047" cy="63699"/>
           </a:xfrm>
           <a:prstGeom prst="rect">
             <a:avLst/>
           </a:prstGeom>
-          <a:noFill/>
-        </p:spPr>
-        <p:txBody>
-          <a:bodyPr wrap="square" rtlCol="0">
-            <a:spAutoFit/>
-          </a:bodyPr>
-          <a:lstStyle/>
-          <a:p>
-            <a:r>
-              <a:rPr lang="en-US" altLang="zh-TW" dirty="0"/>
-              <a:t>30</a:t>
-            </a:r>
-          </a:p>
-        </p:txBody>
-      </p:sp>
-      <p:cxnSp>
-        <p:nvCxnSpPr>
-          <p:cNvPr id="21" name="直線接點 20"/>
-          <p:cNvCxnSpPr/>
-          <p:nvPr/>
-        </p:nvCxnSpPr>
-        <p:spPr>
-          <a:xfrm>
-            <a:off x="8326660" y="1556792"/>
-            <a:ext cx="648072" cy="647314"/>
-          </a:xfrm>
-          <a:prstGeom prst="line">
-            <a:avLst/>
-          </a:prstGeom>
-          <a:ln w="57150">
+          <a:solidFill>
+            <a:srgbClr val="FF0000"/>
+          </a:solidFill>
+          <a:ln>
             <a:solidFill>
               <a:srgbClr val="FF0000"/>
             </a:solidFill>
           </a:ln>
-        </p:spPr>
-        <p:style>
-          <a:lnRef idx="1">
-            <a:schemeClr val="accent1"/>
-          </a:lnRef>
-          <a:fillRef idx="0">
-            <a:schemeClr val="accent1"/>
-          </a:fillRef>
-          <a:effectRef idx="0">
-            <a:schemeClr val="accent1"/>
-          </a:effectRef>
-          <a:fontRef idx="minor">
-            <a:schemeClr val="tx1"/>
-          </a:fontRef>
-        </p:style>
-      </p:cxnSp>
-      <p:sp>
-        <p:nvSpPr>
-          <p:cNvPr id="22" name="矩形 21"/>
-          <p:cNvSpPr/>
-          <p:nvPr/>
-        </p:nvSpPr>
-        <p:spPr>
-          <a:xfrm>
-            <a:off x="8110636" y="4292338"/>
-            <a:ext cx="1512168" cy="360040"/>
-          </a:xfrm>
-          <a:prstGeom prst="rect">
-            <a:avLst/>
-          </a:prstGeom>
         </p:spPr>
         <p:style>
           <a:lnRef idx="2">
@@ -9253,135 +9034,755 @@
           </a:p>
         </p:txBody>
       </p:sp>
-      <p:cxnSp>
-        <p:nvCxnSpPr>
-          <p:cNvPr id="24" name="直線接點 23"/>
-          <p:cNvCxnSpPr/>
+      <p:sp>
+        <p:nvSpPr>
+          <p:cNvPr id="8" name="矩形 7"/>
+          <p:cNvSpPr/>
           <p:nvPr/>
-        </p:nvCxnSpPr>
-        <p:spPr>
-          <a:xfrm flipV="1">
-            <a:off x="9622804" y="3753173"/>
-            <a:ext cx="0" cy="539165"/>
-          </a:xfrm>
-          <a:prstGeom prst="line">
+        </p:nvSpPr>
+        <p:spPr>
+          <a:xfrm>
+            <a:off x="7778689" y="3429000"/>
+            <a:ext cx="1800200" cy="3312368"/>
+          </a:xfrm>
+          <a:prstGeom prst="rect">
             <a:avLst/>
           </a:prstGeom>
-        </p:spPr>
-        <p:style>
-          <a:lnRef idx="1">
-            <a:schemeClr val="accent1"/>
-          </a:lnRef>
-          <a:fillRef idx="0">
-            <a:schemeClr val="accent1"/>
-          </a:fillRef>
-          <a:effectRef idx="0">
-            <a:schemeClr val="accent1"/>
-          </a:effectRef>
-          <a:fontRef idx="minor">
-            <a:schemeClr val="tx1"/>
-          </a:fontRef>
-        </p:style>
-      </p:cxnSp>
-      <p:cxnSp>
-        <p:nvCxnSpPr>
-          <p:cNvPr id="25" name="直線接點 24"/>
-          <p:cNvCxnSpPr/>
-          <p:nvPr/>
-        </p:nvCxnSpPr>
-        <p:spPr>
-          <a:xfrm flipV="1">
-            <a:off x="8110636" y="3753173"/>
-            <a:ext cx="0" cy="539165"/>
-          </a:xfrm>
-          <a:prstGeom prst="line">
-            <a:avLst/>
-          </a:prstGeom>
-        </p:spPr>
-        <p:style>
-          <a:lnRef idx="1">
-            <a:schemeClr val="accent1"/>
-          </a:lnRef>
-          <a:fillRef idx="0">
-            <a:schemeClr val="accent1"/>
-          </a:fillRef>
-          <a:effectRef idx="0">
-            <a:schemeClr val="accent1"/>
-          </a:effectRef>
-          <a:fontRef idx="minor">
-            <a:schemeClr val="tx1"/>
-          </a:fontRef>
-        </p:style>
-      </p:cxnSp>
-      <p:cxnSp>
-        <p:nvCxnSpPr>
-          <p:cNvPr id="26" name="直線接點 25"/>
-          <p:cNvCxnSpPr/>
-          <p:nvPr/>
-        </p:nvCxnSpPr>
-        <p:spPr>
-          <a:xfrm flipH="1">
-            <a:off x="8110636" y="3753173"/>
-            <a:ext cx="1512168" cy="0"/>
-          </a:xfrm>
-          <a:prstGeom prst="line">
-            <a:avLst/>
-          </a:prstGeom>
-        </p:spPr>
-        <p:style>
-          <a:lnRef idx="1">
-            <a:schemeClr val="accent1"/>
-          </a:lnRef>
-          <a:fillRef idx="0">
-            <a:schemeClr val="accent1"/>
-          </a:fillRef>
-          <a:effectRef idx="0">
-            <a:schemeClr val="accent1"/>
-          </a:effectRef>
-          <a:fontRef idx="minor">
-            <a:schemeClr val="tx1"/>
-          </a:fontRef>
-        </p:style>
-      </p:cxnSp>
-      <p:cxnSp>
-        <p:nvCxnSpPr>
-          <p:cNvPr id="27" name="直線接點 26"/>
-          <p:cNvCxnSpPr/>
-          <p:nvPr/>
-        </p:nvCxnSpPr>
-        <p:spPr>
-          <a:xfrm>
-            <a:off x="8110635" y="3752140"/>
-            <a:ext cx="972109" cy="917929"/>
-          </a:xfrm>
-          <a:prstGeom prst="line">
-            <a:avLst/>
-          </a:prstGeom>
-          <a:ln w="57150">
+          <a:noFill/>
+          <a:ln w="76200">
             <a:solidFill>
               <a:schemeClr val="tx1"/>
             </a:solidFill>
+            <a:prstDash val="sysDot"/>
           </a:ln>
         </p:spPr>
         <p:style>
-          <a:lnRef idx="1">
-            <a:schemeClr val="accent1"/>
+          <a:lnRef idx="2">
+            <a:schemeClr val="accent1">
+              <a:shade val="50000"/>
+            </a:schemeClr>
           </a:lnRef>
-          <a:fillRef idx="0">
+          <a:fillRef idx="1">
             <a:schemeClr val="accent1"/>
           </a:fillRef>
           <a:effectRef idx="0">
             <a:schemeClr val="accent1"/>
           </a:effectRef>
           <a:fontRef idx="minor">
-            <a:schemeClr val="tx1"/>
+            <a:schemeClr val="lt1"/>
           </a:fontRef>
         </p:style>
-      </p:cxnSp>
+        <p:txBody>
+          <a:bodyPr rtlCol="0" anchor="ctr"/>
+          <a:lstStyle/>
+          <a:p>
+            <a:pPr algn="ctr"/>
+            <a:endParaRPr lang="zh-TW" altLang="en-US"/>
+          </a:p>
+        </p:txBody>
+      </p:sp>
+      <p:sp>
+        <p:nvSpPr>
+          <p:cNvPr id="9" name="橢圓 8"/>
+          <p:cNvSpPr/>
+          <p:nvPr/>
+        </p:nvSpPr>
+        <p:spPr>
+          <a:xfrm>
+            <a:off x="8254652" y="1340768"/>
+            <a:ext cx="216024" cy="216024"/>
+          </a:xfrm>
+          <a:prstGeom prst="ellipse">
+            <a:avLst/>
+          </a:prstGeom>
+        </p:spPr>
+        <p:style>
+          <a:lnRef idx="2">
+            <a:schemeClr val="accent1">
+              <a:shade val="50000"/>
+            </a:schemeClr>
+          </a:lnRef>
+          <a:fillRef idx="1">
+            <a:schemeClr val="accent1"/>
+          </a:fillRef>
+          <a:effectRef idx="0">
+            <a:schemeClr val="accent1"/>
+          </a:effectRef>
+          <a:fontRef idx="minor">
+            <a:schemeClr val="lt1"/>
+          </a:fontRef>
+        </p:style>
+        <p:txBody>
+          <a:bodyPr rtlCol="0" anchor="ctr"/>
+          <a:lstStyle/>
+          <a:p>
+            <a:pPr algn="ctr"/>
+            <a:endParaRPr lang="zh-TW" altLang="en-US"/>
+          </a:p>
+        </p:txBody>
+      </p:sp>
+      <p:sp>
+        <p:nvSpPr>
+          <p:cNvPr id="10" name="橢圓 9"/>
+          <p:cNvSpPr/>
+          <p:nvPr/>
+        </p:nvSpPr>
+        <p:spPr>
+          <a:xfrm>
+            <a:off x="8570777" y="1664385"/>
+            <a:ext cx="216024" cy="216024"/>
+          </a:xfrm>
+          <a:prstGeom prst="ellipse">
+            <a:avLst/>
+          </a:prstGeom>
+        </p:spPr>
+        <p:style>
+          <a:lnRef idx="2">
+            <a:schemeClr val="accent1">
+              <a:shade val="50000"/>
+            </a:schemeClr>
+          </a:lnRef>
+          <a:fillRef idx="1">
+            <a:schemeClr val="accent1"/>
+          </a:fillRef>
+          <a:effectRef idx="0">
+            <a:schemeClr val="accent1"/>
+          </a:effectRef>
+          <a:fontRef idx="minor">
+            <a:schemeClr val="lt1"/>
+          </a:fontRef>
+        </p:style>
+        <p:txBody>
+          <a:bodyPr rtlCol="0" anchor="ctr"/>
+          <a:lstStyle/>
+          <a:p>
+            <a:pPr algn="ctr"/>
+            <a:endParaRPr lang="zh-TW" altLang="en-US"/>
+          </a:p>
+        </p:txBody>
+      </p:sp>
+      <p:sp>
+        <p:nvSpPr>
+          <p:cNvPr id="13" name="橢圓 12"/>
+          <p:cNvSpPr/>
+          <p:nvPr/>
+        </p:nvSpPr>
+        <p:spPr>
+          <a:xfrm>
+            <a:off x="8570777" y="1664385"/>
+            <a:ext cx="216024" cy="216024"/>
+          </a:xfrm>
+          <a:prstGeom prst="ellipse">
+            <a:avLst/>
+          </a:prstGeom>
+        </p:spPr>
+        <p:style>
+          <a:lnRef idx="2">
+            <a:schemeClr val="accent1">
+              <a:shade val="50000"/>
+            </a:schemeClr>
+          </a:lnRef>
+          <a:fillRef idx="1">
+            <a:schemeClr val="accent1"/>
+          </a:fillRef>
+          <a:effectRef idx="0">
+            <a:schemeClr val="accent1"/>
+          </a:effectRef>
+          <a:fontRef idx="minor">
+            <a:schemeClr val="lt1"/>
+          </a:fontRef>
+        </p:style>
+        <p:txBody>
+          <a:bodyPr rtlCol="0" anchor="ctr"/>
+          <a:lstStyle/>
+          <a:p>
+            <a:pPr algn="ctr"/>
+            <a:endParaRPr lang="zh-TW" altLang="en-US"/>
+          </a:p>
+        </p:txBody>
+      </p:sp>
+      <p:sp>
+        <p:nvSpPr>
+          <p:cNvPr id="14" name="橢圓 13"/>
+          <p:cNvSpPr/>
+          <p:nvPr/>
+        </p:nvSpPr>
+        <p:spPr>
+          <a:xfrm>
+            <a:off x="8886902" y="1988002"/>
+            <a:ext cx="216024" cy="216024"/>
+          </a:xfrm>
+          <a:prstGeom prst="ellipse">
+            <a:avLst/>
+          </a:prstGeom>
+        </p:spPr>
+        <p:style>
+          <a:lnRef idx="2">
+            <a:schemeClr val="accent1">
+              <a:shade val="50000"/>
+            </a:schemeClr>
+          </a:lnRef>
+          <a:fillRef idx="1">
+            <a:schemeClr val="accent1"/>
+          </a:fillRef>
+          <a:effectRef idx="0">
+            <a:schemeClr val="accent1"/>
+          </a:effectRef>
+          <a:fontRef idx="minor">
+            <a:schemeClr val="lt1"/>
+          </a:fontRef>
+        </p:style>
+        <p:txBody>
+          <a:bodyPr rtlCol="0" anchor="ctr"/>
+          <a:lstStyle/>
+          <a:p>
+            <a:pPr algn="ctr"/>
+            <a:endParaRPr lang="zh-TW" altLang="en-US"/>
+          </a:p>
+        </p:txBody>
+      </p:sp>
+      <p:sp>
+        <p:nvSpPr>
+          <p:cNvPr id="19" name="橢圓 18"/>
+          <p:cNvSpPr/>
+          <p:nvPr/>
+        </p:nvSpPr>
+        <p:spPr>
+          <a:xfrm>
+            <a:off x="9222751" y="2286000"/>
+            <a:ext cx="216024" cy="216024"/>
+          </a:xfrm>
+          <a:prstGeom prst="ellipse">
+            <a:avLst/>
+          </a:prstGeom>
+        </p:spPr>
+        <p:style>
+          <a:lnRef idx="2">
+            <a:schemeClr val="accent1">
+              <a:shade val="50000"/>
+            </a:schemeClr>
+          </a:lnRef>
+          <a:fillRef idx="1">
+            <a:schemeClr val="accent1"/>
+          </a:fillRef>
+          <a:effectRef idx="0">
+            <a:schemeClr val="accent1"/>
+          </a:effectRef>
+          <a:fontRef idx="minor">
+            <a:schemeClr val="lt1"/>
+          </a:fontRef>
+        </p:style>
+        <p:txBody>
+          <a:bodyPr rtlCol="0" anchor="ctr"/>
+          <a:lstStyle/>
+          <a:p>
+            <a:pPr algn="ctr"/>
+            <a:endParaRPr lang="zh-TW" altLang="en-US"/>
+          </a:p>
+        </p:txBody>
+      </p:sp>
+      <p:sp>
+        <p:nvSpPr>
+          <p:cNvPr id="21" name="橢圓 20"/>
+          <p:cNvSpPr/>
+          <p:nvPr/>
+        </p:nvSpPr>
+        <p:spPr>
+          <a:xfrm>
+            <a:off x="9012727" y="2597687"/>
+            <a:ext cx="216024" cy="216024"/>
+          </a:xfrm>
+          <a:prstGeom prst="ellipse">
+            <a:avLst/>
+          </a:prstGeom>
+        </p:spPr>
+        <p:style>
+          <a:lnRef idx="2">
+            <a:schemeClr val="accent1">
+              <a:shade val="50000"/>
+            </a:schemeClr>
+          </a:lnRef>
+          <a:fillRef idx="1">
+            <a:schemeClr val="accent1"/>
+          </a:fillRef>
+          <a:effectRef idx="0">
+            <a:schemeClr val="accent1"/>
+          </a:effectRef>
+          <a:fontRef idx="minor">
+            <a:schemeClr val="lt1"/>
+          </a:fontRef>
+        </p:style>
+        <p:txBody>
+          <a:bodyPr rtlCol="0" anchor="ctr"/>
+          <a:lstStyle/>
+          <a:p>
+            <a:pPr algn="ctr"/>
+            <a:endParaRPr lang="zh-TW" altLang="en-US"/>
+          </a:p>
+        </p:txBody>
+      </p:sp>
+      <p:sp>
+        <p:nvSpPr>
+          <p:cNvPr id="22" name="橢圓 21"/>
+          <p:cNvSpPr/>
+          <p:nvPr/>
+        </p:nvSpPr>
+        <p:spPr>
+          <a:xfrm>
+            <a:off x="8763942" y="2918164"/>
+            <a:ext cx="216024" cy="216024"/>
+          </a:xfrm>
+          <a:prstGeom prst="ellipse">
+            <a:avLst/>
+          </a:prstGeom>
+        </p:spPr>
+        <p:style>
+          <a:lnRef idx="2">
+            <a:schemeClr val="accent1">
+              <a:shade val="50000"/>
+            </a:schemeClr>
+          </a:lnRef>
+          <a:fillRef idx="1">
+            <a:schemeClr val="accent1"/>
+          </a:fillRef>
+          <a:effectRef idx="0">
+            <a:schemeClr val="accent1"/>
+          </a:effectRef>
+          <a:fontRef idx="minor">
+            <a:schemeClr val="lt1"/>
+          </a:fontRef>
+        </p:style>
+        <p:txBody>
+          <a:bodyPr rtlCol="0" anchor="ctr"/>
+          <a:lstStyle/>
+          <a:p>
+            <a:pPr algn="ctr"/>
+            <a:endParaRPr lang="zh-TW" altLang="en-US"/>
+          </a:p>
+        </p:txBody>
+      </p:sp>
+      <p:sp>
+        <p:nvSpPr>
+          <p:cNvPr id="23" name="橢圓 22"/>
+          <p:cNvSpPr/>
+          <p:nvPr/>
+        </p:nvSpPr>
+        <p:spPr>
+          <a:xfrm>
+            <a:off x="8550750" y="3207052"/>
+            <a:ext cx="216024" cy="216024"/>
+          </a:xfrm>
+          <a:prstGeom prst="ellipse">
+            <a:avLst/>
+          </a:prstGeom>
+        </p:spPr>
+        <p:style>
+          <a:lnRef idx="2">
+            <a:schemeClr val="accent1">
+              <a:shade val="50000"/>
+            </a:schemeClr>
+          </a:lnRef>
+          <a:fillRef idx="1">
+            <a:schemeClr val="accent1"/>
+          </a:fillRef>
+          <a:effectRef idx="0">
+            <a:schemeClr val="accent1"/>
+          </a:effectRef>
+          <a:fontRef idx="minor">
+            <a:schemeClr val="lt1"/>
+          </a:fontRef>
+        </p:style>
+        <p:txBody>
+          <a:bodyPr rtlCol="0" anchor="ctr"/>
+          <a:lstStyle/>
+          <a:p>
+            <a:pPr algn="ctr"/>
+            <a:endParaRPr lang="zh-TW" altLang="en-US"/>
+          </a:p>
+        </p:txBody>
+      </p:sp>
+      <p:sp>
+        <p:nvSpPr>
+          <p:cNvPr id="25" name="橢圓 24"/>
+          <p:cNvSpPr/>
+          <p:nvPr/>
+        </p:nvSpPr>
+        <p:spPr>
+          <a:xfrm>
+            <a:off x="8254652" y="3524424"/>
+            <a:ext cx="216024" cy="216024"/>
+          </a:xfrm>
+          <a:prstGeom prst="ellipse">
+            <a:avLst/>
+          </a:prstGeom>
+        </p:spPr>
+        <p:style>
+          <a:lnRef idx="2">
+            <a:schemeClr val="accent1">
+              <a:shade val="50000"/>
+            </a:schemeClr>
+          </a:lnRef>
+          <a:fillRef idx="1">
+            <a:schemeClr val="accent1"/>
+          </a:fillRef>
+          <a:effectRef idx="0">
+            <a:schemeClr val="accent1"/>
+          </a:effectRef>
+          <a:fontRef idx="minor">
+            <a:schemeClr val="lt1"/>
+          </a:fontRef>
+        </p:style>
+        <p:txBody>
+          <a:bodyPr rtlCol="0" anchor="ctr"/>
+          <a:lstStyle/>
+          <a:p>
+            <a:pPr algn="ctr"/>
+            <a:endParaRPr lang="zh-TW" altLang="en-US"/>
+          </a:p>
+        </p:txBody>
+      </p:sp>
+      <p:sp>
+        <p:nvSpPr>
+          <p:cNvPr id="26" name="橢圓 25"/>
+          <p:cNvSpPr/>
+          <p:nvPr/>
+        </p:nvSpPr>
+        <p:spPr>
+          <a:xfrm>
+            <a:off x="8005867" y="3844901"/>
+            <a:ext cx="216024" cy="216024"/>
+          </a:xfrm>
+          <a:prstGeom prst="ellipse">
+            <a:avLst/>
+          </a:prstGeom>
+        </p:spPr>
+        <p:style>
+          <a:lnRef idx="2">
+            <a:schemeClr val="accent1">
+              <a:shade val="50000"/>
+            </a:schemeClr>
+          </a:lnRef>
+          <a:fillRef idx="1">
+            <a:schemeClr val="accent1"/>
+          </a:fillRef>
+          <a:effectRef idx="0">
+            <a:schemeClr val="accent1"/>
+          </a:effectRef>
+          <a:fontRef idx="minor">
+            <a:schemeClr val="lt1"/>
+          </a:fontRef>
+        </p:style>
+        <p:txBody>
+          <a:bodyPr rtlCol="0" anchor="ctr"/>
+          <a:lstStyle/>
+          <a:p>
+            <a:pPr algn="ctr"/>
+            <a:endParaRPr lang="zh-TW" altLang="en-US"/>
+          </a:p>
+        </p:txBody>
+      </p:sp>
+      <p:sp>
+        <p:nvSpPr>
+          <p:cNvPr id="27" name="橢圓 26"/>
+          <p:cNvSpPr/>
+          <p:nvPr/>
+        </p:nvSpPr>
+        <p:spPr>
+          <a:xfrm>
+            <a:off x="7712601" y="4132378"/>
+            <a:ext cx="216024" cy="216024"/>
+          </a:xfrm>
+          <a:prstGeom prst="ellipse">
+            <a:avLst/>
+          </a:prstGeom>
+        </p:spPr>
+        <p:style>
+          <a:lnRef idx="2">
+            <a:schemeClr val="accent1">
+              <a:shade val="50000"/>
+            </a:schemeClr>
+          </a:lnRef>
+          <a:fillRef idx="1">
+            <a:schemeClr val="accent1"/>
+          </a:fillRef>
+          <a:effectRef idx="0">
+            <a:schemeClr val="accent1"/>
+          </a:effectRef>
+          <a:fontRef idx="minor">
+            <a:schemeClr val="lt1"/>
+          </a:fontRef>
+        </p:style>
+        <p:txBody>
+          <a:bodyPr rtlCol="0" anchor="ctr"/>
+          <a:lstStyle/>
+          <a:p>
+            <a:pPr algn="ctr"/>
+            <a:endParaRPr lang="zh-TW" altLang="en-US"/>
+          </a:p>
+        </p:txBody>
+      </p:sp>
+      <p:sp>
+        <p:nvSpPr>
+          <p:cNvPr id="33" name="橢圓 32"/>
+          <p:cNvSpPr/>
+          <p:nvPr/>
+        </p:nvSpPr>
+        <p:spPr>
+          <a:xfrm>
+            <a:off x="8913821" y="2647232"/>
+            <a:ext cx="216024" cy="216024"/>
+          </a:xfrm>
+          <a:prstGeom prst="ellipse">
+            <a:avLst/>
+          </a:prstGeom>
+          <a:solidFill>
+            <a:srgbClr val="FF0000"/>
+          </a:solidFill>
+        </p:spPr>
+        <p:style>
+          <a:lnRef idx="2">
+            <a:schemeClr val="accent1">
+              <a:shade val="50000"/>
+            </a:schemeClr>
+          </a:lnRef>
+          <a:fillRef idx="1">
+            <a:schemeClr val="accent1"/>
+          </a:fillRef>
+          <a:effectRef idx="0">
+            <a:schemeClr val="accent1"/>
+          </a:effectRef>
+          <a:fontRef idx="minor">
+            <a:schemeClr val="lt1"/>
+          </a:fontRef>
+        </p:style>
+        <p:txBody>
+          <a:bodyPr rtlCol="0" anchor="ctr"/>
+          <a:lstStyle/>
+          <a:p>
+            <a:pPr algn="ctr"/>
+            <a:endParaRPr lang="zh-TW" altLang="en-US"/>
+          </a:p>
+        </p:txBody>
+      </p:sp>
+      <p:sp>
+        <p:nvSpPr>
+          <p:cNvPr id="34" name="橢圓 33"/>
+          <p:cNvSpPr/>
+          <p:nvPr/>
+        </p:nvSpPr>
+        <p:spPr>
+          <a:xfrm>
+            <a:off x="8655930" y="2448920"/>
+            <a:ext cx="216024" cy="216024"/>
+          </a:xfrm>
+          <a:prstGeom prst="ellipse">
+            <a:avLst/>
+          </a:prstGeom>
+          <a:solidFill>
+            <a:srgbClr val="FF0000"/>
+          </a:solidFill>
+        </p:spPr>
+        <p:style>
+          <a:lnRef idx="2">
+            <a:schemeClr val="accent1">
+              <a:shade val="50000"/>
+            </a:schemeClr>
+          </a:lnRef>
+          <a:fillRef idx="1">
+            <a:schemeClr val="accent1"/>
+          </a:fillRef>
+          <a:effectRef idx="0">
+            <a:schemeClr val="accent1"/>
+          </a:effectRef>
+          <a:fontRef idx="minor">
+            <a:schemeClr val="lt1"/>
+          </a:fontRef>
+        </p:style>
+        <p:txBody>
+          <a:bodyPr rtlCol="0" anchor="ctr"/>
+          <a:lstStyle/>
+          <a:p>
+            <a:pPr algn="ctr"/>
+            <a:endParaRPr lang="zh-TW" altLang="en-US"/>
+          </a:p>
+        </p:txBody>
+      </p:sp>
+      <p:sp>
+        <p:nvSpPr>
+          <p:cNvPr id="35" name="橢圓 34"/>
+          <p:cNvSpPr/>
+          <p:nvPr/>
+        </p:nvSpPr>
+        <p:spPr>
+          <a:xfrm>
+            <a:off x="8434680" y="2259448"/>
+            <a:ext cx="216024" cy="216024"/>
+          </a:xfrm>
+          <a:prstGeom prst="ellipse">
+            <a:avLst/>
+          </a:prstGeom>
+          <a:solidFill>
+            <a:srgbClr val="FF0000"/>
+          </a:solidFill>
+        </p:spPr>
+        <p:style>
+          <a:lnRef idx="2">
+            <a:schemeClr val="accent1">
+              <a:shade val="50000"/>
+            </a:schemeClr>
+          </a:lnRef>
+          <a:fillRef idx="1">
+            <a:schemeClr val="accent1"/>
+          </a:fillRef>
+          <a:effectRef idx="0">
+            <a:schemeClr val="accent1"/>
+          </a:effectRef>
+          <a:fontRef idx="minor">
+            <a:schemeClr val="lt1"/>
+          </a:fontRef>
+        </p:style>
+        <p:txBody>
+          <a:bodyPr rtlCol="0" anchor="ctr"/>
+          <a:lstStyle/>
+          <a:p>
+            <a:pPr algn="ctr"/>
+            <a:endParaRPr lang="zh-TW" altLang="en-US"/>
+          </a:p>
+        </p:txBody>
+      </p:sp>
+      <p:sp>
+        <p:nvSpPr>
+          <p:cNvPr id="37" name="橢圓 36"/>
+          <p:cNvSpPr/>
+          <p:nvPr/>
+        </p:nvSpPr>
+        <p:spPr>
+          <a:xfrm>
+            <a:off x="8146640" y="2070186"/>
+            <a:ext cx="216024" cy="216024"/>
+          </a:xfrm>
+          <a:prstGeom prst="ellipse">
+            <a:avLst/>
+          </a:prstGeom>
+          <a:solidFill>
+            <a:srgbClr val="FF0000"/>
+          </a:solidFill>
+        </p:spPr>
+        <p:style>
+          <a:lnRef idx="2">
+            <a:schemeClr val="accent1">
+              <a:shade val="50000"/>
+            </a:schemeClr>
+          </a:lnRef>
+          <a:fillRef idx="1">
+            <a:schemeClr val="accent1"/>
+          </a:fillRef>
+          <a:effectRef idx="0">
+            <a:schemeClr val="accent1"/>
+          </a:effectRef>
+          <a:fontRef idx="minor">
+            <a:schemeClr val="lt1"/>
+          </a:fontRef>
+        </p:style>
+        <p:txBody>
+          <a:bodyPr rtlCol="0" anchor="ctr"/>
+          <a:lstStyle/>
+          <a:p>
+            <a:pPr algn="ctr"/>
+            <a:endParaRPr lang="zh-TW" altLang="en-US"/>
+          </a:p>
+        </p:txBody>
+      </p:sp>
+      <p:sp>
+        <p:nvSpPr>
+          <p:cNvPr id="38" name="橢圓 37"/>
+          <p:cNvSpPr/>
+          <p:nvPr/>
+        </p:nvSpPr>
+        <p:spPr>
+          <a:xfrm>
+            <a:off x="7911134" y="1870601"/>
+            <a:ext cx="216024" cy="216024"/>
+          </a:xfrm>
+          <a:prstGeom prst="ellipse">
+            <a:avLst/>
+          </a:prstGeom>
+          <a:solidFill>
+            <a:srgbClr val="FF0000"/>
+          </a:solidFill>
+        </p:spPr>
+        <p:style>
+          <a:lnRef idx="2">
+            <a:schemeClr val="accent1">
+              <a:shade val="50000"/>
+            </a:schemeClr>
+          </a:lnRef>
+          <a:fillRef idx="1">
+            <a:schemeClr val="accent1"/>
+          </a:fillRef>
+          <a:effectRef idx="0">
+            <a:schemeClr val="accent1"/>
+          </a:effectRef>
+          <a:fontRef idx="minor">
+            <a:schemeClr val="lt1"/>
+          </a:fontRef>
+        </p:style>
+        <p:txBody>
+          <a:bodyPr rtlCol="0" anchor="ctr"/>
+          <a:lstStyle/>
+          <a:p>
+            <a:pPr algn="ctr"/>
+            <a:endParaRPr lang="zh-TW" altLang="en-US"/>
+          </a:p>
+        </p:txBody>
+      </p:sp>
+      <p:sp>
+        <p:nvSpPr>
+          <p:cNvPr id="39" name="橢圓 38"/>
+          <p:cNvSpPr/>
+          <p:nvPr/>
+        </p:nvSpPr>
+        <p:spPr>
+          <a:xfrm>
+            <a:off x="7820613" y="1793522"/>
+            <a:ext cx="216024" cy="216024"/>
+          </a:xfrm>
+          <a:prstGeom prst="ellipse">
+            <a:avLst/>
+          </a:prstGeom>
+          <a:solidFill>
+            <a:srgbClr val="FF0000"/>
+          </a:solidFill>
+        </p:spPr>
+        <p:style>
+          <a:lnRef idx="2">
+            <a:schemeClr val="accent1">
+              <a:shade val="50000"/>
+            </a:schemeClr>
+          </a:lnRef>
+          <a:fillRef idx="1">
+            <a:schemeClr val="accent1"/>
+          </a:fillRef>
+          <a:effectRef idx="0">
+            <a:schemeClr val="accent1"/>
+          </a:effectRef>
+          <a:fontRef idx="minor">
+            <a:schemeClr val="lt1"/>
+          </a:fontRef>
+        </p:style>
+        <p:txBody>
+          <a:bodyPr rtlCol="0" anchor="ctr"/>
+          <a:lstStyle/>
+          <a:p>
+            <a:pPr algn="ctr"/>
+            <a:endParaRPr lang="zh-TW" altLang="en-US"/>
+          </a:p>
+        </p:txBody>
+      </p:sp>
     </p:spTree>
     <p:extLst>
       <p:ext uri="{BB962C8B-B14F-4D97-AF65-F5344CB8AC3E}">
-        <p14:creationId xmlns:p14="http://schemas.microsoft.com/office/powerpoint/2010/main" val="578265078"/>
+        <p14:creationId xmlns:p14="http://schemas.microsoft.com/office/powerpoint/2010/main" val="990246829"/>
       </p:ext>
     </p:extLst>
   </p:cSld>
@@ -9436,75 +9837,99 @@
           <a:lstStyle/>
           <a:p>
             <a:r>
-              <a:rPr lang="zh-TW" altLang="en-US" dirty="0" smtClean="0"/>
-              <a:t>手寫</a:t>
-            </a:r>
-            <a:r>
-              <a:rPr lang="en-US" altLang="zh-TW" dirty="0" err="1" smtClean="0"/>
-              <a:t>sklearn</a:t>
-            </a:r>
-            <a:r>
-              <a:rPr lang="zh-TW" altLang="en-US" dirty="0" smtClean="0"/>
-              <a:t>的</a:t>
-            </a:r>
-            <a:r>
-              <a:rPr lang="en-US" altLang="zh-TW" dirty="0" err="1" smtClean="0"/>
-              <a:t>train_test_split</a:t>
-            </a:r>
-            <a:r>
-              <a:rPr lang="zh-TW" altLang="en-US" dirty="0" smtClean="0"/>
-              <a:t>函數</a:t>
-            </a:r>
-            <a:endParaRPr lang="zh-TW" altLang="en-US" dirty="0"/>
-          </a:p>
-        </p:txBody>
-      </p:sp>
-      <p:pic>
-        <p:nvPicPr>
-          <p:cNvPr id="6" name="內容版面配置區 3"/>
-          <p:cNvPicPr>
-            <a:picLocks noChangeAspect="1"/>
-          </p:cNvPicPr>
+              <a:rPr lang="zh-TW" altLang="en-US" dirty="0"/>
+              <a:t>分析</a:t>
+            </a:r>
+            <a:r>
+              <a:rPr lang="en-US" altLang="zh-TW" dirty="0"/>
+              <a:t>----</a:t>
+            </a:r>
+            <a:r>
+              <a:rPr lang="zh-TW" altLang="en-US" dirty="0"/>
+              <a:t>穿膜問題</a:t>
+            </a:r>
+          </a:p>
+        </p:txBody>
+      </p:sp>
+      <p:sp>
+        <p:nvSpPr>
+          <p:cNvPr id="3" name="內容版面配置區 2"/>
+          <p:cNvSpPr>
+            <a:spLocks noGrp="1"/>
+          </p:cNvSpPr>
+          <p:nvPr>
+            <p:ph idx="1"/>
+          </p:nvPr>
+        </p:nvSpPr>
+        <p:spPr>
+          <a:xfrm>
+            <a:off x="1295064" y="2556932"/>
+            <a:ext cx="5231396" cy="3318936"/>
+          </a:xfrm>
+        </p:spPr>
+        <p:txBody>
+          <a:bodyPr/>
+          <a:lstStyle/>
+          <a:p>
+            <a:r>
+              <a:rPr lang="zh-TW" altLang="en-US" dirty="0"/>
+              <a:t>當球速超過紅色路徑長度時會穿模</a:t>
+            </a:r>
+            <a:endParaRPr lang="en-US" altLang="zh-TW" dirty="0"/>
+          </a:p>
+          <a:p>
+            <a:r>
+              <a:rPr lang="zh-TW" altLang="en-US" dirty="0"/>
+              <a:t>解決方法 </a:t>
+            </a:r>
+            <a:r>
+              <a:rPr lang="en-US" altLang="zh-TW" dirty="0"/>
+              <a:t>:</a:t>
+            </a:r>
+            <a:r>
+              <a:rPr lang="zh-TW" altLang="en-US" dirty="0"/>
+              <a:t> 當平板都用中心點接的話，紅色路徑長度為</a:t>
+            </a:r>
+            <a:r>
+              <a:rPr lang="en-US" altLang="zh-TW" dirty="0"/>
+              <a:t>28</a:t>
+            </a:r>
+            <a:r>
+              <a:rPr lang="zh-TW" altLang="en-US" dirty="0"/>
+              <a:t>點多。如果平板稍微偏移，黑色路徑最大長度為</a:t>
+            </a:r>
+            <a:r>
+              <a:rPr lang="en-US" altLang="zh-TW" dirty="0"/>
+              <a:t>42</a:t>
+            </a:r>
+            <a:r>
+              <a:rPr lang="zh-TW" altLang="en-US" dirty="0"/>
+              <a:t>點多。</a:t>
+            </a:r>
+            <a:endParaRPr lang="en-US" altLang="zh-TW" dirty="0"/>
+          </a:p>
+          <a:p>
+            <a:endParaRPr lang="en-US" altLang="zh-TW" dirty="0"/>
+          </a:p>
+          <a:p>
+            <a:endParaRPr lang="en-US" altLang="zh-TW" dirty="0"/>
+          </a:p>
+        </p:txBody>
+      </p:sp>
+      <p:sp>
+        <p:nvSpPr>
+          <p:cNvPr id="5" name="矩形 4"/>
+          <p:cNvSpPr/>
           <p:nvPr/>
-        </p:nvPicPr>
-        <p:blipFill>
-          <a:blip r:embed="rId2"/>
-          <a:stretch>
-            <a:fillRect/>
-          </a:stretch>
-        </p:blipFill>
+        </p:nvSpPr>
         <p:spPr>
           <a:xfrm>
-            <a:off x="2782044" y="2492896"/>
-            <a:ext cx="4591050" cy="2828925"/>
+            <a:off x="8326660" y="1844066"/>
+            <a:ext cx="1512168" cy="360040"/>
           </a:xfrm>
           <a:prstGeom prst="rect">
             <a:avLst/>
           </a:prstGeom>
-        </p:spPr>
-      </p:pic>
-      <p:sp>
-        <p:nvSpPr>
-          <p:cNvPr id="8" name="矩形 7"/>
-          <p:cNvSpPr/>
-          <p:nvPr/>
-        </p:nvSpPr>
-        <p:spPr>
-          <a:xfrm>
-            <a:off x="5806380" y="3140968"/>
-            <a:ext cx="1368152" cy="144016"/>
-          </a:xfrm>
-          <a:prstGeom prst="rect">
-            <a:avLst/>
-          </a:prstGeom>
-          <a:solidFill>
-            <a:schemeClr val="bg1"/>
-          </a:solidFill>
-          <a:ln>
-            <a:solidFill>
-              <a:schemeClr val="bg1"/>
-            </a:solidFill>
-          </a:ln>
         </p:spPr>
         <p:style>
           <a:lnRef idx="2">
@@ -9531,10 +9956,370 @@
           </a:p>
         </p:txBody>
       </p:sp>
+      <p:sp>
+        <p:nvSpPr>
+          <p:cNvPr id="6" name="左大括弧 5"/>
+          <p:cNvSpPr/>
+          <p:nvPr/>
+        </p:nvSpPr>
+        <p:spPr>
+          <a:xfrm>
+            <a:off x="7199719" y="1303868"/>
+            <a:ext cx="910917" cy="900238"/>
+          </a:xfrm>
+          <a:prstGeom prst="leftBrace">
+            <a:avLst>
+              <a:gd name="adj1" fmla="val 8333"/>
+              <a:gd name="adj2" fmla="val 50000"/>
+            </a:avLst>
+          </a:prstGeom>
+        </p:spPr>
+        <p:style>
+          <a:lnRef idx="1">
+            <a:schemeClr val="accent1"/>
+          </a:lnRef>
+          <a:fillRef idx="0">
+            <a:schemeClr val="accent1"/>
+          </a:fillRef>
+          <a:effectRef idx="0">
+            <a:schemeClr val="accent1"/>
+          </a:effectRef>
+          <a:fontRef idx="minor">
+            <a:schemeClr val="tx1"/>
+          </a:fontRef>
+        </p:style>
+        <p:txBody>
+          <a:bodyPr rtlCol="0" anchor="ctr"/>
+          <a:lstStyle/>
+          <a:p>
+            <a:pPr algn="ctr"/>
+            <a:endParaRPr lang="zh-TW" altLang="en-US"/>
+          </a:p>
+        </p:txBody>
+      </p:sp>
+      <p:cxnSp>
+        <p:nvCxnSpPr>
+          <p:cNvPr id="14" name="直線接點 13"/>
+          <p:cNvCxnSpPr/>
+          <p:nvPr/>
+        </p:nvCxnSpPr>
+        <p:spPr>
+          <a:xfrm flipV="1">
+            <a:off x="9838828" y="1304901"/>
+            <a:ext cx="0" cy="539165"/>
+          </a:xfrm>
+          <a:prstGeom prst="line">
+            <a:avLst/>
+          </a:prstGeom>
+        </p:spPr>
+        <p:style>
+          <a:lnRef idx="1">
+            <a:schemeClr val="accent1"/>
+          </a:lnRef>
+          <a:fillRef idx="0">
+            <a:schemeClr val="accent1"/>
+          </a:fillRef>
+          <a:effectRef idx="0">
+            <a:schemeClr val="accent1"/>
+          </a:effectRef>
+          <a:fontRef idx="minor">
+            <a:schemeClr val="tx1"/>
+          </a:fontRef>
+        </p:style>
+      </p:cxnSp>
+      <p:cxnSp>
+        <p:nvCxnSpPr>
+          <p:cNvPr id="16" name="直線接點 15"/>
+          <p:cNvCxnSpPr/>
+          <p:nvPr/>
+        </p:nvCxnSpPr>
+        <p:spPr>
+          <a:xfrm flipV="1">
+            <a:off x="8326660" y="1304901"/>
+            <a:ext cx="0" cy="539165"/>
+          </a:xfrm>
+          <a:prstGeom prst="line">
+            <a:avLst/>
+          </a:prstGeom>
+        </p:spPr>
+        <p:style>
+          <a:lnRef idx="1">
+            <a:schemeClr val="accent1"/>
+          </a:lnRef>
+          <a:fillRef idx="0">
+            <a:schemeClr val="accent1"/>
+          </a:fillRef>
+          <a:effectRef idx="0">
+            <a:schemeClr val="accent1"/>
+          </a:effectRef>
+          <a:fontRef idx="minor">
+            <a:schemeClr val="tx1"/>
+          </a:fontRef>
+        </p:style>
+      </p:cxnSp>
+      <p:cxnSp>
+        <p:nvCxnSpPr>
+          <p:cNvPr id="18" name="直線接點 17"/>
+          <p:cNvCxnSpPr/>
+          <p:nvPr/>
+        </p:nvCxnSpPr>
+        <p:spPr>
+          <a:xfrm flipH="1">
+            <a:off x="8326660" y="1304901"/>
+            <a:ext cx="1512168" cy="0"/>
+          </a:xfrm>
+          <a:prstGeom prst="line">
+            <a:avLst/>
+          </a:prstGeom>
+        </p:spPr>
+        <p:style>
+          <a:lnRef idx="1">
+            <a:schemeClr val="accent1"/>
+          </a:lnRef>
+          <a:fillRef idx="0">
+            <a:schemeClr val="accent1"/>
+          </a:fillRef>
+          <a:effectRef idx="0">
+            <a:schemeClr val="accent1"/>
+          </a:effectRef>
+          <a:fontRef idx="minor">
+            <a:schemeClr val="tx1"/>
+          </a:fontRef>
+        </p:style>
+      </p:cxnSp>
+      <p:sp>
+        <p:nvSpPr>
+          <p:cNvPr id="19" name="文字方塊 18"/>
+          <p:cNvSpPr txBox="1"/>
+          <p:nvPr/>
+        </p:nvSpPr>
+        <p:spPr>
+          <a:xfrm>
+            <a:off x="6779154" y="1556792"/>
+            <a:ext cx="673259" cy="369332"/>
+          </a:xfrm>
+          <a:prstGeom prst="rect">
+            <a:avLst/>
+          </a:prstGeom>
+          <a:noFill/>
+        </p:spPr>
+        <p:txBody>
+          <a:bodyPr wrap="square" rtlCol="0">
+            <a:spAutoFit/>
+          </a:bodyPr>
+          <a:lstStyle/>
+          <a:p>
+            <a:r>
+              <a:rPr lang="en-US" altLang="zh-TW" dirty="0"/>
+              <a:t>30</a:t>
+            </a:r>
+          </a:p>
+        </p:txBody>
+      </p:sp>
+      <p:cxnSp>
+        <p:nvCxnSpPr>
+          <p:cNvPr id="21" name="直線接點 20"/>
+          <p:cNvCxnSpPr/>
+          <p:nvPr/>
+        </p:nvCxnSpPr>
+        <p:spPr>
+          <a:xfrm>
+            <a:off x="8326660" y="1556792"/>
+            <a:ext cx="648072" cy="647314"/>
+          </a:xfrm>
+          <a:prstGeom prst="line">
+            <a:avLst/>
+          </a:prstGeom>
+          <a:ln w="57150">
+            <a:solidFill>
+              <a:srgbClr val="FF0000"/>
+            </a:solidFill>
+          </a:ln>
+        </p:spPr>
+        <p:style>
+          <a:lnRef idx="1">
+            <a:schemeClr val="accent1"/>
+          </a:lnRef>
+          <a:fillRef idx="0">
+            <a:schemeClr val="accent1"/>
+          </a:fillRef>
+          <a:effectRef idx="0">
+            <a:schemeClr val="accent1"/>
+          </a:effectRef>
+          <a:fontRef idx="minor">
+            <a:schemeClr val="tx1"/>
+          </a:fontRef>
+        </p:style>
+      </p:cxnSp>
+      <p:sp>
+        <p:nvSpPr>
+          <p:cNvPr id="22" name="矩形 21"/>
+          <p:cNvSpPr/>
+          <p:nvPr/>
+        </p:nvSpPr>
+        <p:spPr>
+          <a:xfrm>
+            <a:off x="8110636" y="4292338"/>
+            <a:ext cx="1512168" cy="360040"/>
+          </a:xfrm>
+          <a:prstGeom prst="rect">
+            <a:avLst/>
+          </a:prstGeom>
+        </p:spPr>
+        <p:style>
+          <a:lnRef idx="2">
+            <a:schemeClr val="accent1">
+              <a:shade val="50000"/>
+            </a:schemeClr>
+          </a:lnRef>
+          <a:fillRef idx="1">
+            <a:schemeClr val="accent1"/>
+          </a:fillRef>
+          <a:effectRef idx="0">
+            <a:schemeClr val="accent1"/>
+          </a:effectRef>
+          <a:fontRef idx="minor">
+            <a:schemeClr val="lt1"/>
+          </a:fontRef>
+        </p:style>
+        <p:txBody>
+          <a:bodyPr rtlCol="0" anchor="ctr"/>
+          <a:lstStyle/>
+          <a:p>
+            <a:pPr algn="ctr"/>
+            <a:endParaRPr lang="zh-TW" altLang="en-US"/>
+          </a:p>
+        </p:txBody>
+      </p:sp>
+      <p:cxnSp>
+        <p:nvCxnSpPr>
+          <p:cNvPr id="24" name="直線接點 23"/>
+          <p:cNvCxnSpPr/>
+          <p:nvPr/>
+        </p:nvCxnSpPr>
+        <p:spPr>
+          <a:xfrm flipV="1">
+            <a:off x="9622804" y="3753173"/>
+            <a:ext cx="0" cy="539165"/>
+          </a:xfrm>
+          <a:prstGeom prst="line">
+            <a:avLst/>
+          </a:prstGeom>
+        </p:spPr>
+        <p:style>
+          <a:lnRef idx="1">
+            <a:schemeClr val="accent1"/>
+          </a:lnRef>
+          <a:fillRef idx="0">
+            <a:schemeClr val="accent1"/>
+          </a:fillRef>
+          <a:effectRef idx="0">
+            <a:schemeClr val="accent1"/>
+          </a:effectRef>
+          <a:fontRef idx="minor">
+            <a:schemeClr val="tx1"/>
+          </a:fontRef>
+        </p:style>
+      </p:cxnSp>
+      <p:cxnSp>
+        <p:nvCxnSpPr>
+          <p:cNvPr id="25" name="直線接點 24"/>
+          <p:cNvCxnSpPr/>
+          <p:nvPr/>
+        </p:nvCxnSpPr>
+        <p:spPr>
+          <a:xfrm flipV="1">
+            <a:off x="8110636" y="3753173"/>
+            <a:ext cx="0" cy="539165"/>
+          </a:xfrm>
+          <a:prstGeom prst="line">
+            <a:avLst/>
+          </a:prstGeom>
+        </p:spPr>
+        <p:style>
+          <a:lnRef idx="1">
+            <a:schemeClr val="accent1"/>
+          </a:lnRef>
+          <a:fillRef idx="0">
+            <a:schemeClr val="accent1"/>
+          </a:fillRef>
+          <a:effectRef idx="0">
+            <a:schemeClr val="accent1"/>
+          </a:effectRef>
+          <a:fontRef idx="minor">
+            <a:schemeClr val="tx1"/>
+          </a:fontRef>
+        </p:style>
+      </p:cxnSp>
+      <p:cxnSp>
+        <p:nvCxnSpPr>
+          <p:cNvPr id="26" name="直線接點 25"/>
+          <p:cNvCxnSpPr/>
+          <p:nvPr/>
+        </p:nvCxnSpPr>
+        <p:spPr>
+          <a:xfrm flipH="1">
+            <a:off x="8110636" y="3753173"/>
+            <a:ext cx="1512168" cy="0"/>
+          </a:xfrm>
+          <a:prstGeom prst="line">
+            <a:avLst/>
+          </a:prstGeom>
+        </p:spPr>
+        <p:style>
+          <a:lnRef idx="1">
+            <a:schemeClr val="accent1"/>
+          </a:lnRef>
+          <a:fillRef idx="0">
+            <a:schemeClr val="accent1"/>
+          </a:fillRef>
+          <a:effectRef idx="0">
+            <a:schemeClr val="accent1"/>
+          </a:effectRef>
+          <a:fontRef idx="minor">
+            <a:schemeClr val="tx1"/>
+          </a:fontRef>
+        </p:style>
+      </p:cxnSp>
+      <p:cxnSp>
+        <p:nvCxnSpPr>
+          <p:cNvPr id="27" name="直線接點 26"/>
+          <p:cNvCxnSpPr/>
+          <p:nvPr/>
+        </p:nvCxnSpPr>
+        <p:spPr>
+          <a:xfrm>
+            <a:off x="8110635" y="3752140"/>
+            <a:ext cx="972109" cy="917929"/>
+          </a:xfrm>
+          <a:prstGeom prst="line">
+            <a:avLst/>
+          </a:prstGeom>
+          <a:ln w="57150">
+            <a:solidFill>
+              <a:schemeClr val="tx1"/>
+            </a:solidFill>
+          </a:ln>
+        </p:spPr>
+        <p:style>
+          <a:lnRef idx="1">
+            <a:schemeClr val="accent1"/>
+          </a:lnRef>
+          <a:fillRef idx="0">
+            <a:schemeClr val="accent1"/>
+          </a:fillRef>
+          <a:effectRef idx="0">
+            <a:schemeClr val="accent1"/>
+          </a:effectRef>
+          <a:fontRef idx="minor">
+            <a:schemeClr val="tx1"/>
+          </a:fontRef>
+        </p:style>
+      </p:cxnSp>
     </p:spTree>
     <p:extLst>
       <p:ext uri="{BB962C8B-B14F-4D97-AF65-F5344CB8AC3E}">
-        <p14:creationId xmlns:p14="http://schemas.microsoft.com/office/powerpoint/2010/main" val="161738996"/>
+        <p14:creationId xmlns:p14="http://schemas.microsoft.com/office/powerpoint/2010/main" val="578265078"/>
       </p:ext>
     </p:extLst>
   </p:cSld>
@@ -9593,41 +10378,31 @@
               <a:t>手寫</a:t>
             </a:r>
             <a:r>
-              <a:rPr lang="en-US" altLang="zh-TW" dirty="0" err="1" smtClean="0"/>
+              <a:rPr lang="en-US" altLang="zh-TW" dirty="0" err="1"/>
               <a:t>sklearn</a:t>
             </a:r>
             <a:r>
-              <a:rPr lang="zh-TW" altLang="en-US" dirty="0" smtClean="0"/>
+              <a:rPr lang="zh-TW" altLang="en-US" dirty="0"/>
               <a:t>的</a:t>
             </a:r>
             <a:r>
-              <a:rPr lang="en-US" altLang="zh-TW" dirty="0"/>
-              <a:t>K</a:t>
-            </a:r>
-            <a:r>
-              <a:rPr lang="en-US" altLang="zh-TW" dirty="0" smtClean="0"/>
-              <a:t>NN</a:t>
-            </a:r>
-            <a:r>
-              <a:rPr lang="zh-TW" altLang="en-US" dirty="0" smtClean="0"/>
-              <a:t>封</a:t>
+              <a:rPr lang="en-US" altLang="zh-TW" dirty="0" err="1"/>
+              <a:t>train_test_split</a:t>
             </a:r>
             <a:r>
               <a:rPr lang="zh-TW" altLang="en-US" dirty="0"/>
-              <a:t>装算法</a:t>
+              <a:t>函數</a:t>
             </a:r>
           </a:p>
         </p:txBody>
       </p:sp>
       <p:pic>
         <p:nvPicPr>
-          <p:cNvPr id="4" name="內容版面配置區 3"/>
+          <p:cNvPr id="6" name="內容版面配置區 3"/>
           <p:cNvPicPr>
-            <a:picLocks noGrp="1" noChangeAspect="1"/>
+            <a:picLocks noChangeAspect="1"/>
           </p:cNvPicPr>
-          <p:nvPr>
-            <p:ph idx="1"/>
-          </p:nvPr>
+          <p:nvPr/>
         </p:nvPicPr>
         <p:blipFill>
           <a:blip r:embed="rId2"/>
@@ -9637,8 +10412,8 @@
         </p:blipFill>
         <p:spPr>
           <a:xfrm>
-            <a:off x="1701924" y="2286000"/>
-            <a:ext cx="8298165" cy="3317875"/>
+            <a:off x="2782044" y="2492896"/>
+            <a:ext cx="4591050" cy="2828925"/>
           </a:xfrm>
           <a:prstGeom prst="rect">
             <a:avLst/>
@@ -9647,14 +10422,14 @@
       </p:pic>
       <p:sp>
         <p:nvSpPr>
-          <p:cNvPr id="5" name="矩形 4"/>
+          <p:cNvPr id="8" name="矩形 7"/>
           <p:cNvSpPr/>
           <p:nvPr/>
         </p:nvSpPr>
         <p:spPr>
           <a:xfrm>
-            <a:off x="4654253" y="3517859"/>
-            <a:ext cx="5345836" cy="127165"/>
+            <a:off x="5806380" y="3140968"/>
+            <a:ext cx="1368152" cy="144016"/>
           </a:xfrm>
           <a:prstGeom prst="rect">
             <a:avLst/>
@@ -9693,106 +10468,10 @@
           </a:p>
         </p:txBody>
       </p:sp>
-      <p:sp>
-        <p:nvSpPr>
-          <p:cNvPr id="6" name="矩形 5"/>
-          <p:cNvSpPr/>
-          <p:nvPr/>
-        </p:nvSpPr>
-        <p:spPr>
-          <a:xfrm>
-            <a:off x="4078188" y="4293096"/>
-            <a:ext cx="3312368" cy="144016"/>
-          </a:xfrm>
-          <a:prstGeom prst="rect">
-            <a:avLst/>
-          </a:prstGeom>
-          <a:solidFill>
-            <a:schemeClr val="bg1"/>
-          </a:solidFill>
-          <a:ln>
-            <a:solidFill>
-              <a:schemeClr val="bg1"/>
-            </a:solidFill>
-          </a:ln>
-        </p:spPr>
-        <p:style>
-          <a:lnRef idx="2">
-            <a:schemeClr val="accent1">
-              <a:shade val="50000"/>
-            </a:schemeClr>
-          </a:lnRef>
-          <a:fillRef idx="1">
-            <a:schemeClr val="accent1"/>
-          </a:fillRef>
-          <a:effectRef idx="0">
-            <a:schemeClr val="accent1"/>
-          </a:effectRef>
-          <a:fontRef idx="minor">
-            <a:schemeClr val="lt1"/>
-          </a:fontRef>
-        </p:style>
-        <p:txBody>
-          <a:bodyPr rtlCol="0" anchor="ctr"/>
-          <a:lstStyle/>
-          <a:p>
-            <a:pPr algn="ctr"/>
-            <a:endParaRPr lang="zh-TW" altLang="en-US"/>
-          </a:p>
-        </p:txBody>
-      </p:sp>
-      <p:sp>
-        <p:nvSpPr>
-          <p:cNvPr id="7" name="矩形 6"/>
-          <p:cNvSpPr/>
-          <p:nvPr/>
-        </p:nvSpPr>
-        <p:spPr>
-          <a:xfrm>
-            <a:off x="5086300" y="4578955"/>
-            <a:ext cx="2736304" cy="144016"/>
-          </a:xfrm>
-          <a:prstGeom prst="rect">
-            <a:avLst/>
-          </a:prstGeom>
-          <a:solidFill>
-            <a:schemeClr val="bg1"/>
-          </a:solidFill>
-          <a:ln>
-            <a:solidFill>
-              <a:schemeClr val="bg1"/>
-            </a:solidFill>
-          </a:ln>
-        </p:spPr>
-        <p:style>
-          <a:lnRef idx="2">
-            <a:schemeClr val="accent1">
-              <a:shade val="50000"/>
-            </a:schemeClr>
-          </a:lnRef>
-          <a:fillRef idx="1">
-            <a:schemeClr val="accent1"/>
-          </a:fillRef>
-          <a:effectRef idx="0">
-            <a:schemeClr val="accent1"/>
-          </a:effectRef>
-          <a:fontRef idx="minor">
-            <a:schemeClr val="lt1"/>
-          </a:fontRef>
-        </p:style>
-        <p:txBody>
-          <a:bodyPr rtlCol="0" anchor="ctr"/>
-          <a:lstStyle/>
-          <a:p>
-            <a:pPr algn="ctr"/>
-            <a:endParaRPr lang="zh-TW" altLang="en-US"/>
-          </a:p>
-        </p:txBody>
-      </p:sp>
     </p:spTree>
     <p:extLst>
       <p:ext uri="{BB962C8B-B14F-4D97-AF65-F5344CB8AC3E}">
-        <p14:creationId xmlns:p14="http://schemas.microsoft.com/office/powerpoint/2010/main" val="2179253514"/>
+        <p14:creationId xmlns:p14="http://schemas.microsoft.com/office/powerpoint/2010/main" val="161738996"/>
       </p:ext>
     </p:extLst>
   </p:cSld>
@@ -9851,35 +10530,33 @@
               <a:t>手寫</a:t>
             </a:r>
             <a:r>
-              <a:rPr lang="en-US" altLang="zh-TW" dirty="0" err="1" smtClean="0"/>
+              <a:rPr lang="en-US" altLang="zh-TW" dirty="0" err="1"/>
               <a:t>sklearn</a:t>
             </a:r>
             <a:r>
-              <a:rPr lang="zh-TW" altLang="en-US" dirty="0" smtClean="0"/>
+              <a:rPr lang="zh-TW" altLang="en-US" dirty="0"/>
               <a:t>的</a:t>
             </a:r>
             <a:r>
-              <a:rPr lang="en-US" altLang="zh-TW" dirty="0" err="1" smtClean="0"/>
-              <a:t>accuracy_score</a:t>
-            </a:r>
-            <a:r>
-              <a:rPr lang="zh-TW" altLang="en-US" dirty="0" smtClean="0"/>
-              <a:t>函</a:t>
+              <a:rPr lang="en-US" altLang="zh-TW" dirty="0"/>
+              <a:t>KNN</a:t>
             </a:r>
             <a:r>
               <a:rPr lang="zh-TW" altLang="en-US" dirty="0"/>
-              <a:t>数</a:t>
+              <a:t>封装算法</a:t>
             </a:r>
           </a:p>
         </p:txBody>
       </p:sp>
       <p:pic>
         <p:nvPicPr>
-          <p:cNvPr id="6" name="內容版面配置區 4"/>
+          <p:cNvPr id="4" name="內容版面配置區 3"/>
           <p:cNvPicPr>
-            <a:picLocks noChangeAspect="1"/>
+            <a:picLocks noGrp="1" noChangeAspect="1"/>
           </p:cNvPicPr>
-          <p:nvPr/>
+          <p:nvPr>
+            <p:ph idx="1"/>
+          </p:nvPr>
         </p:nvPicPr>
         <p:blipFill>
           <a:blip r:embed="rId2"/>
@@ -9889,8 +10566,8 @@
         </p:blipFill>
         <p:spPr>
           <a:xfrm>
-            <a:off x="2061964" y="2996952"/>
-            <a:ext cx="6591300" cy="990600"/>
+            <a:off x="1701924" y="2286000"/>
+            <a:ext cx="8298165" cy="3317875"/>
           </a:xfrm>
           <a:prstGeom prst="rect">
             <a:avLst/>
@@ -9899,14 +10576,14 @@
       </p:pic>
       <p:sp>
         <p:nvSpPr>
-          <p:cNvPr id="7" name="矩形 6"/>
+          <p:cNvPr id="5" name="矩形 4"/>
           <p:cNvSpPr/>
           <p:nvPr/>
         </p:nvSpPr>
         <p:spPr>
           <a:xfrm>
-            <a:off x="5806380" y="3429000"/>
-            <a:ext cx="2736304" cy="144016"/>
+            <a:off x="4654253" y="3517859"/>
+            <a:ext cx="5345836" cy="127165"/>
           </a:xfrm>
           <a:prstGeom prst="rect">
             <a:avLst/>
@@ -9945,10 +10622,106 @@
           </a:p>
         </p:txBody>
       </p:sp>
+      <p:sp>
+        <p:nvSpPr>
+          <p:cNvPr id="6" name="矩形 5"/>
+          <p:cNvSpPr/>
+          <p:nvPr/>
+        </p:nvSpPr>
+        <p:spPr>
+          <a:xfrm>
+            <a:off x="4078188" y="4293096"/>
+            <a:ext cx="3312368" cy="144016"/>
+          </a:xfrm>
+          <a:prstGeom prst="rect">
+            <a:avLst/>
+          </a:prstGeom>
+          <a:solidFill>
+            <a:schemeClr val="bg1"/>
+          </a:solidFill>
+          <a:ln>
+            <a:solidFill>
+              <a:schemeClr val="bg1"/>
+            </a:solidFill>
+          </a:ln>
+        </p:spPr>
+        <p:style>
+          <a:lnRef idx="2">
+            <a:schemeClr val="accent1">
+              <a:shade val="50000"/>
+            </a:schemeClr>
+          </a:lnRef>
+          <a:fillRef idx="1">
+            <a:schemeClr val="accent1"/>
+          </a:fillRef>
+          <a:effectRef idx="0">
+            <a:schemeClr val="accent1"/>
+          </a:effectRef>
+          <a:fontRef idx="minor">
+            <a:schemeClr val="lt1"/>
+          </a:fontRef>
+        </p:style>
+        <p:txBody>
+          <a:bodyPr rtlCol="0" anchor="ctr"/>
+          <a:lstStyle/>
+          <a:p>
+            <a:pPr algn="ctr"/>
+            <a:endParaRPr lang="zh-TW" altLang="en-US"/>
+          </a:p>
+        </p:txBody>
+      </p:sp>
+      <p:sp>
+        <p:nvSpPr>
+          <p:cNvPr id="7" name="矩形 6"/>
+          <p:cNvSpPr/>
+          <p:nvPr/>
+        </p:nvSpPr>
+        <p:spPr>
+          <a:xfrm>
+            <a:off x="5086300" y="4578955"/>
+            <a:ext cx="2736304" cy="144016"/>
+          </a:xfrm>
+          <a:prstGeom prst="rect">
+            <a:avLst/>
+          </a:prstGeom>
+          <a:solidFill>
+            <a:schemeClr val="bg1"/>
+          </a:solidFill>
+          <a:ln>
+            <a:solidFill>
+              <a:schemeClr val="bg1"/>
+            </a:solidFill>
+          </a:ln>
+        </p:spPr>
+        <p:style>
+          <a:lnRef idx="2">
+            <a:schemeClr val="accent1">
+              <a:shade val="50000"/>
+            </a:schemeClr>
+          </a:lnRef>
+          <a:fillRef idx="1">
+            <a:schemeClr val="accent1"/>
+          </a:fillRef>
+          <a:effectRef idx="0">
+            <a:schemeClr val="accent1"/>
+          </a:effectRef>
+          <a:fontRef idx="minor">
+            <a:schemeClr val="lt1"/>
+          </a:fontRef>
+        </p:style>
+        <p:txBody>
+          <a:bodyPr rtlCol="0" anchor="ctr"/>
+          <a:lstStyle/>
+          <a:p>
+            <a:pPr algn="ctr"/>
+            <a:endParaRPr lang="zh-TW" altLang="en-US"/>
+          </a:p>
+        </p:txBody>
+      </p:sp>
     </p:spTree>
     <p:extLst>
       <p:ext uri="{BB962C8B-B14F-4D97-AF65-F5344CB8AC3E}">
-        <p14:creationId xmlns:p14="http://schemas.microsoft.com/office/powerpoint/2010/main" val="2765143649"/>
+        <p14:creationId xmlns:p14="http://schemas.microsoft.com/office/powerpoint/2010/main" val="2179253514"/>
       </p:ext>
     </p:extLst>
   </p:cSld>
@@ -10004,25 +10777,73 @@
           <a:p>
             <a:r>
               <a:rPr lang="zh-TW" altLang="en-US" dirty="0"/>
-              <a:t>開發流程圖</a:t>
-            </a:r>
-          </a:p>
-        </p:txBody>
-      </p:sp>
-      <p:sp>
-        <p:nvSpPr>
-          <p:cNvPr id="4" name="矩形 3"/>
-          <p:cNvSpPr/>
+              <a:t>手寫</a:t>
+            </a:r>
+            <a:r>
+              <a:rPr lang="en-US" altLang="zh-TW" dirty="0" err="1"/>
+              <a:t>sklearn</a:t>
+            </a:r>
+            <a:r>
+              <a:rPr lang="zh-TW" altLang="en-US" dirty="0"/>
+              <a:t>的</a:t>
+            </a:r>
+            <a:r>
+              <a:rPr lang="en-US" altLang="zh-TW" dirty="0" err="1"/>
+              <a:t>accuracy_score</a:t>
+            </a:r>
+            <a:r>
+              <a:rPr lang="zh-TW" altLang="en-US" dirty="0"/>
+              <a:t>函数</a:t>
+            </a:r>
+          </a:p>
+        </p:txBody>
+      </p:sp>
+      <p:pic>
+        <p:nvPicPr>
+          <p:cNvPr id="6" name="內容版面配置區 4"/>
+          <p:cNvPicPr>
+            <a:picLocks noChangeAspect="1"/>
+          </p:cNvPicPr>
           <p:nvPr/>
-        </p:nvSpPr>
+        </p:nvPicPr>
+        <p:blipFill>
+          <a:blip r:embed="rId2"/>
+          <a:stretch>
+            <a:fillRect/>
+          </a:stretch>
+        </p:blipFill>
         <p:spPr>
           <a:xfrm>
-            <a:off x="3391320" y="2272328"/>
-            <a:ext cx="1008112" cy="795935"/>
+            <a:off x="2061964" y="2996952"/>
+            <a:ext cx="6591300" cy="990600"/>
           </a:xfrm>
           <a:prstGeom prst="rect">
             <a:avLst/>
           </a:prstGeom>
+        </p:spPr>
+      </p:pic>
+      <p:sp>
+        <p:nvSpPr>
+          <p:cNvPr id="7" name="矩形 6"/>
+          <p:cNvSpPr/>
+          <p:nvPr/>
+        </p:nvSpPr>
+        <p:spPr>
+          <a:xfrm>
+            <a:off x="5806380" y="3429000"/>
+            <a:ext cx="2736304" cy="144016"/>
+          </a:xfrm>
+          <a:prstGeom prst="rect">
+            <a:avLst/>
+          </a:prstGeom>
+          <a:solidFill>
+            <a:schemeClr val="bg1"/>
+          </a:solidFill>
+          <a:ln>
+            <a:solidFill>
+              <a:schemeClr val="bg1"/>
+            </a:solidFill>
+          </a:ln>
         </p:spPr>
         <p:style>
           <a:lnRef idx="2">
@@ -10049,915 +10870,10 @@
           </a:p>
         </p:txBody>
       </p:sp>
-      <p:sp>
-        <p:nvSpPr>
-          <p:cNvPr id="6" name="矩形 5"/>
-          <p:cNvSpPr/>
-          <p:nvPr/>
-        </p:nvSpPr>
-        <p:spPr>
-          <a:xfrm>
-            <a:off x="3373010" y="3572603"/>
-            <a:ext cx="1044732" cy="793547"/>
-          </a:xfrm>
-          <a:prstGeom prst="rect">
-            <a:avLst/>
-          </a:prstGeom>
-        </p:spPr>
-        <p:style>
-          <a:lnRef idx="2">
-            <a:schemeClr val="accent1">
-              <a:shade val="50000"/>
-            </a:schemeClr>
-          </a:lnRef>
-          <a:fillRef idx="1">
-            <a:schemeClr val="accent1"/>
-          </a:fillRef>
-          <a:effectRef idx="0">
-            <a:schemeClr val="accent1"/>
-          </a:effectRef>
-          <a:fontRef idx="minor">
-            <a:schemeClr val="lt1"/>
-          </a:fontRef>
-        </p:style>
-        <p:txBody>
-          <a:bodyPr rtlCol="0" anchor="ctr"/>
-          <a:lstStyle/>
-          <a:p>
-            <a:r>
-              <a:rPr lang="zh-TW" altLang="en-US" dirty="0"/>
-              <a:t>與</a:t>
-            </a:r>
-            <a:r>
-              <a:rPr lang="en-US" altLang="zh-TW" dirty="0"/>
-              <a:t>rule</a:t>
-            </a:r>
-            <a:r>
-              <a:rPr lang="zh-TW" altLang="en-US" dirty="0"/>
-              <a:t> </a:t>
-            </a:r>
-            <a:r>
-              <a:rPr lang="en-US" altLang="zh-TW" dirty="0"/>
-              <a:t>base</a:t>
-            </a:r>
-            <a:r>
-              <a:rPr lang="zh-TW" altLang="en-US" dirty="0"/>
-              <a:t>對打</a:t>
-            </a:r>
-          </a:p>
-        </p:txBody>
-      </p:sp>
-      <p:sp>
-        <p:nvSpPr>
-          <p:cNvPr id="7" name="矩形 6"/>
-          <p:cNvSpPr/>
-          <p:nvPr/>
-        </p:nvSpPr>
-        <p:spPr>
-          <a:xfrm>
-            <a:off x="4948819" y="2283308"/>
-            <a:ext cx="1008112" cy="795935"/>
-          </a:xfrm>
-          <a:prstGeom prst="rect">
-            <a:avLst/>
-          </a:prstGeom>
-        </p:spPr>
-        <p:style>
-          <a:lnRef idx="2">
-            <a:schemeClr val="accent1">
-              <a:shade val="50000"/>
-            </a:schemeClr>
-          </a:lnRef>
-          <a:fillRef idx="1">
-            <a:schemeClr val="accent1"/>
-          </a:fillRef>
-          <a:effectRef idx="0">
-            <a:schemeClr val="accent1"/>
-          </a:effectRef>
-          <a:fontRef idx="minor">
-            <a:schemeClr val="lt1"/>
-          </a:fontRef>
-        </p:style>
-        <p:txBody>
-          <a:bodyPr rtlCol="0" anchor="ctr"/>
-          <a:lstStyle/>
-          <a:p>
-            <a:pPr algn="ctr"/>
-            <a:endParaRPr lang="zh-TW" altLang="en-US"/>
-          </a:p>
-        </p:txBody>
-      </p:sp>
-      <p:sp>
-        <p:nvSpPr>
-          <p:cNvPr id="8" name="矩形 7"/>
-          <p:cNvSpPr/>
-          <p:nvPr/>
-        </p:nvSpPr>
-        <p:spPr>
-          <a:xfrm>
-            <a:off x="7977987" y="2273005"/>
-            <a:ext cx="1008112" cy="795941"/>
-          </a:xfrm>
-          <a:prstGeom prst="rect">
-            <a:avLst/>
-          </a:prstGeom>
-        </p:spPr>
-        <p:style>
-          <a:lnRef idx="2">
-            <a:schemeClr val="accent1">
-              <a:shade val="50000"/>
-            </a:schemeClr>
-          </a:lnRef>
-          <a:fillRef idx="1">
-            <a:schemeClr val="accent1"/>
-          </a:fillRef>
-          <a:effectRef idx="0">
-            <a:schemeClr val="accent1"/>
-          </a:effectRef>
-          <a:fontRef idx="minor">
-            <a:schemeClr val="lt1"/>
-          </a:fontRef>
-        </p:style>
-        <p:txBody>
-          <a:bodyPr rtlCol="0" anchor="ctr"/>
-          <a:lstStyle/>
-          <a:p>
-            <a:pPr algn="ctr"/>
-            <a:r>
-              <a:rPr lang="zh-TW" altLang="en-US" dirty="0"/>
-              <a:t>訓練</a:t>
-            </a:r>
-          </a:p>
-        </p:txBody>
-      </p:sp>
-      <p:sp>
-        <p:nvSpPr>
-          <p:cNvPr id="9" name="矩形 8"/>
-          <p:cNvSpPr/>
-          <p:nvPr/>
-        </p:nvSpPr>
-        <p:spPr>
-          <a:xfrm>
-            <a:off x="9518625" y="2279506"/>
-            <a:ext cx="1008112" cy="795933"/>
-          </a:xfrm>
-          <a:prstGeom prst="rect">
-            <a:avLst/>
-          </a:prstGeom>
-        </p:spPr>
-        <p:style>
-          <a:lnRef idx="2">
-            <a:schemeClr val="accent1">
-              <a:shade val="50000"/>
-            </a:schemeClr>
-          </a:lnRef>
-          <a:fillRef idx="1">
-            <a:schemeClr val="accent1"/>
-          </a:fillRef>
-          <a:effectRef idx="0">
-            <a:schemeClr val="accent1"/>
-          </a:effectRef>
-          <a:fontRef idx="minor">
-            <a:schemeClr val="lt1"/>
-          </a:fontRef>
-        </p:style>
-        <p:txBody>
-          <a:bodyPr rtlCol="0" anchor="ctr"/>
-          <a:lstStyle/>
-          <a:p>
-            <a:pPr algn="ctr"/>
-            <a:r>
-              <a:rPr lang="en-US" altLang="zh-TW" dirty="0"/>
-              <a:t>KNN</a:t>
-            </a:r>
-            <a:endParaRPr lang="zh-TW" altLang="en-US" dirty="0"/>
-          </a:p>
-        </p:txBody>
-      </p:sp>
-      <p:sp>
-        <p:nvSpPr>
-          <p:cNvPr id="10" name="矩形 9"/>
-          <p:cNvSpPr/>
-          <p:nvPr/>
-        </p:nvSpPr>
-        <p:spPr>
-          <a:xfrm>
-            <a:off x="6463403" y="2273006"/>
-            <a:ext cx="1008112" cy="795938"/>
-          </a:xfrm>
-          <a:prstGeom prst="rect">
-            <a:avLst/>
-          </a:prstGeom>
-        </p:spPr>
-        <p:style>
-          <a:lnRef idx="2">
-            <a:schemeClr val="accent1">
-              <a:shade val="50000"/>
-            </a:schemeClr>
-          </a:lnRef>
-          <a:fillRef idx="1">
-            <a:schemeClr val="accent1"/>
-          </a:fillRef>
-          <a:effectRef idx="0">
-            <a:schemeClr val="accent1"/>
-          </a:effectRef>
-          <a:fontRef idx="minor">
-            <a:schemeClr val="lt1"/>
-          </a:fontRef>
-        </p:style>
-        <p:txBody>
-          <a:bodyPr rtlCol="0" anchor="ctr"/>
-          <a:lstStyle/>
-          <a:p>
-            <a:pPr algn="ctr"/>
-            <a:r>
-              <a:rPr lang="zh-TW" altLang="en-US" dirty="0"/>
-              <a:t>輸出結果</a:t>
-            </a:r>
-          </a:p>
-        </p:txBody>
-      </p:sp>
-      <p:sp>
-        <p:nvSpPr>
-          <p:cNvPr id="11" name="文字方塊 10"/>
-          <p:cNvSpPr txBox="1"/>
-          <p:nvPr/>
-        </p:nvSpPr>
-        <p:spPr>
-          <a:xfrm flipH="1">
-            <a:off x="3419857" y="2328041"/>
-            <a:ext cx="1036868" cy="646331"/>
-          </a:xfrm>
-          <a:prstGeom prst="rect">
-            <a:avLst/>
-          </a:prstGeom>
-          <a:noFill/>
-        </p:spPr>
-        <p:txBody>
-          <a:bodyPr wrap="square" rtlCol="0">
-            <a:spAutoFit/>
-          </a:bodyPr>
-          <a:lstStyle/>
-          <a:p>
-            <a:r>
-              <a:rPr lang="zh-TW" altLang="en-US" dirty="0">
-                <a:solidFill>
-                  <a:schemeClr val="bg1"/>
-                </a:solidFill>
-              </a:rPr>
-              <a:t>寫出</a:t>
-            </a:r>
-            <a:endParaRPr lang="en-US" altLang="zh-TW" dirty="0">
-              <a:solidFill>
-                <a:schemeClr val="bg1"/>
-              </a:solidFill>
-            </a:endParaRPr>
-          </a:p>
-          <a:p>
-            <a:r>
-              <a:rPr lang="en-US" altLang="zh-TW" dirty="0">
-                <a:solidFill>
-                  <a:schemeClr val="bg1"/>
-                </a:solidFill>
-              </a:rPr>
-              <a:t>rule</a:t>
-            </a:r>
-            <a:r>
-              <a:rPr lang="zh-TW" altLang="en-US" dirty="0">
-                <a:solidFill>
-                  <a:schemeClr val="bg1"/>
-                </a:solidFill>
-              </a:rPr>
-              <a:t> </a:t>
-            </a:r>
-            <a:r>
-              <a:rPr lang="en-US" altLang="zh-TW" dirty="0">
-                <a:solidFill>
-                  <a:schemeClr val="bg1"/>
-                </a:solidFill>
-              </a:rPr>
-              <a:t>base</a:t>
-            </a:r>
-            <a:endParaRPr lang="zh-TW" altLang="en-US" dirty="0">
-              <a:solidFill>
-                <a:schemeClr val="bg1"/>
-              </a:solidFill>
-            </a:endParaRPr>
-          </a:p>
-        </p:txBody>
-      </p:sp>
-      <p:sp>
-        <p:nvSpPr>
-          <p:cNvPr id="12" name="文字方塊 11"/>
-          <p:cNvSpPr txBox="1"/>
-          <p:nvPr/>
-        </p:nvSpPr>
-        <p:spPr>
-          <a:xfrm>
-            <a:off x="4993284" y="2352625"/>
-            <a:ext cx="877163" cy="646331"/>
-          </a:xfrm>
-          <a:prstGeom prst="rect">
-            <a:avLst/>
-          </a:prstGeom>
-          <a:noFill/>
-        </p:spPr>
-        <p:txBody>
-          <a:bodyPr wrap="none" rtlCol="0">
-            <a:spAutoFit/>
-          </a:bodyPr>
-          <a:lstStyle/>
-          <a:p>
-            <a:r>
-              <a:rPr lang="zh-TW" altLang="en-US" dirty="0">
-                <a:solidFill>
-                  <a:schemeClr val="bg1"/>
-                </a:solidFill>
-              </a:rPr>
-              <a:t>測試及</a:t>
-            </a:r>
-            <a:endParaRPr lang="en-US" altLang="zh-TW" dirty="0">
-              <a:solidFill>
-                <a:schemeClr val="bg1"/>
-              </a:solidFill>
-            </a:endParaRPr>
-          </a:p>
-          <a:p>
-            <a:r>
-              <a:rPr lang="zh-TW" altLang="en-US" dirty="0">
-                <a:solidFill>
-                  <a:schemeClr val="bg1"/>
-                </a:solidFill>
-              </a:rPr>
-              <a:t>改善</a:t>
-            </a:r>
-          </a:p>
-        </p:txBody>
-      </p:sp>
-      <p:cxnSp>
-        <p:nvCxnSpPr>
-          <p:cNvPr id="14" name="直線單箭頭接點 13"/>
-          <p:cNvCxnSpPr/>
-          <p:nvPr/>
-        </p:nvCxnSpPr>
-        <p:spPr>
-          <a:xfrm>
-            <a:off x="4406959" y="2560361"/>
-            <a:ext cx="541860" cy="0"/>
-          </a:xfrm>
-          <a:prstGeom prst="straightConnector1">
-            <a:avLst/>
-          </a:prstGeom>
-          <a:ln w="38100">
-            <a:tailEnd type="triangle"/>
-          </a:ln>
-        </p:spPr>
-        <p:style>
-          <a:lnRef idx="1">
-            <a:schemeClr val="accent1"/>
-          </a:lnRef>
-          <a:fillRef idx="0">
-            <a:schemeClr val="accent1"/>
-          </a:fillRef>
-          <a:effectRef idx="0">
-            <a:schemeClr val="accent1"/>
-          </a:effectRef>
-          <a:fontRef idx="minor">
-            <a:schemeClr val="tx1"/>
-          </a:fontRef>
-        </p:style>
-      </p:cxnSp>
-      <p:cxnSp>
-        <p:nvCxnSpPr>
-          <p:cNvPr id="21" name="直線單箭頭接點 20"/>
-          <p:cNvCxnSpPr/>
-          <p:nvPr/>
-        </p:nvCxnSpPr>
-        <p:spPr>
-          <a:xfrm>
-            <a:off x="5914911" y="2579119"/>
-            <a:ext cx="541860" cy="0"/>
-          </a:xfrm>
-          <a:prstGeom prst="straightConnector1">
-            <a:avLst/>
-          </a:prstGeom>
-          <a:ln w="38100">
-            <a:tailEnd type="triangle"/>
-          </a:ln>
-        </p:spPr>
-        <p:style>
-          <a:lnRef idx="1">
-            <a:schemeClr val="accent1"/>
-          </a:lnRef>
-          <a:fillRef idx="0">
-            <a:schemeClr val="accent1"/>
-          </a:fillRef>
-          <a:effectRef idx="0">
-            <a:schemeClr val="accent1"/>
-          </a:effectRef>
-          <a:fontRef idx="minor">
-            <a:schemeClr val="tx1"/>
-          </a:fontRef>
-        </p:style>
-      </p:cxnSp>
-      <p:cxnSp>
-        <p:nvCxnSpPr>
-          <p:cNvPr id="22" name="直線單箭頭接點 21"/>
-          <p:cNvCxnSpPr/>
-          <p:nvPr/>
-        </p:nvCxnSpPr>
-        <p:spPr>
-          <a:xfrm>
-            <a:off x="7464883" y="2579119"/>
-            <a:ext cx="541860" cy="0"/>
-          </a:xfrm>
-          <a:prstGeom prst="straightConnector1">
-            <a:avLst/>
-          </a:prstGeom>
-          <a:ln w="38100">
-            <a:tailEnd type="triangle"/>
-          </a:ln>
-        </p:spPr>
-        <p:style>
-          <a:lnRef idx="1">
-            <a:schemeClr val="accent1"/>
-          </a:lnRef>
-          <a:fillRef idx="0">
-            <a:schemeClr val="accent1"/>
-          </a:fillRef>
-          <a:effectRef idx="0">
-            <a:schemeClr val="accent1"/>
-          </a:effectRef>
-          <a:fontRef idx="minor">
-            <a:schemeClr val="tx1"/>
-          </a:fontRef>
-        </p:style>
-      </p:cxnSp>
-      <p:cxnSp>
-        <p:nvCxnSpPr>
-          <p:cNvPr id="23" name="直線單箭頭接點 22"/>
-          <p:cNvCxnSpPr/>
-          <p:nvPr/>
-        </p:nvCxnSpPr>
-        <p:spPr>
-          <a:xfrm>
-            <a:off x="8986099" y="2579119"/>
-            <a:ext cx="541860" cy="0"/>
-          </a:xfrm>
-          <a:prstGeom prst="straightConnector1">
-            <a:avLst/>
-          </a:prstGeom>
-          <a:ln w="38100">
-            <a:tailEnd type="triangle"/>
-          </a:ln>
-        </p:spPr>
-        <p:style>
-          <a:lnRef idx="1">
-            <a:schemeClr val="accent1"/>
-          </a:lnRef>
-          <a:fillRef idx="0">
-            <a:schemeClr val="accent1"/>
-          </a:fillRef>
-          <a:effectRef idx="0">
-            <a:schemeClr val="accent1"/>
-          </a:effectRef>
-          <a:fontRef idx="minor">
-            <a:schemeClr val="tx1"/>
-          </a:fontRef>
-        </p:style>
-      </p:cxnSp>
-      <p:cxnSp>
-        <p:nvCxnSpPr>
-          <p:cNvPr id="24" name="直線單箭頭接點 23"/>
-          <p:cNvCxnSpPr/>
-          <p:nvPr/>
-        </p:nvCxnSpPr>
-        <p:spPr>
-          <a:xfrm>
-            <a:off x="5980354" y="4005064"/>
-            <a:ext cx="541860" cy="0"/>
-          </a:xfrm>
-          <a:prstGeom prst="straightConnector1">
-            <a:avLst/>
-          </a:prstGeom>
-          <a:ln w="38100">
-            <a:tailEnd type="triangle"/>
-          </a:ln>
-        </p:spPr>
-        <p:style>
-          <a:lnRef idx="1">
-            <a:schemeClr val="accent1"/>
-          </a:lnRef>
-          <a:fillRef idx="0">
-            <a:schemeClr val="accent1"/>
-          </a:fillRef>
-          <a:effectRef idx="0">
-            <a:schemeClr val="accent1"/>
-          </a:effectRef>
-          <a:fontRef idx="minor">
-            <a:schemeClr val="tx1"/>
-          </a:fontRef>
-        </p:style>
-      </p:cxnSp>
-      <p:sp>
-        <p:nvSpPr>
-          <p:cNvPr id="3" name="矩形: 圓角 2">
-            <a:extLst>
-              <a:ext uri="{FF2B5EF4-FFF2-40B4-BE49-F238E27FC236}">
-                <a16:creationId xmlns:a16="http://schemas.microsoft.com/office/drawing/2014/main" id="{F972BE4E-2858-4ADB-BDDD-910F4E014718}"/>
-              </a:ext>
-            </a:extLst>
-          </p:cNvPr>
-          <p:cNvSpPr/>
-          <p:nvPr/>
-        </p:nvSpPr>
-        <p:spPr>
-          <a:xfrm>
-            <a:off x="1861833" y="2247092"/>
-            <a:ext cx="992356" cy="808230"/>
-          </a:xfrm>
-          <a:prstGeom prst="roundRect">
-            <a:avLst/>
-          </a:prstGeom>
-        </p:spPr>
-        <p:style>
-          <a:lnRef idx="2">
-            <a:schemeClr val="accent1">
-              <a:shade val="50000"/>
-            </a:schemeClr>
-          </a:lnRef>
-          <a:fillRef idx="1">
-            <a:schemeClr val="accent1"/>
-          </a:fillRef>
-          <a:effectRef idx="0">
-            <a:schemeClr val="accent1"/>
-          </a:effectRef>
-          <a:fontRef idx="minor">
-            <a:schemeClr val="lt1"/>
-          </a:fontRef>
-        </p:style>
-        <p:txBody>
-          <a:bodyPr rtlCol="0" anchor="ctr"/>
-          <a:lstStyle/>
-          <a:p>
-            <a:pPr algn="ctr"/>
-            <a:r>
-              <a:rPr lang="zh-TW" altLang="en-US" dirty="0"/>
-              <a:t>開始</a:t>
-            </a:r>
-          </a:p>
-        </p:txBody>
-      </p:sp>
-      <p:cxnSp>
-        <p:nvCxnSpPr>
-          <p:cNvPr id="19" name="直線單箭頭接點 18">
-            <a:extLst>
-              <a:ext uri="{FF2B5EF4-FFF2-40B4-BE49-F238E27FC236}">
-                <a16:creationId xmlns:a16="http://schemas.microsoft.com/office/drawing/2014/main" id="{3D7BF0D8-EE51-4607-9065-5ABBEF36F6E6}"/>
-              </a:ext>
-            </a:extLst>
-          </p:cNvPr>
-          <p:cNvCxnSpPr/>
-          <p:nvPr/>
-        </p:nvCxnSpPr>
-        <p:spPr>
-          <a:xfrm>
-            <a:off x="2881876" y="2556249"/>
-            <a:ext cx="541860" cy="0"/>
-          </a:xfrm>
-          <a:prstGeom prst="straightConnector1">
-            <a:avLst/>
-          </a:prstGeom>
-          <a:ln w="38100">
-            <a:tailEnd type="triangle"/>
-          </a:ln>
-        </p:spPr>
-        <p:style>
-          <a:lnRef idx="1">
-            <a:schemeClr val="accent1"/>
-          </a:lnRef>
-          <a:fillRef idx="0">
-            <a:schemeClr val="accent1"/>
-          </a:fillRef>
-          <a:effectRef idx="0">
-            <a:schemeClr val="accent1"/>
-          </a:effectRef>
-          <a:fontRef idx="minor">
-            <a:schemeClr val="tx1"/>
-          </a:fontRef>
-        </p:style>
-      </p:cxnSp>
-      <p:sp>
-        <p:nvSpPr>
-          <p:cNvPr id="20" name="矩形: 圓角 19">
-            <a:extLst>
-              <a:ext uri="{FF2B5EF4-FFF2-40B4-BE49-F238E27FC236}">
-                <a16:creationId xmlns:a16="http://schemas.microsoft.com/office/drawing/2014/main" id="{EEE47D71-26D0-46DD-8767-2742A938DA45}"/>
-              </a:ext>
-            </a:extLst>
-          </p:cNvPr>
-          <p:cNvSpPr/>
-          <p:nvPr/>
-        </p:nvSpPr>
-        <p:spPr>
-          <a:xfrm>
-            <a:off x="6483359" y="3559152"/>
-            <a:ext cx="1036868" cy="793546"/>
-          </a:xfrm>
-          <a:prstGeom prst="roundRect">
-            <a:avLst/>
-          </a:prstGeom>
-        </p:spPr>
-        <p:style>
-          <a:lnRef idx="2">
-            <a:schemeClr val="accent1">
-              <a:shade val="50000"/>
-            </a:schemeClr>
-          </a:lnRef>
-          <a:fillRef idx="1">
-            <a:schemeClr val="accent1"/>
-          </a:fillRef>
-          <a:effectRef idx="0">
-            <a:schemeClr val="accent1"/>
-          </a:effectRef>
-          <a:fontRef idx="minor">
-            <a:schemeClr val="lt1"/>
-          </a:fontRef>
-        </p:style>
-        <p:txBody>
-          <a:bodyPr rtlCol="0" anchor="ctr"/>
-          <a:lstStyle/>
-          <a:p>
-            <a:pPr algn="ctr"/>
-            <a:r>
-              <a:rPr lang="zh-TW" altLang="en-US" dirty="0"/>
-              <a:t>結束</a:t>
-            </a:r>
-          </a:p>
-        </p:txBody>
-      </p:sp>
-      <p:sp>
-        <p:nvSpPr>
-          <p:cNvPr id="25" name="矩形 24">
-            <a:extLst>
-              <a:ext uri="{FF2B5EF4-FFF2-40B4-BE49-F238E27FC236}">
-                <a16:creationId xmlns:a16="http://schemas.microsoft.com/office/drawing/2014/main" id="{848DA600-85F6-4415-9A31-EE177003EC42}"/>
-              </a:ext>
-            </a:extLst>
-          </p:cNvPr>
-          <p:cNvSpPr/>
-          <p:nvPr/>
-        </p:nvSpPr>
-        <p:spPr>
-          <a:xfrm>
-            <a:off x="4972242" y="3572603"/>
-            <a:ext cx="1008112" cy="793545"/>
-          </a:xfrm>
-          <a:prstGeom prst="rect">
-            <a:avLst/>
-          </a:prstGeom>
-        </p:spPr>
-        <p:style>
-          <a:lnRef idx="2">
-            <a:schemeClr val="accent1">
-              <a:shade val="50000"/>
-            </a:schemeClr>
-          </a:lnRef>
-          <a:fillRef idx="1">
-            <a:schemeClr val="accent1"/>
-          </a:fillRef>
-          <a:effectRef idx="0">
-            <a:schemeClr val="accent1"/>
-          </a:effectRef>
-          <a:fontRef idx="minor">
-            <a:schemeClr val="lt1"/>
-          </a:fontRef>
-        </p:style>
-        <p:txBody>
-          <a:bodyPr rtlCol="0" anchor="ctr"/>
-          <a:lstStyle/>
-          <a:p>
-            <a:r>
-              <a:rPr lang="zh-TW" altLang="en-US" dirty="0"/>
-              <a:t>   勝利</a:t>
-            </a:r>
-          </a:p>
-        </p:txBody>
-      </p:sp>
-      <p:cxnSp>
-        <p:nvCxnSpPr>
-          <p:cNvPr id="26" name="直線單箭頭接點 25">
-            <a:extLst>
-              <a:ext uri="{FF2B5EF4-FFF2-40B4-BE49-F238E27FC236}">
-                <a16:creationId xmlns:a16="http://schemas.microsoft.com/office/drawing/2014/main" id="{07B9C7F3-0B79-40CF-B3C1-C058D4BEE85B}"/>
-              </a:ext>
-            </a:extLst>
-          </p:cNvPr>
-          <p:cNvCxnSpPr>
-            <a:cxnSpLocks/>
-            <a:stCxn id="6" idx="3"/>
-            <a:endCxn id="25" idx="1"/>
-          </p:cNvCxnSpPr>
-          <p:nvPr/>
-        </p:nvCxnSpPr>
-        <p:spPr>
-          <a:xfrm flipV="1">
-            <a:off x="4417742" y="3969376"/>
-            <a:ext cx="554500" cy="1"/>
-          </a:xfrm>
-          <a:prstGeom prst="straightConnector1">
-            <a:avLst/>
-          </a:prstGeom>
-          <a:ln w="38100">
-            <a:tailEnd type="triangle"/>
-          </a:ln>
-        </p:spPr>
-        <p:style>
-          <a:lnRef idx="1">
-            <a:schemeClr val="accent1"/>
-          </a:lnRef>
-          <a:fillRef idx="0">
-            <a:schemeClr val="accent1"/>
-          </a:fillRef>
-          <a:effectRef idx="0">
-            <a:schemeClr val="accent1"/>
-          </a:effectRef>
-          <a:fontRef idx="minor">
-            <a:schemeClr val="tx1"/>
-          </a:fontRef>
-        </p:style>
-      </p:cxnSp>
-      <p:cxnSp>
-        <p:nvCxnSpPr>
-          <p:cNvPr id="13" name="接點: 肘形 12">
-            <a:extLst>
-              <a:ext uri="{FF2B5EF4-FFF2-40B4-BE49-F238E27FC236}">
-                <a16:creationId xmlns:a16="http://schemas.microsoft.com/office/drawing/2014/main" id="{3E0D7B80-7B4B-45E2-8317-3F69B2AB2B59}"/>
-              </a:ext>
-            </a:extLst>
-          </p:cNvPr>
-          <p:cNvCxnSpPr>
-            <a:cxnSpLocks/>
-            <a:stCxn id="9" idx="2"/>
-          </p:cNvCxnSpPr>
-          <p:nvPr/>
-        </p:nvCxnSpPr>
-        <p:spPr>
-          <a:xfrm rot="5400000">
-            <a:off x="6336654" y="-325986"/>
-            <a:ext cx="284603" cy="7087453"/>
-          </a:xfrm>
-          <a:prstGeom prst="bentConnector2">
-            <a:avLst/>
-          </a:prstGeom>
-          <a:ln w="38100">
-            <a:tailEnd type="triangle"/>
-          </a:ln>
-        </p:spPr>
-        <p:style>
-          <a:lnRef idx="1">
-            <a:schemeClr val="accent1"/>
-          </a:lnRef>
-          <a:fillRef idx="0">
-            <a:schemeClr val="accent1"/>
-          </a:fillRef>
-          <a:effectRef idx="0">
-            <a:schemeClr val="accent1"/>
-          </a:effectRef>
-          <a:fontRef idx="minor">
-            <a:schemeClr val="tx1"/>
-          </a:fontRef>
-        </p:style>
-      </p:cxnSp>
-      <p:cxnSp>
-        <p:nvCxnSpPr>
-          <p:cNvPr id="16" name="接點: 肘形 15">
-            <a:extLst>
-              <a:ext uri="{FF2B5EF4-FFF2-40B4-BE49-F238E27FC236}">
-                <a16:creationId xmlns:a16="http://schemas.microsoft.com/office/drawing/2014/main" id="{1C4C011B-A689-4EF8-8D1C-E1F6A37EDA28}"/>
-              </a:ext>
-            </a:extLst>
-          </p:cNvPr>
-          <p:cNvCxnSpPr>
-            <a:cxnSpLocks/>
-            <a:endCxn id="6" idx="1"/>
-          </p:cNvCxnSpPr>
-          <p:nvPr/>
-        </p:nvCxnSpPr>
-        <p:spPr>
-          <a:xfrm rot="16200000" flipH="1">
-            <a:off x="2863251" y="3459618"/>
-            <a:ext cx="581736" cy="437781"/>
-          </a:xfrm>
-          <a:prstGeom prst="bentConnector2">
-            <a:avLst/>
-          </a:prstGeom>
-          <a:ln w="38100">
-            <a:tailEnd type="triangle"/>
-          </a:ln>
-        </p:spPr>
-        <p:style>
-          <a:lnRef idx="1">
-            <a:schemeClr val="accent1"/>
-          </a:lnRef>
-          <a:fillRef idx="0">
-            <a:schemeClr val="accent1"/>
-          </a:fillRef>
-          <a:effectRef idx="0">
-            <a:schemeClr val="accent1"/>
-          </a:effectRef>
-          <a:fontRef idx="minor">
-            <a:schemeClr val="tx1"/>
-          </a:fontRef>
-        </p:style>
-      </p:cxnSp>
-      <p:cxnSp>
-        <p:nvCxnSpPr>
-          <p:cNvPr id="27" name="接點: 肘形 26">
-            <a:extLst>
-              <a:ext uri="{FF2B5EF4-FFF2-40B4-BE49-F238E27FC236}">
-                <a16:creationId xmlns:a16="http://schemas.microsoft.com/office/drawing/2014/main" id="{88BD4D0D-9FED-4A24-9FCB-1377BB8A50ED}"/>
-              </a:ext>
-            </a:extLst>
-          </p:cNvPr>
-          <p:cNvCxnSpPr>
-            <a:cxnSpLocks/>
-            <a:stCxn id="6" idx="2"/>
-          </p:cNvCxnSpPr>
-          <p:nvPr/>
-        </p:nvCxnSpPr>
-        <p:spPr>
-          <a:xfrm rot="16200000" flipH="1">
-            <a:off x="5985247" y="2276279"/>
-            <a:ext cx="445910" cy="4625652"/>
-          </a:xfrm>
-          <a:prstGeom prst="bentConnector2">
-            <a:avLst/>
-          </a:prstGeom>
-          <a:ln w="38100">
-            <a:tailEnd type="triangle"/>
-          </a:ln>
-        </p:spPr>
-        <p:style>
-          <a:lnRef idx="1">
-            <a:schemeClr val="accent1"/>
-          </a:lnRef>
-          <a:fillRef idx="0">
-            <a:schemeClr val="accent1"/>
-          </a:fillRef>
-          <a:effectRef idx="0">
-            <a:schemeClr val="accent1"/>
-          </a:effectRef>
-          <a:fontRef idx="minor">
-            <a:schemeClr val="tx1"/>
-          </a:fontRef>
-        </p:style>
-      </p:cxnSp>
-      <p:cxnSp>
-        <p:nvCxnSpPr>
-          <p:cNvPr id="30" name="直線單箭頭接點 29">
-            <a:extLst>
-              <a:ext uri="{FF2B5EF4-FFF2-40B4-BE49-F238E27FC236}">
-                <a16:creationId xmlns:a16="http://schemas.microsoft.com/office/drawing/2014/main" id="{7144A436-22D8-4ABB-B0FA-E94EF1E8D9A7}"/>
-              </a:ext>
-            </a:extLst>
-          </p:cNvPr>
-          <p:cNvCxnSpPr>
-            <a:cxnSpLocks/>
-          </p:cNvCxnSpPr>
-          <p:nvPr/>
-        </p:nvCxnSpPr>
-        <p:spPr>
-          <a:xfrm flipV="1">
-            <a:off x="8480374" y="3061546"/>
-            <a:ext cx="11260" cy="1763965"/>
-          </a:xfrm>
-          <a:prstGeom prst="straightConnector1">
-            <a:avLst/>
-          </a:prstGeom>
-          <a:ln w="38100">
-            <a:tailEnd type="triangle"/>
-          </a:ln>
-        </p:spPr>
-        <p:style>
-          <a:lnRef idx="1">
-            <a:schemeClr val="accent1"/>
-          </a:lnRef>
-          <a:fillRef idx="0">
-            <a:schemeClr val="accent1"/>
-          </a:fillRef>
-          <a:effectRef idx="0">
-            <a:schemeClr val="accent1"/>
-          </a:effectRef>
-          <a:fontRef idx="minor">
-            <a:schemeClr val="tx1"/>
-          </a:fontRef>
-        </p:style>
-      </p:cxnSp>
     </p:spTree>
     <p:extLst>
       <p:ext uri="{BB962C8B-B14F-4D97-AF65-F5344CB8AC3E}">
-        <p14:creationId xmlns:p14="http://schemas.microsoft.com/office/powerpoint/2010/main" val="1779456015"/>
+        <p14:creationId xmlns:p14="http://schemas.microsoft.com/office/powerpoint/2010/main" val="2765143649"/>
       </p:ext>
     </p:extLst>
   </p:cSld>
@@ -11012,12 +10928,232 @@
           <a:lstStyle/>
           <a:p>
             <a:r>
-              <a:rPr lang="en-US" altLang="zh-TW" dirty="0" smtClean="0"/>
-              <a:t>Pickle </a:t>
-            </a:r>
-            <a:r>
-              <a:rPr lang="zh-TW" altLang="en-US" dirty="0" smtClean="0"/>
-              <a:t>檔訓練</a:t>
+              <a:rPr lang="zh-TW" altLang="en-US" dirty="0"/>
+              <a:t>開發流程圖</a:t>
+            </a:r>
+          </a:p>
+        </p:txBody>
+      </p:sp>
+      <p:sp>
+        <p:nvSpPr>
+          <p:cNvPr id="4" name="矩形 3"/>
+          <p:cNvSpPr/>
+          <p:nvPr/>
+        </p:nvSpPr>
+        <p:spPr>
+          <a:xfrm>
+            <a:off x="3391320" y="2272328"/>
+            <a:ext cx="1008112" cy="795935"/>
+          </a:xfrm>
+          <a:prstGeom prst="rect">
+            <a:avLst/>
+          </a:prstGeom>
+        </p:spPr>
+        <p:style>
+          <a:lnRef idx="2">
+            <a:schemeClr val="accent1">
+              <a:shade val="50000"/>
+            </a:schemeClr>
+          </a:lnRef>
+          <a:fillRef idx="1">
+            <a:schemeClr val="accent1"/>
+          </a:fillRef>
+          <a:effectRef idx="0">
+            <a:schemeClr val="accent1"/>
+          </a:effectRef>
+          <a:fontRef idx="minor">
+            <a:schemeClr val="lt1"/>
+          </a:fontRef>
+        </p:style>
+        <p:txBody>
+          <a:bodyPr rtlCol="0" anchor="ctr"/>
+          <a:lstStyle/>
+          <a:p>
+            <a:pPr algn="ctr"/>
+            <a:endParaRPr lang="zh-TW" altLang="en-US"/>
+          </a:p>
+        </p:txBody>
+      </p:sp>
+      <p:sp>
+        <p:nvSpPr>
+          <p:cNvPr id="6" name="矩形 5"/>
+          <p:cNvSpPr/>
+          <p:nvPr/>
+        </p:nvSpPr>
+        <p:spPr>
+          <a:xfrm>
+            <a:off x="3373010" y="3572603"/>
+            <a:ext cx="1044732" cy="793547"/>
+          </a:xfrm>
+          <a:prstGeom prst="rect">
+            <a:avLst/>
+          </a:prstGeom>
+        </p:spPr>
+        <p:style>
+          <a:lnRef idx="2">
+            <a:schemeClr val="accent1">
+              <a:shade val="50000"/>
+            </a:schemeClr>
+          </a:lnRef>
+          <a:fillRef idx="1">
+            <a:schemeClr val="accent1"/>
+          </a:fillRef>
+          <a:effectRef idx="0">
+            <a:schemeClr val="accent1"/>
+          </a:effectRef>
+          <a:fontRef idx="minor">
+            <a:schemeClr val="lt1"/>
+          </a:fontRef>
+        </p:style>
+        <p:txBody>
+          <a:bodyPr rtlCol="0" anchor="ctr"/>
+          <a:lstStyle/>
+          <a:p>
+            <a:r>
+              <a:rPr lang="zh-TW" altLang="en-US" dirty="0"/>
+              <a:t>與</a:t>
+            </a:r>
+            <a:r>
+              <a:rPr lang="en-US" altLang="zh-TW" dirty="0"/>
+              <a:t>rule</a:t>
+            </a:r>
+            <a:r>
+              <a:rPr lang="zh-TW" altLang="en-US" dirty="0"/>
+              <a:t> </a:t>
+            </a:r>
+            <a:r>
+              <a:rPr lang="en-US" altLang="zh-TW" dirty="0"/>
+              <a:t>base</a:t>
+            </a:r>
+            <a:r>
+              <a:rPr lang="zh-TW" altLang="en-US" dirty="0"/>
+              <a:t>對打</a:t>
+            </a:r>
+          </a:p>
+        </p:txBody>
+      </p:sp>
+      <p:sp>
+        <p:nvSpPr>
+          <p:cNvPr id="7" name="矩形 6"/>
+          <p:cNvSpPr/>
+          <p:nvPr/>
+        </p:nvSpPr>
+        <p:spPr>
+          <a:xfrm>
+            <a:off x="4948819" y="2283308"/>
+            <a:ext cx="1008112" cy="795935"/>
+          </a:xfrm>
+          <a:prstGeom prst="rect">
+            <a:avLst/>
+          </a:prstGeom>
+        </p:spPr>
+        <p:style>
+          <a:lnRef idx="2">
+            <a:schemeClr val="accent1">
+              <a:shade val="50000"/>
+            </a:schemeClr>
+          </a:lnRef>
+          <a:fillRef idx="1">
+            <a:schemeClr val="accent1"/>
+          </a:fillRef>
+          <a:effectRef idx="0">
+            <a:schemeClr val="accent1"/>
+          </a:effectRef>
+          <a:fontRef idx="minor">
+            <a:schemeClr val="lt1"/>
+          </a:fontRef>
+        </p:style>
+        <p:txBody>
+          <a:bodyPr rtlCol="0" anchor="ctr"/>
+          <a:lstStyle/>
+          <a:p>
+            <a:pPr algn="ctr"/>
+            <a:endParaRPr lang="zh-TW" altLang="en-US"/>
+          </a:p>
+        </p:txBody>
+      </p:sp>
+      <p:sp>
+        <p:nvSpPr>
+          <p:cNvPr id="8" name="矩形 7"/>
+          <p:cNvSpPr/>
+          <p:nvPr/>
+        </p:nvSpPr>
+        <p:spPr>
+          <a:xfrm>
+            <a:off x="7977987" y="2273005"/>
+            <a:ext cx="1008112" cy="795941"/>
+          </a:xfrm>
+          <a:prstGeom prst="rect">
+            <a:avLst/>
+          </a:prstGeom>
+        </p:spPr>
+        <p:style>
+          <a:lnRef idx="2">
+            <a:schemeClr val="accent1">
+              <a:shade val="50000"/>
+            </a:schemeClr>
+          </a:lnRef>
+          <a:fillRef idx="1">
+            <a:schemeClr val="accent1"/>
+          </a:fillRef>
+          <a:effectRef idx="0">
+            <a:schemeClr val="accent1"/>
+          </a:effectRef>
+          <a:fontRef idx="minor">
+            <a:schemeClr val="lt1"/>
+          </a:fontRef>
+        </p:style>
+        <p:txBody>
+          <a:bodyPr rtlCol="0" anchor="ctr"/>
+          <a:lstStyle/>
+          <a:p>
+            <a:pPr algn="ctr"/>
+            <a:r>
+              <a:rPr lang="zh-TW" altLang="en-US" dirty="0"/>
+              <a:t>訓練</a:t>
+            </a:r>
+          </a:p>
+        </p:txBody>
+      </p:sp>
+      <p:sp>
+        <p:nvSpPr>
+          <p:cNvPr id="9" name="矩形 8"/>
+          <p:cNvSpPr/>
+          <p:nvPr/>
+        </p:nvSpPr>
+        <p:spPr>
+          <a:xfrm>
+            <a:off x="9518625" y="2279506"/>
+            <a:ext cx="1008112" cy="795933"/>
+          </a:xfrm>
+          <a:prstGeom prst="rect">
+            <a:avLst/>
+          </a:prstGeom>
+        </p:spPr>
+        <p:style>
+          <a:lnRef idx="2">
+            <a:schemeClr val="accent1">
+              <a:shade val="50000"/>
+            </a:schemeClr>
+          </a:lnRef>
+          <a:fillRef idx="1">
+            <a:schemeClr val="accent1"/>
+          </a:fillRef>
+          <a:effectRef idx="0">
+            <a:schemeClr val="accent1"/>
+          </a:effectRef>
+          <a:fontRef idx="minor">
+            <a:schemeClr val="lt1"/>
+          </a:fontRef>
+        </p:style>
+        <p:txBody>
+          <a:bodyPr rtlCol="0" anchor="ctr"/>
+          <a:lstStyle/>
+          <a:p>
+            <a:pPr algn="ctr"/>
+            <a:r>
+              <a:rPr lang="en-US" altLang="zh-TW" dirty="0"/>
+              <a:t>KNN</a:t>
             </a:r>
             <a:endParaRPr lang="zh-TW" altLang="en-US" dirty="0"/>
           </a:p>
@@ -11025,124 +11161,728 @@
       </p:sp>
       <p:sp>
         <p:nvSpPr>
-          <p:cNvPr id="3" name="內容版面配置區 2"/>
-          <p:cNvSpPr>
-            <a:spLocks noGrp="1"/>
-          </p:cNvSpPr>
-          <p:nvPr>
-            <p:ph idx="1"/>
-          </p:nvPr>
-        </p:nvSpPr>
-        <p:spPr/>
-        <p:txBody>
-          <a:bodyPr/>
-          <a:lstStyle/>
-          <a:p>
-            <a:r>
-              <a:rPr lang="zh-TW" altLang="en-US" dirty="0" smtClean="0"/>
-              <a:t>我們的</a:t>
-            </a:r>
-            <a:r>
-              <a:rPr lang="en-US" altLang="zh-TW" dirty="0" smtClean="0"/>
+          <p:cNvPr id="10" name="矩形 9"/>
+          <p:cNvSpPr/>
+          <p:nvPr/>
+        </p:nvSpPr>
+        <p:spPr>
+          <a:xfrm>
+            <a:off x="6463403" y="2273006"/>
+            <a:ext cx="1008112" cy="795938"/>
+          </a:xfrm>
+          <a:prstGeom prst="rect">
+            <a:avLst/>
+          </a:prstGeom>
+        </p:spPr>
+        <p:style>
+          <a:lnRef idx="2">
+            <a:schemeClr val="accent1">
+              <a:shade val="50000"/>
+            </a:schemeClr>
+          </a:lnRef>
+          <a:fillRef idx="1">
+            <a:schemeClr val="accent1"/>
+          </a:fillRef>
+          <a:effectRef idx="0">
+            <a:schemeClr val="accent1"/>
+          </a:effectRef>
+          <a:fontRef idx="minor">
+            <a:schemeClr val="lt1"/>
+          </a:fontRef>
+        </p:style>
+        <p:txBody>
+          <a:bodyPr rtlCol="0" anchor="ctr"/>
+          <a:lstStyle/>
+          <a:p>
+            <a:pPr algn="ctr"/>
+            <a:r>
+              <a:rPr lang="zh-TW" altLang="en-US" dirty="0"/>
+              <a:t>輸出結果</a:t>
+            </a:r>
+          </a:p>
+        </p:txBody>
+      </p:sp>
+      <p:sp>
+        <p:nvSpPr>
+          <p:cNvPr id="11" name="文字方塊 10"/>
+          <p:cNvSpPr txBox="1"/>
+          <p:nvPr/>
+        </p:nvSpPr>
+        <p:spPr>
+          <a:xfrm flipH="1">
+            <a:off x="3419857" y="2328041"/>
+            <a:ext cx="1036868" cy="646331"/>
+          </a:xfrm>
+          <a:prstGeom prst="rect">
+            <a:avLst/>
+          </a:prstGeom>
+          <a:noFill/>
+        </p:spPr>
+        <p:txBody>
+          <a:bodyPr wrap="square" rtlCol="0">
+            <a:spAutoFit/>
+          </a:bodyPr>
+          <a:lstStyle/>
+          <a:p>
+            <a:r>
+              <a:rPr lang="zh-TW" altLang="en-US" dirty="0">
+                <a:solidFill>
+                  <a:schemeClr val="bg1"/>
+                </a:solidFill>
+              </a:rPr>
+              <a:t>寫出</a:t>
+            </a:r>
+            <a:endParaRPr lang="en-US" altLang="zh-TW" dirty="0">
+              <a:solidFill>
+                <a:schemeClr val="bg1"/>
+              </a:solidFill>
+            </a:endParaRPr>
+          </a:p>
+          <a:p>
+            <a:r>
+              <a:rPr lang="en-US" altLang="zh-TW" dirty="0">
+                <a:solidFill>
+                  <a:schemeClr val="bg1"/>
+                </a:solidFill>
+              </a:rPr>
               <a:t>rule</a:t>
             </a:r>
             <a:r>
-              <a:rPr lang="zh-TW" altLang="en-US" dirty="0" smtClean="0"/>
+              <a:rPr lang="zh-TW" altLang="en-US" dirty="0">
+                <a:solidFill>
+                  <a:schemeClr val="bg1"/>
+                </a:solidFill>
+              </a:rPr>
               <a:t> </a:t>
             </a:r>
             <a:r>
-              <a:rPr lang="en-US" altLang="zh-TW" dirty="0" smtClean="0"/>
+              <a:rPr lang="en-US" altLang="zh-TW" dirty="0">
+                <a:solidFill>
+                  <a:schemeClr val="bg1"/>
+                </a:solidFill>
+              </a:rPr>
               <a:t>base</a:t>
             </a:r>
-            <a:r>
-              <a:rPr lang="zh-TW" altLang="en-US" dirty="0" smtClean="0"/>
-              <a:t> 是誰發球誰贏，所以假設要訓練</a:t>
-            </a:r>
-            <a:r>
-              <a:rPr lang="en-US" altLang="zh-TW" dirty="0" smtClean="0"/>
-              <a:t>1p</a:t>
-            </a:r>
-            <a:r>
-              <a:rPr lang="zh-TW" altLang="en-US" dirty="0" smtClean="0"/>
-              <a:t>那</a:t>
-            </a:r>
-            <a:r>
-              <a:rPr lang="en-US" altLang="zh-TW" dirty="0" smtClean="0"/>
-              <a:t>1p</a:t>
-            </a:r>
-            <a:r>
-              <a:rPr lang="zh-TW" altLang="en-US" dirty="0" smtClean="0"/>
-              <a:t>發球或是</a:t>
-            </a:r>
-            <a:r>
-              <a:rPr lang="en-US" altLang="zh-TW" dirty="0" smtClean="0"/>
-              <a:t>2p</a:t>
-            </a:r>
-            <a:r>
-              <a:rPr lang="zh-TW" altLang="en-US" dirty="0" smtClean="0"/>
-              <a:t>發球都要贏。</a:t>
-            </a:r>
-            <a:r>
-              <a:rPr lang="en-US" altLang="zh-TW" dirty="0" smtClean="0"/>
-              <a:t>(</a:t>
-            </a:r>
-            <a:r>
-              <a:rPr lang="zh-TW" altLang="en-US" dirty="0" smtClean="0"/>
-              <a:t>預設兩邊板子為中心點接球</a:t>
-            </a:r>
-            <a:r>
-              <a:rPr lang="en-US" altLang="zh-TW" dirty="0" smtClean="0"/>
-              <a:t>)</a:t>
-            </a:r>
-          </a:p>
-          <a:p>
-            <a:r>
-              <a:rPr lang="en-US" altLang="zh-TW" dirty="0" smtClean="0"/>
-              <a:t>1.</a:t>
-            </a:r>
-            <a:r>
-              <a:rPr lang="zh-TW" altLang="en-US" dirty="0" smtClean="0"/>
-              <a:t>更改接球位置</a:t>
-            </a:r>
-            <a:endParaRPr lang="en-US" altLang="zh-TW" dirty="0" smtClean="0"/>
-          </a:p>
-          <a:p>
-            <a:r>
-              <a:rPr lang="en-US" altLang="zh-TW" dirty="0" smtClean="0"/>
-              <a:t>2.</a:t>
-            </a:r>
-            <a:r>
-              <a:rPr lang="zh-TW" altLang="en-US" dirty="0" smtClean="0"/>
-              <a:t>隨機發球</a:t>
-            </a:r>
-            <a:endParaRPr lang="en-US" altLang="zh-TW" dirty="0" smtClean="0"/>
-          </a:p>
-          <a:p>
-            <a:r>
-              <a:rPr lang="en-US" altLang="zh-TW" dirty="0" smtClean="0"/>
-              <a:t>3.</a:t>
-            </a:r>
-            <a:r>
-              <a:rPr lang="zh-TW" altLang="en-US" dirty="0" smtClean="0"/>
-              <a:t>對方接球位置</a:t>
-            </a:r>
-            <a:endParaRPr lang="en-US" altLang="zh-TW" dirty="0"/>
-          </a:p>
-          <a:p>
-            <a:endParaRPr lang="en-US" altLang="zh-TW" dirty="0" smtClean="0"/>
-          </a:p>
-          <a:p>
-            <a:endParaRPr lang="en-US" altLang="zh-TW" dirty="0" smtClean="0"/>
-          </a:p>
-          <a:p>
-            <a:endParaRPr lang="zh-TW" altLang="en-US" dirty="0"/>
-          </a:p>
-        </p:txBody>
-      </p:sp>
+            <a:endParaRPr lang="zh-TW" altLang="en-US" dirty="0">
+              <a:solidFill>
+                <a:schemeClr val="bg1"/>
+              </a:solidFill>
+            </a:endParaRPr>
+          </a:p>
+        </p:txBody>
+      </p:sp>
+      <p:sp>
+        <p:nvSpPr>
+          <p:cNvPr id="12" name="文字方塊 11"/>
+          <p:cNvSpPr txBox="1"/>
+          <p:nvPr/>
+        </p:nvSpPr>
+        <p:spPr>
+          <a:xfrm>
+            <a:off x="4993284" y="2352625"/>
+            <a:ext cx="877163" cy="646331"/>
+          </a:xfrm>
+          <a:prstGeom prst="rect">
+            <a:avLst/>
+          </a:prstGeom>
+          <a:noFill/>
+        </p:spPr>
+        <p:txBody>
+          <a:bodyPr wrap="none" rtlCol="0">
+            <a:spAutoFit/>
+          </a:bodyPr>
+          <a:lstStyle/>
+          <a:p>
+            <a:r>
+              <a:rPr lang="zh-TW" altLang="en-US" dirty="0">
+                <a:solidFill>
+                  <a:schemeClr val="bg1"/>
+                </a:solidFill>
+              </a:rPr>
+              <a:t>測試及</a:t>
+            </a:r>
+            <a:endParaRPr lang="en-US" altLang="zh-TW" dirty="0">
+              <a:solidFill>
+                <a:schemeClr val="bg1"/>
+              </a:solidFill>
+            </a:endParaRPr>
+          </a:p>
+          <a:p>
+            <a:r>
+              <a:rPr lang="zh-TW" altLang="en-US" dirty="0">
+                <a:solidFill>
+                  <a:schemeClr val="bg1"/>
+                </a:solidFill>
+              </a:rPr>
+              <a:t>改善</a:t>
+            </a:r>
+          </a:p>
+        </p:txBody>
+      </p:sp>
+      <p:cxnSp>
+        <p:nvCxnSpPr>
+          <p:cNvPr id="14" name="直線單箭頭接點 13"/>
+          <p:cNvCxnSpPr/>
+          <p:nvPr/>
+        </p:nvCxnSpPr>
+        <p:spPr>
+          <a:xfrm>
+            <a:off x="4406959" y="2560361"/>
+            <a:ext cx="541860" cy="0"/>
+          </a:xfrm>
+          <a:prstGeom prst="straightConnector1">
+            <a:avLst/>
+          </a:prstGeom>
+          <a:ln w="38100">
+            <a:tailEnd type="triangle"/>
+          </a:ln>
+        </p:spPr>
+        <p:style>
+          <a:lnRef idx="1">
+            <a:schemeClr val="accent1"/>
+          </a:lnRef>
+          <a:fillRef idx="0">
+            <a:schemeClr val="accent1"/>
+          </a:fillRef>
+          <a:effectRef idx="0">
+            <a:schemeClr val="accent1"/>
+          </a:effectRef>
+          <a:fontRef idx="minor">
+            <a:schemeClr val="tx1"/>
+          </a:fontRef>
+        </p:style>
+      </p:cxnSp>
+      <p:cxnSp>
+        <p:nvCxnSpPr>
+          <p:cNvPr id="21" name="直線單箭頭接點 20"/>
+          <p:cNvCxnSpPr/>
+          <p:nvPr/>
+        </p:nvCxnSpPr>
+        <p:spPr>
+          <a:xfrm>
+            <a:off x="5914911" y="2579119"/>
+            <a:ext cx="541860" cy="0"/>
+          </a:xfrm>
+          <a:prstGeom prst="straightConnector1">
+            <a:avLst/>
+          </a:prstGeom>
+          <a:ln w="38100">
+            <a:tailEnd type="triangle"/>
+          </a:ln>
+        </p:spPr>
+        <p:style>
+          <a:lnRef idx="1">
+            <a:schemeClr val="accent1"/>
+          </a:lnRef>
+          <a:fillRef idx="0">
+            <a:schemeClr val="accent1"/>
+          </a:fillRef>
+          <a:effectRef idx="0">
+            <a:schemeClr val="accent1"/>
+          </a:effectRef>
+          <a:fontRef idx="minor">
+            <a:schemeClr val="tx1"/>
+          </a:fontRef>
+        </p:style>
+      </p:cxnSp>
+      <p:cxnSp>
+        <p:nvCxnSpPr>
+          <p:cNvPr id="22" name="直線單箭頭接點 21"/>
+          <p:cNvCxnSpPr/>
+          <p:nvPr/>
+        </p:nvCxnSpPr>
+        <p:spPr>
+          <a:xfrm>
+            <a:off x="7464883" y="2579119"/>
+            <a:ext cx="541860" cy="0"/>
+          </a:xfrm>
+          <a:prstGeom prst="straightConnector1">
+            <a:avLst/>
+          </a:prstGeom>
+          <a:ln w="38100">
+            <a:tailEnd type="triangle"/>
+          </a:ln>
+        </p:spPr>
+        <p:style>
+          <a:lnRef idx="1">
+            <a:schemeClr val="accent1"/>
+          </a:lnRef>
+          <a:fillRef idx="0">
+            <a:schemeClr val="accent1"/>
+          </a:fillRef>
+          <a:effectRef idx="0">
+            <a:schemeClr val="accent1"/>
+          </a:effectRef>
+          <a:fontRef idx="minor">
+            <a:schemeClr val="tx1"/>
+          </a:fontRef>
+        </p:style>
+      </p:cxnSp>
+      <p:cxnSp>
+        <p:nvCxnSpPr>
+          <p:cNvPr id="23" name="直線單箭頭接點 22"/>
+          <p:cNvCxnSpPr/>
+          <p:nvPr/>
+        </p:nvCxnSpPr>
+        <p:spPr>
+          <a:xfrm>
+            <a:off x="8986099" y="2579119"/>
+            <a:ext cx="541860" cy="0"/>
+          </a:xfrm>
+          <a:prstGeom prst="straightConnector1">
+            <a:avLst/>
+          </a:prstGeom>
+          <a:ln w="38100">
+            <a:tailEnd type="triangle"/>
+          </a:ln>
+        </p:spPr>
+        <p:style>
+          <a:lnRef idx="1">
+            <a:schemeClr val="accent1"/>
+          </a:lnRef>
+          <a:fillRef idx="0">
+            <a:schemeClr val="accent1"/>
+          </a:fillRef>
+          <a:effectRef idx="0">
+            <a:schemeClr val="accent1"/>
+          </a:effectRef>
+          <a:fontRef idx="minor">
+            <a:schemeClr val="tx1"/>
+          </a:fontRef>
+        </p:style>
+      </p:cxnSp>
+      <p:cxnSp>
+        <p:nvCxnSpPr>
+          <p:cNvPr id="24" name="直線單箭頭接點 23"/>
+          <p:cNvCxnSpPr/>
+          <p:nvPr/>
+        </p:nvCxnSpPr>
+        <p:spPr>
+          <a:xfrm>
+            <a:off x="5980354" y="4005064"/>
+            <a:ext cx="541860" cy="0"/>
+          </a:xfrm>
+          <a:prstGeom prst="straightConnector1">
+            <a:avLst/>
+          </a:prstGeom>
+          <a:ln w="38100">
+            <a:tailEnd type="triangle"/>
+          </a:ln>
+        </p:spPr>
+        <p:style>
+          <a:lnRef idx="1">
+            <a:schemeClr val="accent1"/>
+          </a:lnRef>
+          <a:fillRef idx="0">
+            <a:schemeClr val="accent1"/>
+          </a:fillRef>
+          <a:effectRef idx="0">
+            <a:schemeClr val="accent1"/>
+          </a:effectRef>
+          <a:fontRef idx="minor">
+            <a:schemeClr val="tx1"/>
+          </a:fontRef>
+        </p:style>
+      </p:cxnSp>
+      <p:sp>
+        <p:nvSpPr>
+          <p:cNvPr id="3" name="矩形: 圓角 2">
+            <a:extLst>
+              <a:ext uri="{FF2B5EF4-FFF2-40B4-BE49-F238E27FC236}">
+                <a16:creationId xmlns:a16="http://schemas.microsoft.com/office/drawing/2014/main" id="{F972BE4E-2858-4ADB-BDDD-910F4E014718}"/>
+              </a:ext>
+            </a:extLst>
+          </p:cNvPr>
+          <p:cNvSpPr/>
+          <p:nvPr/>
+        </p:nvSpPr>
+        <p:spPr>
+          <a:xfrm>
+            <a:off x="1861833" y="2247092"/>
+            <a:ext cx="992356" cy="808230"/>
+          </a:xfrm>
+          <a:prstGeom prst="roundRect">
+            <a:avLst/>
+          </a:prstGeom>
+        </p:spPr>
+        <p:style>
+          <a:lnRef idx="2">
+            <a:schemeClr val="accent1">
+              <a:shade val="50000"/>
+            </a:schemeClr>
+          </a:lnRef>
+          <a:fillRef idx="1">
+            <a:schemeClr val="accent1"/>
+          </a:fillRef>
+          <a:effectRef idx="0">
+            <a:schemeClr val="accent1"/>
+          </a:effectRef>
+          <a:fontRef idx="minor">
+            <a:schemeClr val="lt1"/>
+          </a:fontRef>
+        </p:style>
+        <p:txBody>
+          <a:bodyPr rtlCol="0" anchor="ctr"/>
+          <a:lstStyle/>
+          <a:p>
+            <a:pPr algn="ctr"/>
+            <a:r>
+              <a:rPr lang="zh-TW" altLang="en-US" dirty="0"/>
+              <a:t>開始</a:t>
+            </a:r>
+          </a:p>
+        </p:txBody>
+      </p:sp>
+      <p:cxnSp>
+        <p:nvCxnSpPr>
+          <p:cNvPr id="19" name="直線單箭頭接點 18">
+            <a:extLst>
+              <a:ext uri="{FF2B5EF4-FFF2-40B4-BE49-F238E27FC236}">
+                <a16:creationId xmlns:a16="http://schemas.microsoft.com/office/drawing/2014/main" id="{3D7BF0D8-EE51-4607-9065-5ABBEF36F6E6}"/>
+              </a:ext>
+            </a:extLst>
+          </p:cNvPr>
+          <p:cNvCxnSpPr/>
+          <p:nvPr/>
+        </p:nvCxnSpPr>
+        <p:spPr>
+          <a:xfrm>
+            <a:off x="2881876" y="2556249"/>
+            <a:ext cx="541860" cy="0"/>
+          </a:xfrm>
+          <a:prstGeom prst="straightConnector1">
+            <a:avLst/>
+          </a:prstGeom>
+          <a:ln w="38100">
+            <a:tailEnd type="triangle"/>
+          </a:ln>
+        </p:spPr>
+        <p:style>
+          <a:lnRef idx="1">
+            <a:schemeClr val="accent1"/>
+          </a:lnRef>
+          <a:fillRef idx="0">
+            <a:schemeClr val="accent1"/>
+          </a:fillRef>
+          <a:effectRef idx="0">
+            <a:schemeClr val="accent1"/>
+          </a:effectRef>
+          <a:fontRef idx="minor">
+            <a:schemeClr val="tx1"/>
+          </a:fontRef>
+        </p:style>
+      </p:cxnSp>
+      <p:sp>
+        <p:nvSpPr>
+          <p:cNvPr id="20" name="矩形: 圓角 19">
+            <a:extLst>
+              <a:ext uri="{FF2B5EF4-FFF2-40B4-BE49-F238E27FC236}">
+                <a16:creationId xmlns:a16="http://schemas.microsoft.com/office/drawing/2014/main" id="{EEE47D71-26D0-46DD-8767-2742A938DA45}"/>
+              </a:ext>
+            </a:extLst>
+          </p:cNvPr>
+          <p:cNvSpPr/>
+          <p:nvPr/>
+        </p:nvSpPr>
+        <p:spPr>
+          <a:xfrm>
+            <a:off x="6483359" y="3559152"/>
+            <a:ext cx="1036868" cy="793546"/>
+          </a:xfrm>
+          <a:prstGeom prst="roundRect">
+            <a:avLst/>
+          </a:prstGeom>
+        </p:spPr>
+        <p:style>
+          <a:lnRef idx="2">
+            <a:schemeClr val="accent1">
+              <a:shade val="50000"/>
+            </a:schemeClr>
+          </a:lnRef>
+          <a:fillRef idx="1">
+            <a:schemeClr val="accent1"/>
+          </a:fillRef>
+          <a:effectRef idx="0">
+            <a:schemeClr val="accent1"/>
+          </a:effectRef>
+          <a:fontRef idx="minor">
+            <a:schemeClr val="lt1"/>
+          </a:fontRef>
+        </p:style>
+        <p:txBody>
+          <a:bodyPr rtlCol="0" anchor="ctr"/>
+          <a:lstStyle/>
+          <a:p>
+            <a:pPr algn="ctr"/>
+            <a:r>
+              <a:rPr lang="zh-TW" altLang="en-US" dirty="0"/>
+              <a:t>結束</a:t>
+            </a:r>
+          </a:p>
+        </p:txBody>
+      </p:sp>
+      <p:sp>
+        <p:nvSpPr>
+          <p:cNvPr id="25" name="矩形 24">
+            <a:extLst>
+              <a:ext uri="{FF2B5EF4-FFF2-40B4-BE49-F238E27FC236}">
+                <a16:creationId xmlns:a16="http://schemas.microsoft.com/office/drawing/2014/main" id="{848DA600-85F6-4415-9A31-EE177003EC42}"/>
+              </a:ext>
+            </a:extLst>
+          </p:cNvPr>
+          <p:cNvSpPr/>
+          <p:nvPr/>
+        </p:nvSpPr>
+        <p:spPr>
+          <a:xfrm>
+            <a:off x="4972242" y="3572603"/>
+            <a:ext cx="1008112" cy="793545"/>
+          </a:xfrm>
+          <a:prstGeom prst="rect">
+            <a:avLst/>
+          </a:prstGeom>
+        </p:spPr>
+        <p:style>
+          <a:lnRef idx="2">
+            <a:schemeClr val="accent1">
+              <a:shade val="50000"/>
+            </a:schemeClr>
+          </a:lnRef>
+          <a:fillRef idx="1">
+            <a:schemeClr val="accent1"/>
+          </a:fillRef>
+          <a:effectRef idx="0">
+            <a:schemeClr val="accent1"/>
+          </a:effectRef>
+          <a:fontRef idx="minor">
+            <a:schemeClr val="lt1"/>
+          </a:fontRef>
+        </p:style>
+        <p:txBody>
+          <a:bodyPr rtlCol="0" anchor="ctr"/>
+          <a:lstStyle/>
+          <a:p>
+            <a:r>
+              <a:rPr lang="zh-TW" altLang="en-US" dirty="0"/>
+              <a:t>   勝利</a:t>
+            </a:r>
+          </a:p>
+        </p:txBody>
+      </p:sp>
+      <p:cxnSp>
+        <p:nvCxnSpPr>
+          <p:cNvPr id="26" name="直線單箭頭接點 25">
+            <a:extLst>
+              <a:ext uri="{FF2B5EF4-FFF2-40B4-BE49-F238E27FC236}">
+                <a16:creationId xmlns:a16="http://schemas.microsoft.com/office/drawing/2014/main" id="{07B9C7F3-0B79-40CF-B3C1-C058D4BEE85B}"/>
+              </a:ext>
+            </a:extLst>
+          </p:cNvPr>
+          <p:cNvCxnSpPr>
+            <a:cxnSpLocks/>
+            <a:stCxn id="6" idx="3"/>
+            <a:endCxn id="25" idx="1"/>
+          </p:cNvCxnSpPr>
+          <p:nvPr/>
+        </p:nvCxnSpPr>
+        <p:spPr>
+          <a:xfrm flipV="1">
+            <a:off x="4417742" y="3969376"/>
+            <a:ext cx="554500" cy="1"/>
+          </a:xfrm>
+          <a:prstGeom prst="straightConnector1">
+            <a:avLst/>
+          </a:prstGeom>
+          <a:ln w="38100">
+            <a:tailEnd type="triangle"/>
+          </a:ln>
+        </p:spPr>
+        <p:style>
+          <a:lnRef idx="1">
+            <a:schemeClr val="accent1"/>
+          </a:lnRef>
+          <a:fillRef idx="0">
+            <a:schemeClr val="accent1"/>
+          </a:fillRef>
+          <a:effectRef idx="0">
+            <a:schemeClr val="accent1"/>
+          </a:effectRef>
+          <a:fontRef idx="minor">
+            <a:schemeClr val="tx1"/>
+          </a:fontRef>
+        </p:style>
+      </p:cxnSp>
+      <p:cxnSp>
+        <p:nvCxnSpPr>
+          <p:cNvPr id="13" name="接點: 肘形 12">
+            <a:extLst>
+              <a:ext uri="{FF2B5EF4-FFF2-40B4-BE49-F238E27FC236}">
+                <a16:creationId xmlns:a16="http://schemas.microsoft.com/office/drawing/2014/main" id="{3E0D7B80-7B4B-45E2-8317-3F69B2AB2B59}"/>
+              </a:ext>
+            </a:extLst>
+          </p:cNvPr>
+          <p:cNvCxnSpPr>
+            <a:cxnSpLocks/>
+            <a:stCxn id="9" idx="2"/>
+          </p:cNvCxnSpPr>
+          <p:nvPr/>
+        </p:nvCxnSpPr>
+        <p:spPr>
+          <a:xfrm rot="5400000">
+            <a:off x="6336654" y="-325986"/>
+            <a:ext cx="284603" cy="7087453"/>
+          </a:xfrm>
+          <a:prstGeom prst="bentConnector2">
+            <a:avLst/>
+          </a:prstGeom>
+          <a:ln w="38100">
+            <a:tailEnd type="triangle"/>
+          </a:ln>
+        </p:spPr>
+        <p:style>
+          <a:lnRef idx="1">
+            <a:schemeClr val="accent1"/>
+          </a:lnRef>
+          <a:fillRef idx="0">
+            <a:schemeClr val="accent1"/>
+          </a:fillRef>
+          <a:effectRef idx="0">
+            <a:schemeClr val="accent1"/>
+          </a:effectRef>
+          <a:fontRef idx="minor">
+            <a:schemeClr val="tx1"/>
+          </a:fontRef>
+        </p:style>
+      </p:cxnSp>
+      <p:cxnSp>
+        <p:nvCxnSpPr>
+          <p:cNvPr id="16" name="接點: 肘形 15">
+            <a:extLst>
+              <a:ext uri="{FF2B5EF4-FFF2-40B4-BE49-F238E27FC236}">
+                <a16:creationId xmlns:a16="http://schemas.microsoft.com/office/drawing/2014/main" id="{1C4C011B-A689-4EF8-8D1C-E1F6A37EDA28}"/>
+              </a:ext>
+            </a:extLst>
+          </p:cNvPr>
+          <p:cNvCxnSpPr>
+            <a:cxnSpLocks/>
+            <a:endCxn id="6" idx="1"/>
+          </p:cNvCxnSpPr>
+          <p:nvPr/>
+        </p:nvCxnSpPr>
+        <p:spPr>
+          <a:xfrm rot="16200000" flipH="1">
+            <a:off x="2863251" y="3459618"/>
+            <a:ext cx="581736" cy="437781"/>
+          </a:xfrm>
+          <a:prstGeom prst="bentConnector2">
+            <a:avLst/>
+          </a:prstGeom>
+          <a:ln w="38100">
+            <a:tailEnd type="triangle"/>
+          </a:ln>
+        </p:spPr>
+        <p:style>
+          <a:lnRef idx="1">
+            <a:schemeClr val="accent1"/>
+          </a:lnRef>
+          <a:fillRef idx="0">
+            <a:schemeClr val="accent1"/>
+          </a:fillRef>
+          <a:effectRef idx="0">
+            <a:schemeClr val="accent1"/>
+          </a:effectRef>
+          <a:fontRef idx="minor">
+            <a:schemeClr val="tx1"/>
+          </a:fontRef>
+        </p:style>
+      </p:cxnSp>
+      <p:cxnSp>
+        <p:nvCxnSpPr>
+          <p:cNvPr id="27" name="接點: 肘形 26">
+            <a:extLst>
+              <a:ext uri="{FF2B5EF4-FFF2-40B4-BE49-F238E27FC236}">
+                <a16:creationId xmlns:a16="http://schemas.microsoft.com/office/drawing/2014/main" id="{88BD4D0D-9FED-4A24-9FCB-1377BB8A50ED}"/>
+              </a:ext>
+            </a:extLst>
+          </p:cNvPr>
+          <p:cNvCxnSpPr>
+            <a:cxnSpLocks/>
+            <a:stCxn id="6" idx="2"/>
+          </p:cNvCxnSpPr>
+          <p:nvPr/>
+        </p:nvCxnSpPr>
+        <p:spPr>
+          <a:xfrm rot="16200000" flipH="1">
+            <a:off x="5985247" y="2276279"/>
+            <a:ext cx="445910" cy="4625652"/>
+          </a:xfrm>
+          <a:prstGeom prst="bentConnector2">
+            <a:avLst/>
+          </a:prstGeom>
+          <a:ln w="38100">
+            <a:tailEnd type="triangle"/>
+          </a:ln>
+        </p:spPr>
+        <p:style>
+          <a:lnRef idx="1">
+            <a:schemeClr val="accent1"/>
+          </a:lnRef>
+          <a:fillRef idx="0">
+            <a:schemeClr val="accent1"/>
+          </a:fillRef>
+          <a:effectRef idx="0">
+            <a:schemeClr val="accent1"/>
+          </a:effectRef>
+          <a:fontRef idx="minor">
+            <a:schemeClr val="tx1"/>
+          </a:fontRef>
+        </p:style>
+      </p:cxnSp>
+      <p:cxnSp>
+        <p:nvCxnSpPr>
+          <p:cNvPr id="30" name="直線單箭頭接點 29">
+            <a:extLst>
+              <a:ext uri="{FF2B5EF4-FFF2-40B4-BE49-F238E27FC236}">
+                <a16:creationId xmlns:a16="http://schemas.microsoft.com/office/drawing/2014/main" id="{7144A436-22D8-4ABB-B0FA-E94EF1E8D9A7}"/>
+              </a:ext>
+            </a:extLst>
+          </p:cNvPr>
+          <p:cNvCxnSpPr>
+            <a:cxnSpLocks/>
+          </p:cNvCxnSpPr>
+          <p:nvPr/>
+        </p:nvCxnSpPr>
+        <p:spPr>
+          <a:xfrm flipV="1">
+            <a:off x="8480374" y="3061546"/>
+            <a:ext cx="11260" cy="1763965"/>
+          </a:xfrm>
+          <a:prstGeom prst="straightConnector1">
+            <a:avLst/>
+          </a:prstGeom>
+          <a:ln w="38100">
+            <a:tailEnd type="triangle"/>
+          </a:ln>
+        </p:spPr>
+        <p:style>
+          <a:lnRef idx="1">
+            <a:schemeClr val="accent1"/>
+          </a:lnRef>
+          <a:fillRef idx="0">
+            <a:schemeClr val="accent1"/>
+          </a:fillRef>
+          <a:effectRef idx="0">
+            <a:schemeClr val="accent1"/>
+          </a:effectRef>
+          <a:fontRef idx="minor">
+            <a:schemeClr val="tx1"/>
+          </a:fontRef>
+        </p:style>
+      </p:cxnSp>
     </p:spTree>
     <p:extLst>
       <p:ext uri="{BB962C8B-B14F-4D97-AF65-F5344CB8AC3E}">
-        <p14:creationId xmlns:p14="http://schemas.microsoft.com/office/powerpoint/2010/main" val="2065292020"/>
+        <p14:creationId xmlns:p14="http://schemas.microsoft.com/office/powerpoint/2010/main" val="1779456015"/>
       </p:ext>
     </p:extLst>
   </p:cSld>
@@ -11197,36 +11937,12 @@
           <a:lstStyle/>
           <a:p>
             <a:r>
-              <a:rPr lang="zh-TW" altLang="en-US" dirty="0" smtClean="0">
-                <a:solidFill>
-                  <a:schemeClr val="tx1"/>
-                </a:solidFill>
-              </a:rPr>
-              <a:t>訓練的</a:t>
-            </a:r>
-            <a:r>
-              <a:rPr lang="en-US" altLang="zh-TW" dirty="0" smtClean="0">
-                <a:solidFill>
-                  <a:schemeClr val="tx1"/>
-                </a:solidFill>
-              </a:rPr>
-              <a:t>1p 2p</a:t>
-            </a:r>
-            <a:r>
-              <a:rPr lang="zh-TW" altLang="en-US" dirty="0" smtClean="0">
-                <a:solidFill>
-                  <a:schemeClr val="tx1"/>
-                </a:solidFill>
-              </a:rPr>
-              <a:t> 互</a:t>
-            </a:r>
-            <a:r>
-              <a:rPr lang="zh-TW" altLang="en-US" dirty="0">
-                <a:solidFill>
-                  <a:schemeClr val="tx1"/>
-                </a:solidFill>
-              </a:rPr>
-              <a:t>打</a:t>
+              <a:rPr lang="en-US" altLang="zh-TW" dirty="0"/>
+              <a:t>Pickle </a:t>
+            </a:r>
+            <a:r>
+              <a:rPr lang="zh-TW" altLang="en-US" dirty="0"/>
+              <a:t>檔訓練</a:t>
             </a:r>
           </a:p>
         </p:txBody>
@@ -11247,18 +11963,100 @@
           <a:lstStyle/>
           <a:p>
             <a:r>
-              <a:rPr lang="zh-TW" altLang="en-US" dirty="0" smtClean="0"/>
-              <a:t>因為</a:t>
-            </a:r>
-            <a:r>
               <a:rPr lang="zh-TW" altLang="en-US" dirty="0"/>
-              <a:t>主程式有問題不符合物理</a:t>
-            </a:r>
-            <a:r>
-              <a:rPr lang="zh-TW" altLang="en-US" dirty="0" smtClean="0"/>
-              <a:t>原則，我兩邊訓練出來都瘋狂使用角角攻擊對方，導致很快就分出勝負。</a:t>
-            </a:r>
-            <a:endParaRPr lang="en-US" altLang="zh-TW" dirty="0" smtClean="0"/>
+              <a:t>我們的</a:t>
+            </a:r>
+            <a:r>
+              <a:rPr lang="en-US" altLang="zh-TW" dirty="0"/>
+              <a:t>rule</a:t>
+            </a:r>
+            <a:r>
+              <a:rPr lang="zh-TW" altLang="en-US" dirty="0"/>
+              <a:t> </a:t>
+            </a:r>
+            <a:r>
+              <a:rPr lang="en-US" altLang="zh-TW" dirty="0"/>
+              <a:t>base</a:t>
+            </a:r>
+            <a:r>
+              <a:rPr lang="zh-TW" altLang="en-US" dirty="0"/>
+              <a:t> 是誰發球誰贏，所以假設要訓練</a:t>
+            </a:r>
+            <a:r>
+              <a:rPr lang="en-US" altLang="zh-TW" dirty="0"/>
+              <a:t>1p</a:t>
+            </a:r>
+            <a:r>
+              <a:rPr lang="zh-TW" altLang="en-US" dirty="0"/>
+              <a:t>那</a:t>
+            </a:r>
+            <a:r>
+              <a:rPr lang="en-US" altLang="zh-TW" dirty="0"/>
+              <a:t>1p</a:t>
+            </a:r>
+            <a:r>
+              <a:rPr lang="zh-TW" altLang="en-US" dirty="0"/>
+              <a:t>發球或是</a:t>
+            </a:r>
+            <a:r>
+              <a:rPr lang="en-US" altLang="zh-TW" dirty="0"/>
+              <a:t>2p</a:t>
+            </a:r>
+            <a:r>
+              <a:rPr lang="zh-TW" altLang="en-US" dirty="0"/>
+              <a:t>發球都要贏。</a:t>
+            </a:r>
+            <a:r>
+              <a:rPr lang="en-US" altLang="zh-TW" dirty="0"/>
+              <a:t>(</a:t>
+            </a:r>
+            <a:r>
+              <a:rPr lang="zh-TW" altLang="en-US" dirty="0"/>
+              <a:t>預設兩邊板子為中心點接球</a:t>
+            </a:r>
+            <a:r>
+              <a:rPr lang="en-US" altLang="zh-TW" dirty="0"/>
+              <a:t>)</a:t>
+            </a:r>
+          </a:p>
+          <a:p>
+            <a:r>
+              <a:rPr lang="en-US" altLang="zh-TW" dirty="0"/>
+              <a:t>1.</a:t>
+            </a:r>
+            <a:r>
+              <a:rPr lang="zh-TW" altLang="en-US" dirty="0"/>
+              <a:t>更改接球位置</a:t>
+            </a:r>
+            <a:endParaRPr lang="en-US" altLang="zh-TW" dirty="0"/>
+          </a:p>
+          <a:p>
+            <a:r>
+              <a:rPr lang="en-US" altLang="zh-TW" dirty="0"/>
+              <a:t>2.</a:t>
+            </a:r>
+            <a:r>
+              <a:rPr lang="zh-TW" altLang="en-US" dirty="0"/>
+              <a:t>隨機發球</a:t>
+            </a:r>
+            <a:endParaRPr lang="en-US" altLang="zh-TW" dirty="0"/>
+          </a:p>
+          <a:p>
+            <a:r>
+              <a:rPr lang="en-US" altLang="zh-TW" dirty="0"/>
+              <a:t>3.</a:t>
+            </a:r>
+            <a:r>
+              <a:rPr lang="zh-TW" altLang="en-US" dirty="0"/>
+              <a:t>對方接球位置</a:t>
+            </a:r>
+            <a:endParaRPr lang="en-US" altLang="zh-TW" dirty="0"/>
+          </a:p>
+          <a:p>
+            <a:endParaRPr lang="en-US" altLang="zh-TW" dirty="0"/>
+          </a:p>
+          <a:p>
+            <a:endParaRPr lang="en-US" altLang="zh-TW" dirty="0"/>
           </a:p>
           <a:p>
             <a:endParaRPr lang="zh-TW" altLang="en-US" dirty="0"/>
@@ -11268,7 +12066,7 @@
     </p:spTree>
     <p:extLst>
       <p:ext uri="{BB962C8B-B14F-4D97-AF65-F5344CB8AC3E}">
-        <p14:creationId xmlns:p14="http://schemas.microsoft.com/office/powerpoint/2010/main" val="1041572428"/>
+        <p14:creationId xmlns:p14="http://schemas.microsoft.com/office/powerpoint/2010/main" val="2065292020"/>
       </p:ext>
     </p:extLst>
   </p:cSld>
@@ -11323,8 +12121,28 @@
           <a:lstStyle/>
           <a:p>
             <a:r>
-              <a:rPr lang="zh-TW" altLang="en-US" dirty="0"/>
-              <a:t>結論</a:t>
+              <a:rPr lang="zh-TW" altLang="en-US" dirty="0">
+                <a:solidFill>
+                  <a:schemeClr val="tx1"/>
+                </a:solidFill>
+              </a:rPr>
+              <a:t>訓練的</a:t>
+            </a:r>
+            <a:r>
+              <a:rPr lang="en-US" altLang="zh-TW" dirty="0">
+                <a:solidFill>
+                  <a:schemeClr val="tx1"/>
+                </a:solidFill>
+              </a:rPr>
+              <a:t>1p 2p</a:t>
+            </a:r>
+            <a:r>
+              <a:rPr lang="zh-TW" altLang="en-US" dirty="0">
+                <a:solidFill>
+                  <a:schemeClr val="tx1"/>
+                </a:solidFill>
+              </a:rPr>
+              <a:t> 互打</a:t>
             </a:r>
           </a:p>
         </p:txBody>
@@ -11339,6 +12157,96 @@
             <p:ph idx="1"/>
           </p:nvPr>
         </p:nvSpPr>
+        <p:spPr/>
+        <p:txBody>
+          <a:bodyPr/>
+          <a:lstStyle/>
+          <a:p>
+            <a:r>
+              <a:rPr lang="zh-TW" altLang="en-US" dirty="0"/>
+              <a:t>因為主程式有問題不符合物理原則，我兩邊訓練出來都瘋狂使用角角攻擊對方，導致很快就分出勝負。</a:t>
+            </a:r>
+            <a:endParaRPr lang="en-US" altLang="zh-TW" dirty="0"/>
+          </a:p>
+          <a:p>
+            <a:endParaRPr lang="zh-TW" altLang="en-US" dirty="0"/>
+          </a:p>
+        </p:txBody>
+      </p:sp>
+    </p:spTree>
+    <p:extLst>
+      <p:ext uri="{BB962C8B-B14F-4D97-AF65-F5344CB8AC3E}">
+        <p14:creationId xmlns:p14="http://schemas.microsoft.com/office/powerpoint/2010/main" val="1041572428"/>
+      </p:ext>
+    </p:extLst>
+  </p:cSld>
+  <p:clrMapOvr>
+    <a:masterClrMapping/>
+  </p:clrMapOvr>
+  <mc:AlternateContent xmlns:mc="http://schemas.openxmlformats.org/markup-compatibility/2006" xmlns:p14="http://schemas.microsoft.com/office/powerpoint/2010/main">
+    <mc:Choice Requires="p14">
+      <p:transition spd="med" p14:dur="700">
+        <p:fade/>
+      </p:transition>
+    </mc:Choice>
+    <mc:Fallback xmlns="">
+      <p:transition spd="med">
+        <p:fade/>
+      </p:transition>
+    </mc:Fallback>
+  </mc:AlternateContent>
+</p:sld>
+</file>
+
+<file path=ppt/slides/slide18.xml><?xml version="1.0" encoding="utf-8"?>
+<p:sld xmlns:a="http://schemas.openxmlformats.org/drawingml/2006/main" xmlns:r="http://schemas.openxmlformats.org/officeDocument/2006/relationships" xmlns:p="http://schemas.openxmlformats.org/presentationml/2006/main">
+  <p:cSld>
+    <p:spTree>
+      <p:nvGrpSpPr>
+        <p:cNvPr id="1" name=""/>
+        <p:cNvGrpSpPr/>
+        <p:nvPr/>
+      </p:nvGrpSpPr>
+      <p:grpSpPr>
+        <a:xfrm>
+          <a:off x="0" y="0"/>
+          <a:ext cx="0" cy="0"/>
+          <a:chOff x="0" y="0"/>
+          <a:chExt cx="0" cy="0"/>
+        </a:xfrm>
+      </p:grpSpPr>
+      <p:sp>
+        <p:nvSpPr>
+          <p:cNvPr id="2" name="標題 1"/>
+          <p:cNvSpPr>
+            <a:spLocks noGrp="1"/>
+          </p:cNvSpPr>
+          <p:nvPr>
+            <p:ph type="title"/>
+          </p:nvPr>
+        </p:nvSpPr>
+        <p:spPr/>
+        <p:txBody>
+          <a:bodyPr/>
+          <a:lstStyle/>
+          <a:p>
+            <a:r>
+              <a:rPr lang="zh-TW" altLang="en-US" dirty="0"/>
+              <a:t>結論</a:t>
+            </a:r>
+          </a:p>
+        </p:txBody>
+      </p:sp>
+      <p:sp>
+        <p:nvSpPr>
+          <p:cNvPr id="3" name="內容版面配置區 2"/>
+          <p:cNvSpPr>
+            <a:spLocks noGrp="1"/>
+          </p:cNvSpPr>
+          <p:nvPr>
+            <p:ph idx="1"/>
+          </p:nvPr>
+        </p:nvSpPr>
         <p:spPr>
           <a:xfrm>
             <a:off x="1295063" y="2556932"/>
@@ -11351,59 +12259,51 @@
           <a:p>
             <a:pPr algn="just"/>
             <a:r>
-              <a:rPr lang="zh-TW" altLang="en-US" dirty="0" smtClean="0"/>
+              <a:rPr lang="zh-TW" altLang="en-US" dirty="0"/>
               <a:t>由於我們寫的</a:t>
             </a:r>
             <a:r>
-              <a:rPr lang="en-US" altLang="zh-TW" dirty="0" smtClean="0"/>
+              <a:rPr lang="en-US" altLang="zh-TW" dirty="0"/>
               <a:t>rule</a:t>
             </a:r>
             <a:r>
-              <a:rPr lang="zh-TW" altLang="en-US" dirty="0" smtClean="0"/>
+              <a:rPr lang="zh-TW" altLang="en-US" dirty="0"/>
               <a:t> </a:t>
             </a:r>
             <a:r>
-              <a:rPr lang="en-US" altLang="zh-TW" dirty="0" smtClean="0"/>
+              <a:rPr lang="en-US" altLang="zh-TW" dirty="0"/>
               <a:t>base</a:t>
             </a:r>
             <a:r>
-              <a:rPr lang="zh-TW" altLang="en-US" dirty="0" smtClean="0"/>
+              <a:rPr lang="zh-TW" altLang="en-US" dirty="0"/>
               <a:t>沒有考慮到原地反彈的情況，所以當對手打到角角時，我們的預測落點計算錯誤。</a:t>
             </a:r>
-            <a:endParaRPr lang="en-US" altLang="zh-TW" dirty="0" smtClean="0"/>
+            <a:endParaRPr lang="en-US" altLang="zh-TW" dirty="0"/>
           </a:p>
           <a:p>
             <a:pPr algn="just"/>
             <a:r>
-              <a:rPr lang="zh-TW" altLang="en-US" dirty="0" smtClean="0"/>
-              <a:t>如果大家都</a:t>
-            </a:r>
-            <a:r>
               <a:rPr lang="zh-TW" altLang="en-US" dirty="0"/>
-              <a:t>訓</a:t>
-            </a:r>
-            <a:r>
-              <a:rPr lang="zh-TW" altLang="en-US" dirty="0" smtClean="0"/>
-              <a:t>的很好沒有打角問題，那麼我們可以打到</a:t>
-            </a:r>
-            <a:r>
-              <a:rPr lang="en-US" altLang="zh-TW" dirty="0" smtClean="0"/>
+              <a:t>如果大家都訓的很好沒有打角問題，那麼我們可以打到</a:t>
+            </a:r>
+            <a:r>
+              <a:rPr lang="en-US" altLang="zh-TW" dirty="0"/>
               <a:t>30</a:t>
             </a:r>
             <a:r>
-              <a:rPr lang="zh-TW" altLang="en-US" dirty="0" smtClean="0"/>
+              <a:rPr lang="zh-TW" altLang="en-US" dirty="0"/>
               <a:t>左右。</a:t>
             </a:r>
-            <a:endParaRPr lang="en-US" altLang="zh-TW" dirty="0" smtClean="0"/>
+            <a:endParaRPr lang="en-US" altLang="zh-TW" dirty="0"/>
           </a:p>
           <a:p>
             <a:pPr algn="just"/>
             <a:r>
-              <a:rPr lang="zh-TW" altLang="en-US" dirty="0" smtClean="0"/>
+              <a:rPr lang="zh-TW" altLang="en-US" dirty="0"/>
               <a:t>原因就在於</a:t>
             </a:r>
             <a:r>
-              <a:rPr lang="zh-TW" altLang="en-US" dirty="0" smtClean="0">
+              <a:rPr lang="zh-TW" altLang="en-US" dirty="0">
                 <a:solidFill>
                   <a:srgbClr val="FF0000"/>
                 </a:solidFill>
@@ -11411,10 +12311,9 @@
               <a:t>對手沒訓好</a:t>
             </a:r>
             <a:r>
-              <a:rPr lang="zh-TW" altLang="en-US" dirty="0" smtClean="0"/>
+              <a:rPr lang="zh-TW" altLang="en-US" dirty="0"/>
               <a:t>導致我們無法發揮，或是主程式有問題不符合物理原則。</a:t>
             </a:r>
-            <a:endParaRPr lang="zh-TW" altLang="en-US" dirty="0"/>
           </a:p>
         </p:txBody>
       </p:sp>
@@ -12113,10 +13012,9 @@
           <a:lstStyle/>
           <a:p>
             <a:r>
-              <a:rPr lang="zh-TW" altLang="en-US" dirty="0" smtClean="0"/>
+              <a:rPr lang="zh-TW" altLang="en-US" dirty="0"/>
               <a:t>不正常</a:t>
             </a:r>
-            <a:endParaRPr lang="zh-TW" altLang="en-US" dirty="0"/>
           </a:p>
         </p:txBody>
       </p:sp>
@@ -12143,10 +13041,9 @@
           <a:lstStyle/>
           <a:p>
             <a:r>
-              <a:rPr lang="zh-TW" altLang="en-US" dirty="0" smtClean="0"/>
+              <a:rPr lang="zh-TW" altLang="en-US" dirty="0"/>
               <a:t>正常</a:t>
             </a:r>
-            <a:endParaRPr lang="zh-TW" altLang="en-US" dirty="0"/>
           </a:p>
         </p:txBody>
       </p:sp>
@@ -12275,20 +13172,16 @@
           </a:p>
           <a:p>
             <a:r>
-              <a:rPr lang="zh-TW" altLang="en-US" dirty="0" smtClean="0"/>
+              <a:rPr lang="zh-TW" altLang="en-US" dirty="0"/>
               <a:t>速度</a:t>
             </a:r>
             <a:r>
-              <a:rPr lang="en-US" altLang="zh-TW" dirty="0" smtClean="0"/>
+              <a:rPr lang="en-US" altLang="zh-TW" dirty="0"/>
               <a:t>20</a:t>
             </a:r>
             <a:r>
-              <a:rPr lang="zh-TW" altLang="en-US" dirty="0" smtClean="0"/>
-              <a:t>以下</a:t>
-            </a:r>
-            <a:r>
               <a:rPr lang="zh-TW" altLang="en-US" dirty="0"/>
-              <a:t>要接到球。</a:t>
+              <a:t>以下要接到球。</a:t>
             </a:r>
             <a:endParaRPr lang="en-US" altLang="zh-TW" dirty="0"/>
           </a:p>
@@ -12414,13 +13307,8 @@
           <a:p>
             <a:r>
               <a:rPr lang="en-US" altLang="zh-TW" dirty="0"/>
-              <a:t>Window </a:t>
-            </a:r>
-            <a:r>
-              <a:rPr lang="en-US" altLang="zh-TW" dirty="0"/>
-              <a:t>7</a:t>
-            </a:r>
-            <a:endParaRPr lang="en-US" altLang="zh-TW" dirty="0"/>
+              <a:t>Window 7</a:t>
+            </a:r>
           </a:p>
           <a:p>
             <a:r>
@@ -12435,26 +13323,13 @@
             </a:r>
             <a:r>
               <a:rPr lang="en-US" altLang="zh-TW" dirty="0"/>
-              <a:t>: </a:t>
-            </a:r>
+              <a:t>: 8G</a:t>
+            </a:r>
+          </a:p>
+          <a:p>
             <a:r>
               <a:rPr lang="en-US" altLang="zh-TW" dirty="0"/>
-              <a:t>8</a:t>
-            </a:r>
-            <a:r>
-              <a:rPr lang="en-US" altLang="zh-TW" dirty="0" smtClean="0"/>
-              <a:t>G</a:t>
-            </a:r>
-            <a:endParaRPr lang="en-US" altLang="zh-TW" dirty="0"/>
-          </a:p>
-          <a:p>
-            <a:r>
-              <a:rPr lang="en-US" altLang="zh-TW" dirty="0"/>
-              <a:t>CPU : Intel® Core™ </a:t>
-            </a:r>
-            <a:r>
-              <a:rPr lang="en-US" altLang="zh-TW" dirty="0" smtClean="0"/>
-              <a:t>i5-4570 </a:t>
+              <a:t>CPU : Intel® Core™ i5-4570 </a:t>
             </a:r>
             <a:r>
               <a:rPr lang="zh-TW" altLang="en-US" dirty="0"/>
@@ -12843,7 +13718,7 @@
               <a:t>----</a:t>
             </a:r>
             <a:r>
-              <a:rPr lang="zh-TW" altLang="en-US"/>
+              <a:rPr lang="zh-TW" altLang="en-US" dirty="0"/>
               <a:t>遊戲流程圖</a:t>
             </a:r>
           </a:p>
@@ -12919,7 +13794,13 @@
       </p:grpSpPr>
       <p:sp>
         <p:nvSpPr>
-          <p:cNvPr id="2" name="標題 1"/>
+          <p:cNvPr id="2" name="標題 1">
+            <a:extLst>
+              <a:ext uri="{FF2B5EF4-FFF2-40B4-BE49-F238E27FC236}">
+                <a16:creationId xmlns:a16="http://schemas.microsoft.com/office/drawing/2014/main" id="{C58F2036-241D-4CD7-9F4B-D3A1A5AEFF20}"/>
+              </a:ext>
+            </a:extLst>
+          </p:cNvPr>
           <p:cNvSpPr>
             <a:spLocks noGrp="1"/>
           </p:cNvSpPr>
@@ -12941,285 +13822,1457 @@
               <a:t>----</a:t>
             </a:r>
             <a:r>
-              <a:rPr lang="zh-TW" altLang="en-US" dirty="0"/>
-              <a:t>已知資料</a:t>
-            </a:r>
-          </a:p>
-        </p:txBody>
-      </p:sp>
-      <p:sp>
-        <p:nvSpPr>
-          <p:cNvPr id="3" name="內容版面配置區 2"/>
-          <p:cNvSpPr>
-            <a:spLocks noGrp="1"/>
-          </p:cNvSpPr>
-          <p:nvPr>
-            <p:ph idx="1"/>
-          </p:nvPr>
-        </p:nvSpPr>
-        <p:spPr/>
-        <p:txBody>
-          <a:bodyPr/>
-          <a:lstStyle/>
-          <a:p>
-            <a:r>
-              <a:rPr lang="en-US" altLang="zh-TW" dirty="0"/>
-              <a:t>1p </a:t>
-            </a:r>
-            <a:r>
-              <a:rPr lang="zh-TW" altLang="en-US" dirty="0"/>
-              <a:t>高度 </a:t>
-            </a:r>
-            <a:r>
-              <a:rPr lang="en-US" altLang="zh-TW" dirty="0"/>
-              <a:t>80</a:t>
-            </a:r>
-          </a:p>
-          <a:p>
-            <a:r>
-              <a:rPr lang="en-US" altLang="zh-TW" dirty="0"/>
-              <a:t>2p </a:t>
-            </a:r>
-            <a:r>
-              <a:rPr lang="zh-TW" altLang="en-US" dirty="0"/>
-              <a:t>高度 </a:t>
-            </a:r>
-            <a:r>
-              <a:rPr lang="en-US" altLang="zh-TW" dirty="0"/>
-              <a:t>420</a:t>
-            </a:r>
-          </a:p>
-          <a:p>
-            <a:r>
-              <a:rPr lang="zh-TW" altLang="en-US" dirty="0"/>
-              <a:t>初速 </a:t>
-            </a:r>
-            <a:r>
-              <a:rPr lang="en-US" altLang="zh-TW" dirty="0"/>
-              <a:t>7</a:t>
-            </a:r>
-          </a:p>
-          <a:p>
-            <a:r>
-              <a:rPr lang="zh-TW" altLang="en-US" dirty="0"/>
-              <a:t>每</a:t>
-            </a:r>
-            <a:r>
-              <a:rPr lang="en-US" altLang="zh-TW" dirty="0"/>
-              <a:t>20</a:t>
-            </a:r>
-            <a:r>
-              <a:rPr lang="zh-TW" altLang="en-US" dirty="0"/>
-              <a:t>禎速度</a:t>
-            </a:r>
-            <a:r>
-              <a:rPr lang="en-US" altLang="zh-TW" dirty="0"/>
-              <a:t>+1</a:t>
-            </a:r>
-          </a:p>
-          <a:p>
+              <a:rPr lang="en-US" altLang="zh-TW" dirty="0" err="1"/>
+              <a:t>BreakDown</a:t>
+            </a:r>
             <a:endParaRPr lang="zh-TW" altLang="en-US" dirty="0"/>
           </a:p>
         </p:txBody>
       </p:sp>
-      <p:sp>
-        <p:nvSpPr>
-          <p:cNvPr id="4" name="矩形 3"/>
-          <p:cNvSpPr/>
+      <p:grpSp>
+        <p:nvGrpSpPr>
+          <p:cNvPr id="162" name="群組 161">
+            <a:extLst>
+              <a:ext uri="{FF2B5EF4-FFF2-40B4-BE49-F238E27FC236}">
+                <a16:creationId xmlns:a16="http://schemas.microsoft.com/office/drawing/2014/main" id="{D4409B00-643F-4B53-B0BE-EACDE0F84DC5}"/>
+              </a:ext>
+            </a:extLst>
+          </p:cNvPr>
+          <p:cNvGrpSpPr/>
           <p:nvPr/>
-        </p:nvSpPr>
-        <p:spPr>
+        </p:nvGrpSpPr>
+        <p:grpSpPr>
           <a:xfrm>
-            <a:off x="7678588" y="1556792"/>
-            <a:ext cx="2160240" cy="3744416"/>
-          </a:xfrm>
-          <a:prstGeom prst="rect">
-            <a:avLst/>
-          </a:prstGeom>
-          <a:noFill/>
-          <a:ln w="76200">
+            <a:off x="1143868" y="2132856"/>
+            <a:ext cx="9901088" cy="3588708"/>
+            <a:chOff x="621035" y="1631213"/>
+            <a:chExt cx="9901088" cy="3588708"/>
+          </a:xfrm>
+        </p:grpSpPr>
+        <p:sp>
+          <p:nvSpPr>
+            <p:cNvPr id="9" name="矩形 8">
+              <a:extLst>
+                <a:ext uri="{FF2B5EF4-FFF2-40B4-BE49-F238E27FC236}">
+                  <a16:creationId xmlns:a16="http://schemas.microsoft.com/office/drawing/2014/main" id="{AB28819B-4947-4501-8E46-935D3BA312E2}"/>
+                </a:ext>
+              </a:extLst>
+            </p:cNvPr>
+            <p:cNvSpPr/>
+            <p:nvPr/>
+          </p:nvSpPr>
+          <p:spPr>
+            <a:xfrm>
+              <a:off x="4704781" y="1631213"/>
+              <a:ext cx="1957056" cy="664573"/>
+            </a:xfrm>
+            <a:prstGeom prst="rect">
+              <a:avLst/>
+            </a:prstGeom>
             <a:solidFill>
+              <a:schemeClr val="accent5">
+                <a:lumMod val="60000"/>
+                <a:lumOff val="40000"/>
+              </a:schemeClr>
+            </a:solidFill>
+            <a:ln>
+              <a:solidFill>
+                <a:schemeClr val="accent5">
+                  <a:lumMod val="50000"/>
+                </a:schemeClr>
+              </a:solidFill>
+            </a:ln>
+          </p:spPr>
+          <p:style>
+            <a:lnRef idx="2">
+              <a:schemeClr val="accent1">
+                <a:shade val="50000"/>
+              </a:schemeClr>
+            </a:lnRef>
+            <a:fillRef idx="1">
+              <a:schemeClr val="accent1"/>
+            </a:fillRef>
+            <a:effectRef idx="0">
+              <a:schemeClr val="accent1"/>
+            </a:effectRef>
+            <a:fontRef idx="minor">
+              <a:schemeClr val="lt1"/>
+            </a:fontRef>
+          </p:style>
+          <p:txBody>
+            <a:bodyPr rtlCol="0" anchor="ctr"/>
+            <a:lstStyle/>
+            <a:p>
+              <a:pPr algn="ctr"/>
+              <a:r>
+                <a:rPr lang="zh-TW" altLang="en-US" sz="2400" dirty="0">
+                  <a:solidFill>
+                    <a:schemeClr val="bg1"/>
+                  </a:solidFill>
+                </a:rPr>
+                <a:t>乒乓球遊戲</a:t>
+              </a:r>
+            </a:p>
+          </p:txBody>
+        </p:sp>
+        <p:sp>
+          <p:nvSpPr>
+            <p:cNvPr id="10" name="矩形 9">
+              <a:extLst>
+                <a:ext uri="{FF2B5EF4-FFF2-40B4-BE49-F238E27FC236}">
+                  <a16:creationId xmlns:a16="http://schemas.microsoft.com/office/drawing/2014/main" id="{90E3C6C2-8668-4C92-8638-65F776F03ADA}"/>
+                </a:ext>
+              </a:extLst>
+            </p:cNvPr>
+            <p:cNvSpPr/>
+            <p:nvPr/>
+          </p:nvSpPr>
+          <p:spPr>
+            <a:xfrm>
+              <a:off x="6491563" y="2743287"/>
+              <a:ext cx="1612310" cy="518695"/>
+            </a:xfrm>
+            <a:prstGeom prst="rect">
+              <a:avLst/>
+            </a:prstGeom>
+            <a:solidFill>
+              <a:schemeClr val="accent5">
+                <a:lumMod val="60000"/>
+                <a:lumOff val="40000"/>
+              </a:schemeClr>
+            </a:solidFill>
+            <a:ln>
+              <a:solidFill>
+                <a:schemeClr val="accent5">
+                  <a:lumMod val="50000"/>
+                </a:schemeClr>
+              </a:solidFill>
+            </a:ln>
+          </p:spPr>
+          <p:style>
+            <a:lnRef idx="2">
+              <a:schemeClr val="accent1">
+                <a:shade val="50000"/>
+              </a:schemeClr>
+            </a:lnRef>
+            <a:fillRef idx="1">
+              <a:schemeClr val="accent1"/>
+            </a:fillRef>
+            <a:effectRef idx="0">
+              <a:schemeClr val="accent1"/>
+            </a:effectRef>
+            <a:fontRef idx="minor">
+              <a:schemeClr val="lt1"/>
+            </a:fontRef>
+          </p:style>
+          <p:txBody>
+            <a:bodyPr rtlCol="0" anchor="ctr"/>
+            <a:lstStyle/>
+            <a:p>
+              <a:pPr algn="ctr"/>
+              <a:r>
+                <a:rPr lang="zh-TW" altLang="en-US" dirty="0">
+                  <a:solidFill>
+                    <a:schemeClr val="bg1"/>
+                  </a:solidFill>
+                </a:rPr>
+                <a:t>修正程式</a:t>
+              </a:r>
+            </a:p>
+          </p:txBody>
+        </p:sp>
+        <p:sp>
+          <p:nvSpPr>
+            <p:cNvPr id="11" name="矩形 10">
+              <a:extLst>
+                <a:ext uri="{FF2B5EF4-FFF2-40B4-BE49-F238E27FC236}">
+                  <a16:creationId xmlns:a16="http://schemas.microsoft.com/office/drawing/2014/main" id="{6AFB2464-B58F-4EA4-A37D-E254D317CC04}"/>
+                </a:ext>
+              </a:extLst>
+            </p:cNvPr>
+            <p:cNvSpPr/>
+            <p:nvPr/>
+          </p:nvSpPr>
+          <p:spPr>
+            <a:xfrm>
+              <a:off x="1008664" y="2662354"/>
+              <a:ext cx="1612309" cy="523115"/>
+            </a:xfrm>
+            <a:prstGeom prst="rect">
+              <a:avLst/>
+            </a:prstGeom>
+            <a:solidFill>
+              <a:schemeClr val="accent5">
+                <a:lumMod val="60000"/>
+                <a:lumOff val="40000"/>
+              </a:schemeClr>
+            </a:solidFill>
+            <a:ln>
+              <a:solidFill>
+                <a:schemeClr val="accent5">
+                  <a:lumMod val="50000"/>
+                </a:schemeClr>
+              </a:solidFill>
+            </a:ln>
+          </p:spPr>
+          <p:style>
+            <a:lnRef idx="2">
+              <a:schemeClr val="accent1">
+                <a:shade val="50000"/>
+              </a:schemeClr>
+            </a:lnRef>
+            <a:fillRef idx="1">
+              <a:schemeClr val="accent1"/>
+            </a:fillRef>
+            <a:effectRef idx="0">
+              <a:schemeClr val="accent1"/>
+            </a:effectRef>
+            <a:fontRef idx="minor">
+              <a:schemeClr val="lt1"/>
+            </a:fontRef>
+          </p:style>
+          <p:txBody>
+            <a:bodyPr rtlCol="0" anchor="ctr"/>
+            <a:lstStyle/>
+            <a:p>
+              <a:pPr algn="ctr"/>
+              <a:r>
+                <a:rPr lang="zh-TW" altLang="en-US" dirty="0">
+                  <a:solidFill>
+                    <a:schemeClr val="bg1"/>
+                  </a:solidFill>
+                </a:rPr>
+                <a:t>分析遊戲</a:t>
+              </a:r>
+            </a:p>
+          </p:txBody>
+        </p:sp>
+        <p:sp>
+          <p:nvSpPr>
+            <p:cNvPr id="12" name="矩形 11">
+              <a:extLst>
+                <a:ext uri="{FF2B5EF4-FFF2-40B4-BE49-F238E27FC236}">
+                  <a16:creationId xmlns:a16="http://schemas.microsoft.com/office/drawing/2014/main" id="{9DF9F68D-B9CF-49D6-AA6D-67770380D6FC}"/>
+                </a:ext>
+              </a:extLst>
+            </p:cNvPr>
+            <p:cNvSpPr/>
+            <p:nvPr/>
+          </p:nvSpPr>
+          <p:spPr>
+            <a:xfrm>
+              <a:off x="621035" y="3573016"/>
+              <a:ext cx="1119992" cy="567131"/>
+            </a:xfrm>
+            <a:prstGeom prst="rect">
+              <a:avLst/>
+            </a:prstGeom>
+            <a:solidFill>
+              <a:schemeClr val="accent5">
+                <a:lumMod val="60000"/>
+                <a:lumOff val="40000"/>
+              </a:schemeClr>
+            </a:solidFill>
+            <a:ln>
+              <a:solidFill>
+                <a:schemeClr val="accent5">
+                  <a:lumMod val="50000"/>
+                </a:schemeClr>
+              </a:solidFill>
+            </a:ln>
+          </p:spPr>
+          <p:style>
+            <a:lnRef idx="2">
+              <a:schemeClr val="accent1">
+                <a:shade val="50000"/>
+              </a:schemeClr>
+            </a:lnRef>
+            <a:fillRef idx="1">
+              <a:schemeClr val="accent1"/>
+            </a:fillRef>
+            <a:effectRef idx="0">
+              <a:schemeClr val="accent1"/>
+            </a:effectRef>
+            <a:fontRef idx="minor">
+              <a:schemeClr val="lt1"/>
+            </a:fontRef>
+          </p:style>
+          <p:txBody>
+            <a:bodyPr rot="0" spcFirstLastPara="0" vertOverflow="overflow" horzOverflow="overflow" vert="horz" wrap="square" lIns="91440" tIns="45720" rIns="91440" bIns="45720" numCol="1" spcCol="0" rtlCol="0" fromWordArt="0" anchor="b" anchorCtr="0" forceAA="0" compatLnSpc="1">
+              <a:prstTxWarp prst="textNoShape">
+                <a:avLst/>
+              </a:prstTxWarp>
+              <a:noAutofit/>
+            </a:bodyPr>
+            <a:lstStyle/>
+            <a:p>
+              <a:pPr algn="ctr"/>
+              <a:r>
+                <a:rPr lang="zh-TW" altLang="en-US" sz="1600" dirty="0">
+                  <a:solidFill>
+                    <a:schemeClr val="bg1"/>
+                  </a:solidFill>
+                </a:rPr>
+                <a:t>撰寫</a:t>
+              </a:r>
+              <a:r>
+                <a:rPr lang="en-US" altLang="zh-TW" sz="1600" dirty="0">
+                  <a:solidFill>
+                    <a:schemeClr val="bg1"/>
+                  </a:solidFill>
+                </a:rPr>
+                <a:t>Rule</a:t>
+              </a:r>
+              <a:r>
+                <a:rPr lang="zh-TW" altLang="en-US" sz="1600" dirty="0">
+                  <a:solidFill>
+                    <a:schemeClr val="bg1"/>
+                  </a:solidFill>
+                </a:rPr>
+                <a:t> </a:t>
+              </a:r>
+              <a:r>
+                <a:rPr lang="en-US" altLang="zh-TW" sz="1600" dirty="0">
+                  <a:solidFill>
+                    <a:schemeClr val="bg1"/>
+                  </a:solidFill>
+                </a:rPr>
+                <a:t>Based</a:t>
+              </a:r>
+              <a:r>
+                <a:rPr lang="zh-TW" altLang="en-US" sz="1600" dirty="0">
+                  <a:solidFill>
+                    <a:schemeClr val="bg1"/>
+                  </a:solidFill>
+                </a:rPr>
+                <a:t> 程式</a:t>
+              </a:r>
+            </a:p>
+          </p:txBody>
+        </p:sp>
+        <p:sp>
+          <p:nvSpPr>
+            <p:cNvPr id="13" name="矩形 12">
+              <a:extLst>
+                <a:ext uri="{FF2B5EF4-FFF2-40B4-BE49-F238E27FC236}">
+                  <a16:creationId xmlns:a16="http://schemas.microsoft.com/office/drawing/2014/main" id="{8D3E6B31-1721-4FF3-88C7-4C863C1D6104}"/>
+                </a:ext>
+              </a:extLst>
+            </p:cNvPr>
+            <p:cNvSpPr/>
+            <p:nvPr/>
+          </p:nvSpPr>
+          <p:spPr>
+            <a:xfrm>
+              <a:off x="1913393" y="3580935"/>
+              <a:ext cx="1119992" cy="567131"/>
+            </a:xfrm>
+            <a:prstGeom prst="rect">
+              <a:avLst/>
+            </a:prstGeom>
+            <a:solidFill>
+              <a:schemeClr val="accent5">
+                <a:lumMod val="60000"/>
+                <a:lumOff val="40000"/>
+              </a:schemeClr>
+            </a:solidFill>
+            <a:ln>
+              <a:solidFill>
+                <a:schemeClr val="accent5">
+                  <a:lumMod val="50000"/>
+                </a:schemeClr>
+              </a:solidFill>
+            </a:ln>
+          </p:spPr>
+          <p:style>
+            <a:lnRef idx="2">
+              <a:schemeClr val="accent1">
+                <a:shade val="50000"/>
+              </a:schemeClr>
+            </a:lnRef>
+            <a:fillRef idx="1">
+              <a:schemeClr val="accent1"/>
+            </a:fillRef>
+            <a:effectRef idx="0">
+              <a:schemeClr val="accent1"/>
+            </a:effectRef>
+            <a:fontRef idx="minor">
+              <a:schemeClr val="lt1"/>
+            </a:fontRef>
+          </p:style>
+          <p:txBody>
+            <a:bodyPr rot="0" spcFirstLastPara="0" vertOverflow="overflow" horzOverflow="overflow" vert="horz" wrap="square" lIns="91440" tIns="45720" rIns="91440" bIns="45720" numCol="1" spcCol="0" rtlCol="0" fromWordArt="0" anchor="b" anchorCtr="0" forceAA="0" compatLnSpc="1">
+              <a:prstTxWarp prst="textNoShape">
+                <a:avLst/>
+              </a:prstTxWarp>
+              <a:noAutofit/>
+            </a:bodyPr>
+            <a:lstStyle/>
+            <a:p>
+              <a:pPr algn="ctr"/>
+              <a:r>
+                <a:rPr lang="zh-TW" altLang="en-US" sz="1600" dirty="0">
+                  <a:solidFill>
+                    <a:schemeClr val="bg1"/>
+                  </a:solidFill>
+                </a:rPr>
+                <a:t>產生遊戲數據</a:t>
+              </a:r>
+              <a:endParaRPr lang="en-US" altLang="zh-TW" sz="1600" dirty="0">
+                <a:solidFill>
+                  <a:schemeClr val="bg1"/>
+                </a:solidFill>
+              </a:endParaRPr>
+            </a:p>
+          </p:txBody>
+        </p:sp>
+        <p:cxnSp>
+          <p:nvCxnSpPr>
+            <p:cNvPr id="14" name="接點: 肘形 13">
+              <a:extLst>
+                <a:ext uri="{FF2B5EF4-FFF2-40B4-BE49-F238E27FC236}">
+                  <a16:creationId xmlns:a16="http://schemas.microsoft.com/office/drawing/2014/main" id="{38EAB658-5D1D-4BB5-83B9-F4F81B63BD82}"/>
+                </a:ext>
+              </a:extLst>
+            </p:cNvPr>
+            <p:cNvCxnSpPr>
+              <a:cxnSpLocks/>
+              <a:stCxn id="11" idx="2"/>
+              <a:endCxn id="12" idx="0"/>
+            </p:cNvCxnSpPr>
+            <p:nvPr/>
+          </p:nvCxnSpPr>
+          <p:spPr>
+            <a:xfrm rot="5400000">
+              <a:off x="1304152" y="3062348"/>
+              <a:ext cx="387547" cy="633788"/>
+            </a:xfrm>
+            <a:prstGeom prst="bentConnector3">
+              <a:avLst/>
+            </a:prstGeom>
+            <a:ln>
+              <a:solidFill>
+                <a:schemeClr val="accent5">
+                  <a:lumMod val="50000"/>
+                </a:schemeClr>
+              </a:solidFill>
+              <a:tailEnd type="triangle"/>
+            </a:ln>
+          </p:spPr>
+          <p:style>
+            <a:lnRef idx="1">
+              <a:schemeClr val="accent1"/>
+            </a:lnRef>
+            <a:fillRef idx="0">
+              <a:schemeClr val="accent1"/>
+            </a:fillRef>
+            <a:effectRef idx="0">
+              <a:schemeClr val="accent1"/>
+            </a:effectRef>
+            <a:fontRef idx="minor">
               <a:schemeClr val="tx1"/>
+            </a:fontRef>
+          </p:style>
+        </p:cxnSp>
+        <p:cxnSp>
+          <p:nvCxnSpPr>
+            <p:cNvPr id="15" name="接點: 肘形 14">
+              <a:extLst>
+                <a:ext uri="{FF2B5EF4-FFF2-40B4-BE49-F238E27FC236}">
+                  <a16:creationId xmlns:a16="http://schemas.microsoft.com/office/drawing/2014/main" id="{4F51D3F2-E3A9-4A53-A794-51EFB85100F3}"/>
+                </a:ext>
+              </a:extLst>
+            </p:cNvPr>
+            <p:cNvCxnSpPr>
+              <a:cxnSpLocks/>
+              <a:stCxn id="11" idx="2"/>
+              <a:endCxn id="13" idx="0"/>
+            </p:cNvCxnSpPr>
+            <p:nvPr/>
+          </p:nvCxnSpPr>
+          <p:spPr>
+            <a:xfrm rot="16200000" flipH="1">
+              <a:off x="1946371" y="3053917"/>
+              <a:ext cx="395466" cy="658570"/>
+            </a:xfrm>
+            <a:prstGeom prst="bentConnector3">
+              <a:avLst/>
+            </a:prstGeom>
+            <a:ln>
+              <a:solidFill>
+                <a:schemeClr val="accent5">
+                  <a:lumMod val="50000"/>
+                </a:schemeClr>
+              </a:solidFill>
+              <a:tailEnd type="triangle"/>
+            </a:ln>
+          </p:spPr>
+          <p:style>
+            <a:lnRef idx="1">
+              <a:schemeClr val="accent1"/>
+            </a:lnRef>
+            <a:fillRef idx="0">
+              <a:schemeClr val="accent1"/>
+            </a:fillRef>
+            <a:effectRef idx="0">
+              <a:schemeClr val="accent1"/>
+            </a:effectRef>
+            <a:fontRef idx="minor">
+              <a:schemeClr val="tx1"/>
+            </a:fontRef>
+          </p:style>
+        </p:cxnSp>
+        <p:cxnSp>
+          <p:nvCxnSpPr>
+            <p:cNvPr id="35" name="接點: 肘形 34">
+              <a:extLst>
+                <a:ext uri="{FF2B5EF4-FFF2-40B4-BE49-F238E27FC236}">
+                  <a16:creationId xmlns:a16="http://schemas.microsoft.com/office/drawing/2014/main" id="{027921A8-7B0E-4391-8AC0-F1F5F0C2F061}"/>
+                </a:ext>
+              </a:extLst>
+            </p:cNvPr>
+            <p:cNvCxnSpPr>
+              <a:cxnSpLocks/>
+              <a:stCxn id="9" idx="2"/>
+              <a:endCxn id="11" idx="0"/>
+            </p:cNvCxnSpPr>
+            <p:nvPr/>
+          </p:nvCxnSpPr>
+          <p:spPr>
+            <a:xfrm rot="5400000">
+              <a:off x="3565780" y="544825"/>
+              <a:ext cx="366568" cy="3868490"/>
+            </a:xfrm>
+            <a:prstGeom prst="bentConnector3">
+              <a:avLst>
+                <a:gd name="adj1" fmla="val 50000"/>
+              </a:avLst>
+            </a:prstGeom>
+            <a:ln>
+              <a:solidFill>
+                <a:schemeClr val="accent5">
+                  <a:lumMod val="50000"/>
+                </a:schemeClr>
+              </a:solidFill>
+              <a:tailEnd type="triangle"/>
+            </a:ln>
+          </p:spPr>
+          <p:style>
+            <a:lnRef idx="1">
+              <a:schemeClr val="accent1"/>
+            </a:lnRef>
+            <a:fillRef idx="0">
+              <a:schemeClr val="accent1"/>
+            </a:fillRef>
+            <a:effectRef idx="0">
+              <a:schemeClr val="accent1"/>
+            </a:effectRef>
+            <a:fontRef idx="minor">
+              <a:schemeClr val="tx1"/>
+            </a:fontRef>
+          </p:style>
+        </p:cxnSp>
+        <p:cxnSp>
+          <p:nvCxnSpPr>
+            <p:cNvPr id="36" name="接點: 肘形 35">
+              <a:extLst>
+                <a:ext uri="{FF2B5EF4-FFF2-40B4-BE49-F238E27FC236}">
+                  <a16:creationId xmlns:a16="http://schemas.microsoft.com/office/drawing/2014/main" id="{C15D678A-F2D1-4C79-8F7D-A172AB938A9E}"/>
+                </a:ext>
+              </a:extLst>
+            </p:cNvPr>
+            <p:cNvCxnSpPr>
+              <a:cxnSpLocks/>
+              <a:endCxn id="46" idx="0"/>
+            </p:cNvCxnSpPr>
+            <p:nvPr/>
+          </p:nvCxnSpPr>
+          <p:spPr>
+            <a:xfrm>
+              <a:off x="5683309" y="2475741"/>
+              <a:ext cx="4032660" cy="260175"/>
+            </a:xfrm>
+            <a:prstGeom prst="bentConnector2">
+              <a:avLst/>
+            </a:prstGeom>
+            <a:ln>
+              <a:solidFill>
+                <a:schemeClr val="accent5">
+                  <a:lumMod val="50000"/>
+                </a:schemeClr>
+              </a:solidFill>
+              <a:tailEnd type="triangle"/>
+            </a:ln>
+          </p:spPr>
+          <p:style>
+            <a:lnRef idx="1">
+              <a:schemeClr val="accent1"/>
+            </a:lnRef>
+            <a:fillRef idx="0">
+              <a:schemeClr val="accent1"/>
+            </a:fillRef>
+            <a:effectRef idx="0">
+              <a:schemeClr val="accent1"/>
+            </a:effectRef>
+            <a:fontRef idx="minor">
+              <a:schemeClr val="tx1"/>
+            </a:fontRef>
+          </p:style>
+        </p:cxnSp>
+        <p:sp>
+          <p:nvSpPr>
+            <p:cNvPr id="45" name="矩形 44">
+              <a:extLst>
+                <a:ext uri="{FF2B5EF4-FFF2-40B4-BE49-F238E27FC236}">
+                  <a16:creationId xmlns:a16="http://schemas.microsoft.com/office/drawing/2014/main" id="{B127C836-E8B5-44C2-94E6-4508C3CF09A8}"/>
+                </a:ext>
+              </a:extLst>
+            </p:cNvPr>
+            <p:cNvSpPr/>
+            <p:nvPr/>
+          </p:nvSpPr>
+          <p:spPr>
+            <a:xfrm>
+              <a:off x="3950533" y="3672531"/>
+              <a:ext cx="1612309" cy="523115"/>
+            </a:xfrm>
+            <a:prstGeom prst="rect">
+              <a:avLst/>
+            </a:prstGeom>
+            <a:solidFill>
+              <a:schemeClr val="accent5">
+                <a:lumMod val="60000"/>
+                <a:lumOff val="40000"/>
+              </a:schemeClr>
             </a:solidFill>
-          </a:ln>
-        </p:spPr>
-        <p:style>
-          <a:lnRef idx="2">
-            <a:schemeClr val="accent1">
-              <a:shade val="50000"/>
-            </a:schemeClr>
-          </a:lnRef>
-          <a:fillRef idx="1">
-            <a:schemeClr val="accent1"/>
-          </a:fillRef>
-          <a:effectRef idx="0">
-            <a:schemeClr val="accent1"/>
-          </a:effectRef>
-          <a:fontRef idx="minor">
-            <a:schemeClr val="lt1"/>
-          </a:fontRef>
-        </p:style>
-        <p:txBody>
-          <a:bodyPr rtlCol="0" anchor="ctr"/>
-          <a:lstStyle/>
-          <a:p>
-            <a:pPr algn="ctr"/>
-            <a:endParaRPr lang="zh-TW" altLang="en-US"/>
-          </a:p>
-        </p:txBody>
-      </p:sp>
-      <p:sp>
-        <p:nvSpPr>
-          <p:cNvPr id="5" name="矩形 4"/>
-          <p:cNvSpPr/>
-          <p:nvPr/>
-        </p:nvSpPr>
-        <p:spPr>
-          <a:xfrm>
-            <a:off x="8182644" y="2068820"/>
-            <a:ext cx="504056" cy="72008"/>
-          </a:xfrm>
-          <a:prstGeom prst="rect">
-            <a:avLst/>
-          </a:prstGeom>
-        </p:spPr>
-        <p:style>
-          <a:lnRef idx="2">
-            <a:schemeClr val="accent1">
-              <a:shade val="50000"/>
-            </a:schemeClr>
-          </a:lnRef>
-          <a:fillRef idx="1">
-            <a:schemeClr val="accent1"/>
-          </a:fillRef>
-          <a:effectRef idx="0">
-            <a:schemeClr val="accent1"/>
-          </a:effectRef>
-          <a:fontRef idx="minor">
-            <a:schemeClr val="lt1"/>
-          </a:fontRef>
-        </p:style>
-        <p:txBody>
-          <a:bodyPr rtlCol="0" anchor="ctr"/>
-          <a:lstStyle/>
-          <a:p>
-            <a:pPr algn="ctr"/>
-            <a:endParaRPr lang="zh-TW" altLang="en-US"/>
-          </a:p>
-        </p:txBody>
-      </p:sp>
-      <p:sp>
-        <p:nvSpPr>
-          <p:cNvPr id="7" name="矩形 6"/>
-          <p:cNvSpPr/>
-          <p:nvPr/>
-        </p:nvSpPr>
-        <p:spPr>
-          <a:xfrm>
-            <a:off x="8686700" y="4661108"/>
-            <a:ext cx="504056" cy="72008"/>
-          </a:xfrm>
-          <a:prstGeom prst="rect">
-            <a:avLst/>
-          </a:prstGeom>
-          <a:solidFill>
-            <a:srgbClr val="FF0000"/>
-          </a:solidFill>
-          <a:ln>
+            <a:ln>
+              <a:solidFill>
+                <a:schemeClr val="accent5">
+                  <a:lumMod val="50000"/>
+                </a:schemeClr>
+              </a:solidFill>
+            </a:ln>
+          </p:spPr>
+          <p:style>
+            <a:lnRef idx="2">
+              <a:schemeClr val="accent1">
+                <a:shade val="50000"/>
+              </a:schemeClr>
+            </a:lnRef>
+            <a:fillRef idx="1">
+              <a:schemeClr val="accent1"/>
+            </a:fillRef>
+            <a:effectRef idx="0">
+              <a:schemeClr val="accent1"/>
+            </a:effectRef>
+            <a:fontRef idx="minor">
+              <a:schemeClr val="lt1"/>
+            </a:fontRef>
+          </p:style>
+          <p:txBody>
+            <a:bodyPr rtlCol="0" anchor="ctr"/>
+            <a:lstStyle/>
+            <a:p>
+              <a:pPr algn="ctr"/>
+              <a:r>
+                <a:rPr lang="en-US" altLang="zh-TW" dirty="0">
+                  <a:solidFill>
+                    <a:schemeClr val="bg1"/>
+                  </a:solidFill>
+                </a:rPr>
+                <a:t>KNN</a:t>
+              </a:r>
+              <a:r>
+                <a:rPr lang="zh-TW" altLang="en-US" dirty="0">
+                  <a:solidFill>
+                    <a:schemeClr val="bg1"/>
+                  </a:solidFill>
+                </a:rPr>
+                <a:t>訓練</a:t>
+              </a:r>
+            </a:p>
+          </p:txBody>
+        </p:sp>
+        <p:sp>
+          <p:nvSpPr>
+            <p:cNvPr id="46" name="矩形 45">
+              <a:extLst>
+                <a:ext uri="{FF2B5EF4-FFF2-40B4-BE49-F238E27FC236}">
+                  <a16:creationId xmlns:a16="http://schemas.microsoft.com/office/drawing/2014/main" id="{833AEB32-03F4-43D6-B1F7-4757E25B9058}"/>
+                </a:ext>
+              </a:extLst>
+            </p:cNvPr>
+            <p:cNvSpPr/>
+            <p:nvPr/>
+          </p:nvSpPr>
+          <p:spPr>
+            <a:xfrm>
+              <a:off x="8909815" y="2735916"/>
+              <a:ext cx="1612308" cy="519134"/>
+            </a:xfrm>
+            <a:prstGeom prst="rect">
+              <a:avLst/>
+            </a:prstGeom>
             <a:solidFill>
-              <a:srgbClr val="FF0000"/>
+              <a:schemeClr val="accent5">
+                <a:lumMod val="60000"/>
+                <a:lumOff val="40000"/>
+              </a:schemeClr>
             </a:solidFill>
-          </a:ln>
-        </p:spPr>
-        <p:style>
-          <a:lnRef idx="2">
-            <a:schemeClr val="accent1">
-              <a:shade val="50000"/>
-            </a:schemeClr>
-          </a:lnRef>
-          <a:fillRef idx="1">
-            <a:schemeClr val="accent1"/>
-          </a:fillRef>
-          <a:effectRef idx="0">
-            <a:schemeClr val="accent1"/>
-          </a:effectRef>
-          <a:fontRef idx="minor">
-            <a:schemeClr val="lt1"/>
-          </a:fontRef>
-        </p:style>
-        <p:txBody>
-          <a:bodyPr rtlCol="0" anchor="ctr"/>
-          <a:lstStyle/>
-          <a:p>
-            <a:pPr algn="ctr"/>
-            <a:endParaRPr lang="zh-TW" altLang="en-US"/>
-          </a:p>
-        </p:txBody>
-      </p:sp>
-      <p:sp>
-        <p:nvSpPr>
-          <p:cNvPr id="8" name="文字方塊 7"/>
-          <p:cNvSpPr txBox="1"/>
-          <p:nvPr/>
-        </p:nvSpPr>
-        <p:spPr>
-          <a:xfrm>
-            <a:off x="8809970" y="1970872"/>
-            <a:ext cx="410690" cy="369332"/>
-          </a:xfrm>
-          <a:prstGeom prst="rect">
-            <a:avLst/>
-          </a:prstGeom>
-          <a:noFill/>
-        </p:spPr>
-        <p:txBody>
-          <a:bodyPr wrap="none" rtlCol="0">
-            <a:spAutoFit/>
-          </a:bodyPr>
-          <a:lstStyle/>
-          <a:p>
-            <a:r>
-              <a:rPr lang="en-US" altLang="zh-TW" dirty="0"/>
-              <a:t>1p</a:t>
-            </a:r>
-            <a:endParaRPr lang="zh-TW" altLang="en-US" dirty="0"/>
-          </a:p>
-        </p:txBody>
-      </p:sp>
-      <p:sp>
-        <p:nvSpPr>
-          <p:cNvPr id="10" name="文字方塊 9"/>
-          <p:cNvSpPr txBox="1"/>
-          <p:nvPr/>
-        </p:nvSpPr>
-        <p:spPr>
-          <a:xfrm>
-            <a:off x="8182644" y="4362240"/>
-            <a:ext cx="410690" cy="369332"/>
-          </a:xfrm>
-          <a:prstGeom prst="rect">
-            <a:avLst/>
-          </a:prstGeom>
-          <a:noFill/>
-        </p:spPr>
-        <p:txBody>
-          <a:bodyPr wrap="none" rtlCol="0">
-            <a:spAutoFit/>
-          </a:bodyPr>
-          <a:lstStyle/>
-          <a:p>
-            <a:r>
-              <a:rPr lang="en-US" altLang="zh-TW" dirty="0"/>
-              <a:t>2p</a:t>
-            </a:r>
-            <a:endParaRPr lang="zh-TW" altLang="en-US" dirty="0"/>
-          </a:p>
-        </p:txBody>
-      </p:sp>
+            <a:ln>
+              <a:solidFill>
+                <a:schemeClr val="accent5">
+                  <a:lumMod val="50000"/>
+                </a:schemeClr>
+              </a:solidFill>
+            </a:ln>
+          </p:spPr>
+          <p:style>
+            <a:lnRef idx="2">
+              <a:schemeClr val="accent1">
+                <a:shade val="50000"/>
+              </a:schemeClr>
+            </a:lnRef>
+            <a:fillRef idx="1">
+              <a:schemeClr val="accent1"/>
+            </a:fillRef>
+            <a:effectRef idx="0">
+              <a:schemeClr val="accent1"/>
+            </a:effectRef>
+            <a:fontRef idx="minor">
+              <a:schemeClr val="lt1"/>
+            </a:fontRef>
+          </p:style>
+          <p:txBody>
+            <a:bodyPr rtlCol="0" anchor="ctr"/>
+            <a:lstStyle/>
+            <a:p>
+              <a:pPr algn="ctr"/>
+              <a:r>
+                <a:rPr lang="zh-TW" altLang="en-US" dirty="0">
+                  <a:solidFill>
+                    <a:schemeClr val="bg1"/>
+                  </a:solidFill>
+                </a:rPr>
+                <a:t>比賽</a:t>
+              </a:r>
+            </a:p>
+          </p:txBody>
+        </p:sp>
+        <p:sp>
+          <p:nvSpPr>
+            <p:cNvPr id="49" name="矩形 48">
+              <a:extLst>
+                <a:ext uri="{FF2B5EF4-FFF2-40B4-BE49-F238E27FC236}">
+                  <a16:creationId xmlns:a16="http://schemas.microsoft.com/office/drawing/2014/main" id="{BAF167E0-976B-461D-A01B-2FA807CCA847}"/>
+                </a:ext>
+              </a:extLst>
+            </p:cNvPr>
+            <p:cNvSpPr/>
+            <p:nvPr/>
+          </p:nvSpPr>
+          <p:spPr>
+            <a:xfrm>
+              <a:off x="2987832" y="4646610"/>
+              <a:ext cx="1119992" cy="567131"/>
+            </a:xfrm>
+            <a:prstGeom prst="rect">
+              <a:avLst/>
+            </a:prstGeom>
+            <a:solidFill>
+              <a:schemeClr val="accent5">
+                <a:lumMod val="60000"/>
+                <a:lumOff val="40000"/>
+              </a:schemeClr>
+            </a:solidFill>
+            <a:ln>
+              <a:solidFill>
+                <a:schemeClr val="accent5">
+                  <a:lumMod val="50000"/>
+                </a:schemeClr>
+              </a:solidFill>
+            </a:ln>
+          </p:spPr>
+          <p:style>
+            <a:lnRef idx="2">
+              <a:schemeClr val="accent1">
+                <a:shade val="50000"/>
+              </a:schemeClr>
+            </a:lnRef>
+            <a:fillRef idx="1">
+              <a:schemeClr val="accent1"/>
+            </a:fillRef>
+            <a:effectRef idx="0">
+              <a:schemeClr val="accent1"/>
+            </a:effectRef>
+            <a:fontRef idx="minor">
+              <a:schemeClr val="lt1"/>
+            </a:fontRef>
+          </p:style>
+          <p:txBody>
+            <a:bodyPr rot="0" spcFirstLastPara="0" vertOverflow="overflow" horzOverflow="overflow" vert="horz" wrap="square" lIns="91440" tIns="45720" rIns="91440" bIns="45720" numCol="1" spcCol="0" rtlCol="0" fromWordArt="0" anchor="b" anchorCtr="0" forceAA="0" compatLnSpc="1">
+              <a:prstTxWarp prst="textNoShape">
+                <a:avLst/>
+              </a:prstTxWarp>
+              <a:noAutofit/>
+            </a:bodyPr>
+            <a:lstStyle/>
+            <a:p>
+              <a:pPr algn="ctr"/>
+              <a:r>
+                <a:rPr lang="zh-TW" altLang="en-US" sz="1600" dirty="0">
+                  <a:solidFill>
+                    <a:schemeClr val="bg1"/>
+                  </a:solidFill>
+                </a:rPr>
+                <a:t>刻出函式庫</a:t>
+              </a:r>
+              <a:endParaRPr lang="en-US" altLang="zh-TW" sz="1600" dirty="0">
+                <a:solidFill>
+                  <a:schemeClr val="bg1"/>
+                </a:solidFill>
+              </a:endParaRPr>
+            </a:p>
+          </p:txBody>
+        </p:sp>
+        <p:cxnSp>
+          <p:nvCxnSpPr>
+            <p:cNvPr id="102" name="直線單箭頭接點 101">
+              <a:extLst>
+                <a:ext uri="{FF2B5EF4-FFF2-40B4-BE49-F238E27FC236}">
+                  <a16:creationId xmlns:a16="http://schemas.microsoft.com/office/drawing/2014/main" id="{27F6D11F-FB1D-49AE-BC37-6CE6AF0DE973}"/>
+                </a:ext>
+              </a:extLst>
+            </p:cNvPr>
+            <p:cNvCxnSpPr>
+              <a:cxnSpLocks/>
+              <a:endCxn id="45" idx="0"/>
+            </p:cNvCxnSpPr>
+            <p:nvPr/>
+          </p:nvCxnSpPr>
+          <p:spPr>
+            <a:xfrm>
+              <a:off x="4756688" y="2481654"/>
+              <a:ext cx="0" cy="1190877"/>
+            </a:xfrm>
+            <a:prstGeom prst="straightConnector1">
+              <a:avLst/>
+            </a:prstGeom>
+            <a:ln>
+              <a:solidFill>
+                <a:schemeClr val="accent5">
+                  <a:lumMod val="50000"/>
+                </a:schemeClr>
+              </a:solidFill>
+              <a:tailEnd type="triangle"/>
+            </a:ln>
+          </p:spPr>
+          <p:style>
+            <a:lnRef idx="1">
+              <a:schemeClr val="accent1"/>
+            </a:lnRef>
+            <a:fillRef idx="0">
+              <a:schemeClr val="accent1"/>
+            </a:fillRef>
+            <a:effectRef idx="0">
+              <a:schemeClr val="accent1"/>
+            </a:effectRef>
+            <a:fontRef idx="minor">
+              <a:schemeClr val="tx1"/>
+            </a:fontRef>
+          </p:style>
+        </p:cxnSp>
+        <p:cxnSp>
+          <p:nvCxnSpPr>
+            <p:cNvPr id="106" name="直線單箭頭接點 105">
+              <a:extLst>
+                <a:ext uri="{FF2B5EF4-FFF2-40B4-BE49-F238E27FC236}">
+                  <a16:creationId xmlns:a16="http://schemas.microsoft.com/office/drawing/2014/main" id="{E7CE1FE4-E356-4C04-9B26-470C7B0E9340}"/>
+                </a:ext>
+              </a:extLst>
+            </p:cNvPr>
+            <p:cNvCxnSpPr>
+              <a:cxnSpLocks/>
+              <a:endCxn id="10" idx="0"/>
+            </p:cNvCxnSpPr>
+            <p:nvPr/>
+          </p:nvCxnSpPr>
+          <p:spPr>
+            <a:xfrm>
+              <a:off x="7297718" y="2465955"/>
+              <a:ext cx="0" cy="277332"/>
+            </a:xfrm>
+            <a:prstGeom prst="straightConnector1">
+              <a:avLst/>
+            </a:prstGeom>
+            <a:ln>
+              <a:solidFill>
+                <a:schemeClr val="accent5">
+                  <a:lumMod val="50000"/>
+                </a:schemeClr>
+              </a:solidFill>
+              <a:tailEnd type="triangle"/>
+            </a:ln>
+          </p:spPr>
+          <p:style>
+            <a:lnRef idx="1">
+              <a:schemeClr val="accent1"/>
+            </a:lnRef>
+            <a:fillRef idx="0">
+              <a:schemeClr val="accent1"/>
+            </a:fillRef>
+            <a:effectRef idx="0">
+              <a:schemeClr val="accent1"/>
+            </a:effectRef>
+            <a:fontRef idx="minor">
+              <a:schemeClr val="tx1"/>
+            </a:fontRef>
+          </p:style>
+        </p:cxnSp>
+        <p:sp>
+          <p:nvSpPr>
+            <p:cNvPr id="126" name="矩形 125">
+              <a:extLst>
+                <a:ext uri="{FF2B5EF4-FFF2-40B4-BE49-F238E27FC236}">
+                  <a16:creationId xmlns:a16="http://schemas.microsoft.com/office/drawing/2014/main" id="{59F0D606-3E05-4217-B5CD-9D6FAC84D9BA}"/>
+                </a:ext>
+              </a:extLst>
+            </p:cNvPr>
+            <p:cNvSpPr/>
+            <p:nvPr/>
+          </p:nvSpPr>
+          <p:spPr>
+            <a:xfrm>
+              <a:off x="4197859" y="4652790"/>
+              <a:ext cx="1119992" cy="567131"/>
+            </a:xfrm>
+            <a:prstGeom prst="rect">
+              <a:avLst/>
+            </a:prstGeom>
+            <a:solidFill>
+              <a:schemeClr val="accent5">
+                <a:lumMod val="60000"/>
+                <a:lumOff val="40000"/>
+              </a:schemeClr>
+            </a:solidFill>
+            <a:ln>
+              <a:solidFill>
+                <a:schemeClr val="accent5">
+                  <a:lumMod val="50000"/>
+                </a:schemeClr>
+              </a:solidFill>
+            </a:ln>
+          </p:spPr>
+          <p:style>
+            <a:lnRef idx="2">
+              <a:schemeClr val="accent1">
+                <a:shade val="50000"/>
+              </a:schemeClr>
+            </a:lnRef>
+            <a:fillRef idx="1">
+              <a:schemeClr val="accent1"/>
+            </a:fillRef>
+            <a:effectRef idx="0">
+              <a:schemeClr val="accent1"/>
+            </a:effectRef>
+            <a:fontRef idx="minor">
+              <a:schemeClr val="lt1"/>
+            </a:fontRef>
+          </p:style>
+          <p:txBody>
+            <a:bodyPr rot="0" spcFirstLastPara="0" vertOverflow="overflow" horzOverflow="overflow" vert="horz" wrap="square" lIns="91440" tIns="45720" rIns="91440" bIns="45720" numCol="1" spcCol="0" rtlCol="0" fromWordArt="0" anchor="b" anchorCtr="0" forceAA="0" compatLnSpc="1">
+              <a:prstTxWarp prst="textNoShape">
+                <a:avLst/>
+              </a:prstTxWarp>
+              <a:noAutofit/>
+            </a:bodyPr>
+            <a:lstStyle/>
+            <a:p>
+              <a:pPr lvl="0" algn="ctr"/>
+              <a:r>
+                <a:rPr lang="zh-TW" altLang="en-US" sz="1600" dirty="0">
+                  <a:latin typeface="Microsoft JhengHei Light" panose="020B0304030504040204" pitchFamily="34" charset="-120"/>
+                  <a:ea typeface="Microsoft JhengHei Light" panose="020B0304030504040204" pitchFamily="34" charset="-120"/>
+                </a:rPr>
+                <a:t>撰寫訓練程式</a:t>
+              </a:r>
+            </a:p>
+          </p:txBody>
+        </p:sp>
+        <p:sp>
+          <p:nvSpPr>
+            <p:cNvPr id="128" name="矩形 127">
+              <a:extLst>
+                <a:ext uri="{FF2B5EF4-FFF2-40B4-BE49-F238E27FC236}">
+                  <a16:creationId xmlns:a16="http://schemas.microsoft.com/office/drawing/2014/main" id="{4F7CEA6F-CAD8-4312-95EB-3A6633C4747C}"/>
+                </a:ext>
+              </a:extLst>
+            </p:cNvPr>
+            <p:cNvSpPr/>
+            <p:nvPr/>
+          </p:nvSpPr>
+          <p:spPr>
+            <a:xfrm>
+              <a:off x="5407886" y="4646610"/>
+              <a:ext cx="1119992" cy="567131"/>
+            </a:xfrm>
+            <a:prstGeom prst="rect">
+              <a:avLst/>
+            </a:prstGeom>
+            <a:solidFill>
+              <a:schemeClr val="accent5">
+                <a:lumMod val="60000"/>
+                <a:lumOff val="40000"/>
+              </a:schemeClr>
+            </a:solidFill>
+            <a:ln>
+              <a:solidFill>
+                <a:schemeClr val="accent5">
+                  <a:lumMod val="50000"/>
+                </a:schemeClr>
+              </a:solidFill>
+            </a:ln>
+          </p:spPr>
+          <p:style>
+            <a:lnRef idx="2">
+              <a:schemeClr val="accent1">
+                <a:shade val="50000"/>
+              </a:schemeClr>
+            </a:lnRef>
+            <a:fillRef idx="1">
+              <a:schemeClr val="accent1"/>
+            </a:fillRef>
+            <a:effectRef idx="0">
+              <a:schemeClr val="accent1"/>
+            </a:effectRef>
+            <a:fontRef idx="minor">
+              <a:schemeClr val="lt1"/>
+            </a:fontRef>
+          </p:style>
+          <p:txBody>
+            <a:bodyPr rot="0" spcFirstLastPara="0" vertOverflow="overflow" horzOverflow="overflow" vert="horz" wrap="square" lIns="91440" tIns="45720" rIns="91440" bIns="45720" numCol="1" spcCol="0" rtlCol="0" fromWordArt="0" anchor="b" anchorCtr="0" forceAA="0" compatLnSpc="1">
+              <a:prstTxWarp prst="textNoShape">
+                <a:avLst/>
+              </a:prstTxWarp>
+              <a:noAutofit/>
+            </a:bodyPr>
+            <a:lstStyle/>
+            <a:p>
+              <a:pPr algn="ctr"/>
+              <a:r>
+                <a:rPr lang="zh-TW" altLang="en-US" sz="1600" dirty="0">
+                  <a:solidFill>
+                    <a:schemeClr val="bg1"/>
+                  </a:solidFill>
+                </a:rPr>
+                <a:t>訓練</a:t>
+              </a:r>
+              <a:endParaRPr lang="en-US" altLang="zh-TW" sz="1600" dirty="0">
+                <a:solidFill>
+                  <a:schemeClr val="bg1"/>
+                </a:solidFill>
+              </a:endParaRPr>
+            </a:p>
+            <a:p>
+              <a:pPr algn="ctr"/>
+              <a:endParaRPr lang="en-US" altLang="zh-TW" sz="1600" dirty="0">
+                <a:solidFill>
+                  <a:schemeClr val="bg1"/>
+                </a:solidFill>
+              </a:endParaRPr>
+            </a:p>
+          </p:txBody>
+        </p:sp>
+        <p:cxnSp>
+          <p:nvCxnSpPr>
+            <p:cNvPr id="138" name="接點: 肘形 137">
+              <a:extLst>
+                <a:ext uri="{FF2B5EF4-FFF2-40B4-BE49-F238E27FC236}">
+                  <a16:creationId xmlns:a16="http://schemas.microsoft.com/office/drawing/2014/main" id="{0B545FA9-F2DE-4EC7-85EB-6B64FC4251FD}"/>
+                </a:ext>
+              </a:extLst>
+            </p:cNvPr>
+            <p:cNvCxnSpPr>
+              <a:stCxn id="45" idx="2"/>
+              <a:endCxn id="128" idx="0"/>
+            </p:cNvCxnSpPr>
+            <p:nvPr/>
+          </p:nvCxnSpPr>
+          <p:spPr>
+            <a:xfrm rot="16200000" flipH="1">
+              <a:off x="5136803" y="3815531"/>
+              <a:ext cx="450964" cy="1211194"/>
+            </a:xfrm>
+            <a:prstGeom prst="bentConnector3">
+              <a:avLst/>
+            </a:prstGeom>
+            <a:ln>
+              <a:solidFill>
+                <a:schemeClr val="accent5">
+                  <a:lumMod val="50000"/>
+                </a:schemeClr>
+              </a:solidFill>
+              <a:tailEnd type="triangle"/>
+            </a:ln>
+          </p:spPr>
+          <p:style>
+            <a:lnRef idx="1">
+              <a:schemeClr val="accent1"/>
+            </a:lnRef>
+            <a:fillRef idx="0">
+              <a:schemeClr val="accent1"/>
+            </a:fillRef>
+            <a:effectRef idx="0">
+              <a:schemeClr val="accent1"/>
+            </a:effectRef>
+            <a:fontRef idx="minor">
+              <a:schemeClr val="tx1"/>
+            </a:fontRef>
+          </p:style>
+        </p:cxnSp>
+        <p:cxnSp>
+          <p:nvCxnSpPr>
+            <p:cNvPr id="140" name="接點: 肘形 139">
+              <a:extLst>
+                <a:ext uri="{FF2B5EF4-FFF2-40B4-BE49-F238E27FC236}">
+                  <a16:creationId xmlns:a16="http://schemas.microsoft.com/office/drawing/2014/main" id="{8D7FA514-37F3-41A4-A738-CB02C2CDE2A2}"/>
+                </a:ext>
+              </a:extLst>
+            </p:cNvPr>
+            <p:cNvCxnSpPr>
+              <a:cxnSpLocks/>
+            </p:cNvCxnSpPr>
+            <p:nvPr/>
+          </p:nvCxnSpPr>
+          <p:spPr>
+            <a:xfrm rot="10800000" flipV="1">
+              <a:off x="3550871" y="4415705"/>
+              <a:ext cx="1205816" cy="242147"/>
+            </a:xfrm>
+            <a:prstGeom prst="bentConnector2">
+              <a:avLst/>
+            </a:prstGeom>
+            <a:ln>
+              <a:solidFill>
+                <a:schemeClr val="accent5">
+                  <a:lumMod val="50000"/>
+                </a:schemeClr>
+              </a:solidFill>
+              <a:tailEnd type="triangle"/>
+            </a:ln>
+          </p:spPr>
+          <p:style>
+            <a:lnRef idx="1">
+              <a:schemeClr val="accent1"/>
+            </a:lnRef>
+            <a:fillRef idx="0">
+              <a:schemeClr val="accent1"/>
+            </a:fillRef>
+            <a:effectRef idx="0">
+              <a:schemeClr val="accent1"/>
+            </a:effectRef>
+            <a:fontRef idx="minor">
+              <a:schemeClr val="tx1"/>
+            </a:fontRef>
+          </p:style>
+        </p:cxnSp>
+        <p:cxnSp>
+          <p:nvCxnSpPr>
+            <p:cNvPr id="142" name="直線單箭頭接點 141">
+              <a:extLst>
+                <a:ext uri="{FF2B5EF4-FFF2-40B4-BE49-F238E27FC236}">
+                  <a16:creationId xmlns:a16="http://schemas.microsoft.com/office/drawing/2014/main" id="{9C7B2581-4EA5-4937-B3F7-6194E9DE385F}"/>
+                </a:ext>
+              </a:extLst>
+            </p:cNvPr>
+            <p:cNvCxnSpPr>
+              <a:cxnSpLocks/>
+            </p:cNvCxnSpPr>
+            <p:nvPr/>
+          </p:nvCxnSpPr>
+          <p:spPr>
+            <a:xfrm>
+              <a:off x="4758929" y="4425420"/>
+              <a:ext cx="0" cy="222717"/>
+            </a:xfrm>
+            <a:prstGeom prst="straightConnector1">
+              <a:avLst/>
+            </a:prstGeom>
+            <a:ln>
+              <a:solidFill>
+                <a:schemeClr val="accent5">
+                  <a:lumMod val="50000"/>
+                </a:schemeClr>
+              </a:solidFill>
+              <a:tailEnd type="triangle"/>
+            </a:ln>
+          </p:spPr>
+          <p:style>
+            <a:lnRef idx="1">
+              <a:schemeClr val="accent1"/>
+            </a:lnRef>
+            <a:fillRef idx="0">
+              <a:schemeClr val="accent1"/>
+            </a:fillRef>
+            <a:effectRef idx="0">
+              <a:schemeClr val="accent1"/>
+            </a:effectRef>
+            <a:fontRef idx="minor">
+              <a:schemeClr val="tx1"/>
+            </a:fontRef>
+          </p:style>
+        </p:cxnSp>
+        <p:sp>
+          <p:nvSpPr>
+            <p:cNvPr id="151" name="矩形 150">
+              <a:extLst>
+                <a:ext uri="{FF2B5EF4-FFF2-40B4-BE49-F238E27FC236}">
+                  <a16:creationId xmlns:a16="http://schemas.microsoft.com/office/drawing/2014/main" id="{24839F07-E7DC-4D9B-8E43-7EF08DCF6571}"/>
+                </a:ext>
+              </a:extLst>
+            </p:cNvPr>
+            <p:cNvSpPr/>
+            <p:nvPr/>
+          </p:nvSpPr>
+          <p:spPr>
+            <a:xfrm>
+              <a:off x="6125810" y="3595325"/>
+              <a:ext cx="1119992" cy="567131"/>
+            </a:xfrm>
+            <a:prstGeom prst="rect">
+              <a:avLst/>
+            </a:prstGeom>
+            <a:solidFill>
+              <a:schemeClr val="accent5">
+                <a:lumMod val="60000"/>
+                <a:lumOff val="40000"/>
+              </a:schemeClr>
+            </a:solidFill>
+            <a:ln>
+              <a:solidFill>
+                <a:schemeClr val="accent5">
+                  <a:lumMod val="50000"/>
+                </a:schemeClr>
+              </a:solidFill>
+            </a:ln>
+          </p:spPr>
+          <p:style>
+            <a:lnRef idx="2">
+              <a:schemeClr val="accent1">
+                <a:shade val="50000"/>
+              </a:schemeClr>
+            </a:lnRef>
+            <a:fillRef idx="1">
+              <a:schemeClr val="accent1"/>
+            </a:fillRef>
+            <a:effectRef idx="0">
+              <a:schemeClr val="accent1"/>
+            </a:effectRef>
+            <a:fontRef idx="minor">
+              <a:schemeClr val="lt1"/>
+            </a:fontRef>
+          </p:style>
+          <p:txBody>
+            <a:bodyPr rot="0" spcFirstLastPara="0" vertOverflow="overflow" horzOverflow="overflow" vert="horz" wrap="square" lIns="91440" tIns="45720" rIns="91440" bIns="45720" numCol="1" spcCol="0" rtlCol="0" fromWordArt="0" anchor="b" anchorCtr="0" forceAA="0" compatLnSpc="1">
+              <a:prstTxWarp prst="textNoShape">
+                <a:avLst/>
+              </a:prstTxWarp>
+              <a:noAutofit/>
+            </a:bodyPr>
+            <a:lstStyle/>
+            <a:p>
+              <a:pPr algn="ctr"/>
+              <a:r>
+                <a:rPr lang="zh-TW" altLang="en-US" sz="1600" dirty="0">
+                  <a:solidFill>
+                    <a:schemeClr val="bg1"/>
+                  </a:solidFill>
+                </a:rPr>
+                <a:t>測試分析結果</a:t>
+              </a:r>
+              <a:endParaRPr lang="en-US" altLang="zh-TW" sz="1600" dirty="0">
+                <a:solidFill>
+                  <a:schemeClr val="bg1"/>
+                </a:solidFill>
+              </a:endParaRPr>
+            </a:p>
+          </p:txBody>
+        </p:sp>
+        <p:sp>
+          <p:nvSpPr>
+            <p:cNvPr id="152" name="矩形 151">
+              <a:extLst>
+                <a:ext uri="{FF2B5EF4-FFF2-40B4-BE49-F238E27FC236}">
+                  <a16:creationId xmlns:a16="http://schemas.microsoft.com/office/drawing/2014/main" id="{388BF28C-A87F-415C-917C-B0CBEC56F795}"/>
+                </a:ext>
+              </a:extLst>
+            </p:cNvPr>
+            <p:cNvSpPr/>
+            <p:nvPr/>
+          </p:nvSpPr>
+          <p:spPr>
+            <a:xfrm>
+              <a:off x="7432137" y="3580935"/>
+              <a:ext cx="1119992" cy="567131"/>
+            </a:xfrm>
+            <a:prstGeom prst="rect">
+              <a:avLst/>
+            </a:prstGeom>
+            <a:solidFill>
+              <a:schemeClr val="accent5">
+                <a:lumMod val="60000"/>
+                <a:lumOff val="40000"/>
+              </a:schemeClr>
+            </a:solidFill>
+            <a:ln>
+              <a:solidFill>
+                <a:schemeClr val="accent5">
+                  <a:lumMod val="50000"/>
+                </a:schemeClr>
+              </a:solidFill>
+            </a:ln>
+          </p:spPr>
+          <p:style>
+            <a:lnRef idx="2">
+              <a:schemeClr val="accent1">
+                <a:shade val="50000"/>
+              </a:schemeClr>
+            </a:lnRef>
+            <a:fillRef idx="1">
+              <a:schemeClr val="accent1"/>
+            </a:fillRef>
+            <a:effectRef idx="0">
+              <a:schemeClr val="accent1"/>
+            </a:effectRef>
+            <a:fontRef idx="minor">
+              <a:schemeClr val="lt1"/>
+            </a:fontRef>
+          </p:style>
+          <p:txBody>
+            <a:bodyPr rot="0" spcFirstLastPara="0" vertOverflow="overflow" horzOverflow="overflow" vert="horz" wrap="square" lIns="91440" tIns="45720" rIns="91440" bIns="45720" numCol="1" spcCol="0" rtlCol="0" fromWordArt="0" anchor="b" anchorCtr="0" forceAA="0" compatLnSpc="1">
+              <a:prstTxWarp prst="textNoShape">
+                <a:avLst/>
+              </a:prstTxWarp>
+              <a:noAutofit/>
+            </a:bodyPr>
+            <a:lstStyle/>
+            <a:p>
+              <a:pPr algn="ctr"/>
+              <a:r>
+                <a:rPr lang="zh-TW" altLang="en-US" sz="1600" dirty="0">
+                  <a:solidFill>
+                    <a:schemeClr val="bg1"/>
+                  </a:solidFill>
+                </a:rPr>
+                <a:t>修改並重新訓練</a:t>
+              </a:r>
+              <a:endParaRPr lang="en-US" altLang="zh-TW" sz="1600" dirty="0">
+                <a:solidFill>
+                  <a:schemeClr val="bg1"/>
+                </a:solidFill>
+              </a:endParaRPr>
+            </a:p>
+          </p:txBody>
+        </p:sp>
+        <p:cxnSp>
+          <p:nvCxnSpPr>
+            <p:cNvPr id="158" name="接點: 肘形 157">
+              <a:extLst>
+                <a:ext uri="{FF2B5EF4-FFF2-40B4-BE49-F238E27FC236}">
+                  <a16:creationId xmlns:a16="http://schemas.microsoft.com/office/drawing/2014/main" id="{3F95B382-2C54-4AE7-946A-C9A47F0EC917}"/>
+                </a:ext>
+              </a:extLst>
+            </p:cNvPr>
+            <p:cNvCxnSpPr>
+              <a:stCxn id="10" idx="2"/>
+              <a:endCxn id="152" idx="0"/>
+            </p:cNvCxnSpPr>
+            <p:nvPr/>
+          </p:nvCxnSpPr>
+          <p:spPr>
+            <a:xfrm rot="16200000" flipH="1">
+              <a:off x="7485449" y="3074250"/>
+              <a:ext cx="318953" cy="694415"/>
+            </a:xfrm>
+            <a:prstGeom prst="bentConnector3">
+              <a:avLst/>
+            </a:prstGeom>
+            <a:ln>
+              <a:solidFill>
+                <a:schemeClr val="accent5">
+                  <a:lumMod val="50000"/>
+                </a:schemeClr>
+              </a:solidFill>
+              <a:tailEnd type="triangle"/>
+            </a:ln>
+          </p:spPr>
+          <p:style>
+            <a:lnRef idx="1">
+              <a:schemeClr val="accent1"/>
+            </a:lnRef>
+            <a:fillRef idx="0">
+              <a:schemeClr val="accent1"/>
+            </a:fillRef>
+            <a:effectRef idx="0">
+              <a:schemeClr val="accent1"/>
+            </a:effectRef>
+            <a:fontRef idx="minor">
+              <a:schemeClr val="tx1"/>
+            </a:fontRef>
+          </p:style>
+        </p:cxnSp>
+        <p:cxnSp>
+          <p:nvCxnSpPr>
+            <p:cNvPr id="160" name="接點: 肘形 159">
+              <a:extLst>
+                <a:ext uri="{FF2B5EF4-FFF2-40B4-BE49-F238E27FC236}">
+                  <a16:creationId xmlns:a16="http://schemas.microsoft.com/office/drawing/2014/main" id="{7DB3F412-2A7B-4EAE-BA1B-0191710BA1D1}"/>
+                </a:ext>
+              </a:extLst>
+            </p:cNvPr>
+            <p:cNvCxnSpPr>
+              <a:cxnSpLocks/>
+              <a:endCxn id="151" idx="0"/>
+            </p:cNvCxnSpPr>
+            <p:nvPr/>
+          </p:nvCxnSpPr>
+          <p:spPr>
+            <a:xfrm rot="10800000" flipV="1">
+              <a:off x="6685806" y="3419205"/>
+              <a:ext cx="611912" cy="176120"/>
+            </a:xfrm>
+            <a:prstGeom prst="bentConnector2">
+              <a:avLst/>
+            </a:prstGeom>
+            <a:ln>
+              <a:solidFill>
+                <a:schemeClr val="accent5">
+                  <a:lumMod val="50000"/>
+                </a:schemeClr>
+              </a:solidFill>
+              <a:tailEnd type="triangle"/>
+            </a:ln>
+          </p:spPr>
+          <p:style>
+            <a:lnRef idx="1">
+              <a:schemeClr val="accent1"/>
+            </a:lnRef>
+            <a:fillRef idx="0">
+              <a:schemeClr val="accent1"/>
+            </a:fillRef>
+            <a:effectRef idx="0">
+              <a:schemeClr val="accent1"/>
+            </a:effectRef>
+            <a:fontRef idx="minor">
+              <a:schemeClr val="tx1"/>
+            </a:fontRef>
+          </p:style>
+        </p:cxnSp>
+      </p:grpSp>
     </p:spTree>
     <p:extLst>
       <p:ext uri="{BB962C8B-B14F-4D97-AF65-F5344CB8AC3E}">
-        <p14:creationId xmlns:p14="http://schemas.microsoft.com/office/powerpoint/2010/main" val="628802997"/>
+        <p14:creationId xmlns:p14="http://schemas.microsoft.com/office/powerpoint/2010/main" val="3780499668"/>
       </p:ext>
     </p:extLst>
   </p:cSld>
@@ -13283,7 +15336,7 @@
             </a:r>
             <a:r>
               <a:rPr lang="zh-TW" altLang="en-US" dirty="0"/>
-              <a:t>預測落點</a:t>
+              <a:t>已知資料</a:t>
             </a:r>
           </a:p>
         </p:txBody>
@@ -13298,53 +15351,67 @@
             <p:ph idx="1"/>
           </p:nvPr>
         </p:nvSpPr>
-        <p:spPr>
-          <a:xfrm>
-            <a:off x="1295064" y="2556932"/>
-            <a:ext cx="4976954" cy="3318936"/>
-          </a:xfrm>
-        </p:spPr>
+        <p:spPr/>
         <p:txBody>
           <a:bodyPr/>
           <a:lstStyle/>
           <a:p>
             <a:r>
+              <a:rPr lang="en-US" altLang="zh-TW" dirty="0"/>
+              <a:t>1p </a:t>
+            </a:r>
+            <a:r>
               <a:rPr lang="zh-TW" altLang="en-US" dirty="0"/>
-              <a:t>由於速度一快，下降時在判斷落點已經來不及了，所以我決定上升時就做落點預測</a:t>
-            </a:r>
-            <a:endParaRPr lang="en-US" altLang="zh-TW" dirty="0"/>
-          </a:p>
-          <a:p>
+              <a:t>高度 </a:t>
+            </a:r>
             <a:r>
               <a:rPr lang="en-US" altLang="zh-TW" dirty="0"/>
-              <a:t>1p‘</a:t>
+              <a:t>80</a:t>
+            </a:r>
+          </a:p>
+          <a:p>
+            <a:r>
+              <a:rPr lang="en-US" altLang="zh-TW" dirty="0"/>
+              <a:t>2p </a:t>
             </a:r>
             <a:r>
               <a:rPr lang="zh-TW" altLang="en-US" dirty="0"/>
-              <a:t> 高度 </a:t>
+              <a:t>高度 </a:t>
             </a:r>
             <a:r>
               <a:rPr lang="en-US" altLang="zh-TW" dirty="0"/>
-              <a:t>760</a:t>
-            </a:r>
+              <a:t>420</a:t>
+            </a:r>
+          </a:p>
+          <a:p>
             <a:r>
               <a:rPr lang="zh-TW" altLang="en-US" dirty="0"/>
-              <a:t> 可以預測到落點</a:t>
+              <a:t>初速 </a:t>
             </a:r>
             <a:r>
               <a:rPr lang="en-US" altLang="zh-TW" dirty="0"/>
-              <a:t>X</a:t>
-            </a:r>
+              <a:t>7</a:t>
+            </a:r>
+          </a:p>
+          <a:p>
             <a:r>
               <a:rPr lang="zh-TW" altLang="en-US" dirty="0"/>
-              <a:t>值</a:t>
-            </a:r>
-            <a:endParaRPr lang="en-US" altLang="zh-TW" dirty="0"/>
-          </a:p>
-          <a:p>
-            <a:pPr marL="0" indent="0">
-              <a:buNone/>
-            </a:pPr>
+              <a:t>每</a:t>
+            </a:r>
+            <a:r>
+              <a:rPr lang="en-US" altLang="zh-TW" dirty="0"/>
+              <a:t>20</a:t>
+            </a:r>
+            <a:r>
+              <a:rPr lang="zh-TW" altLang="en-US" dirty="0"/>
+              <a:t>禎速度</a:t>
+            </a:r>
+            <a:r>
+              <a:rPr lang="en-US" altLang="zh-TW" dirty="0"/>
+              <a:t>+1</a:t>
+            </a:r>
+          </a:p>
+          <a:p>
             <a:endParaRPr lang="zh-TW" altLang="en-US" dirty="0"/>
           </a:p>
         </p:txBody>
@@ -13357,8 +15424,8 @@
         </p:nvSpPr>
         <p:spPr>
           <a:xfrm>
-            <a:off x="7778689" y="116213"/>
-            <a:ext cx="1800200" cy="3312368"/>
+            <a:off x="7678588" y="1556792"/>
+            <a:ext cx="2160240" cy="3744416"/>
           </a:xfrm>
           <a:prstGeom prst="rect">
             <a:avLst/>
@@ -13403,8 +15470,8 @@
         </p:nvSpPr>
         <p:spPr>
           <a:xfrm>
-            <a:off x="8151910" y="664952"/>
-            <a:ext cx="420047" cy="63699"/>
+            <a:off x="8182644" y="2068820"/>
+            <a:ext cx="504056" cy="72008"/>
           </a:xfrm>
           <a:prstGeom prst="rect">
             <a:avLst/>
@@ -13437,14 +15504,14 @@
       </p:sp>
       <p:sp>
         <p:nvSpPr>
-          <p:cNvPr id="6" name="矩形 5"/>
+          <p:cNvPr id="7" name="矩形 6"/>
           <p:cNvSpPr/>
           <p:nvPr/>
         </p:nvSpPr>
         <p:spPr>
           <a:xfrm>
-            <a:off x="8910716" y="2854465"/>
-            <a:ext cx="420047" cy="63699"/>
+            <a:off x="8686700" y="4661108"/>
+            <a:ext cx="504056" cy="72008"/>
           </a:xfrm>
           <a:prstGeom prst="rect">
             <a:avLst/>
@@ -13485,14 +15552,14 @@
       </p:sp>
       <p:sp>
         <p:nvSpPr>
-          <p:cNvPr id="7" name="文字方塊 6"/>
+          <p:cNvPr id="8" name="文字方塊 7"/>
           <p:cNvSpPr txBox="1"/>
           <p:nvPr/>
         </p:nvSpPr>
         <p:spPr>
           <a:xfrm>
-            <a:off x="8760239" y="512135"/>
-            <a:ext cx="668818" cy="369332"/>
+            <a:off x="8809970" y="1970872"/>
+            <a:ext cx="410690" cy="369332"/>
           </a:xfrm>
           <a:prstGeom prst="rect">
             <a:avLst/>
@@ -13500,7 +15567,7 @@
           <a:noFill/>
         </p:spPr>
         <p:txBody>
-          <a:bodyPr wrap="square" rtlCol="0">
+          <a:bodyPr wrap="none" rtlCol="0">
             <a:spAutoFit/>
           </a:bodyPr>
           <a:lstStyle/>
@@ -13515,14 +15582,14 @@
       </p:sp>
       <p:sp>
         <p:nvSpPr>
-          <p:cNvPr id="8" name="文字方塊 7"/>
+          <p:cNvPr id="10" name="文字方塊 9"/>
           <p:cNvSpPr txBox="1"/>
           <p:nvPr/>
         </p:nvSpPr>
         <p:spPr>
           <a:xfrm>
-            <a:off x="8264018" y="2733498"/>
-            <a:ext cx="627326" cy="369332"/>
+            <a:off x="8182644" y="4362240"/>
+            <a:ext cx="410690" cy="369332"/>
           </a:xfrm>
           <a:prstGeom prst="rect">
             <a:avLst/>
@@ -13530,7 +15597,7 @@
           <a:noFill/>
         </p:spPr>
         <p:txBody>
-          <a:bodyPr wrap="square" rtlCol="0">
+          <a:bodyPr wrap="none" rtlCol="0">
             <a:spAutoFit/>
           </a:bodyPr>
           <a:lstStyle/>
@@ -13543,457 +15610,10 @@
           </a:p>
         </p:txBody>
       </p:sp>
-      <p:sp>
-        <p:nvSpPr>
-          <p:cNvPr id="9" name="矩形 8"/>
-          <p:cNvSpPr/>
-          <p:nvPr/>
-        </p:nvSpPr>
-        <p:spPr>
-          <a:xfrm>
-            <a:off x="7778689" y="3429000"/>
-            <a:ext cx="1800200" cy="3312368"/>
-          </a:xfrm>
-          <a:prstGeom prst="rect">
-            <a:avLst/>
-          </a:prstGeom>
-          <a:noFill/>
-          <a:ln w="76200">
-            <a:solidFill>
-              <a:schemeClr val="tx1"/>
-            </a:solidFill>
-            <a:prstDash val="sysDot"/>
-          </a:ln>
-        </p:spPr>
-        <p:style>
-          <a:lnRef idx="2">
-            <a:schemeClr val="accent1">
-              <a:shade val="50000"/>
-            </a:schemeClr>
-          </a:lnRef>
-          <a:fillRef idx="1">
-            <a:schemeClr val="accent1"/>
-          </a:fillRef>
-          <a:effectRef idx="0">
-            <a:schemeClr val="accent1"/>
-          </a:effectRef>
-          <a:fontRef idx="minor">
-            <a:schemeClr val="lt1"/>
-          </a:fontRef>
-        </p:style>
-        <p:txBody>
-          <a:bodyPr rtlCol="0" anchor="ctr"/>
-          <a:lstStyle/>
-          <a:p>
-            <a:pPr algn="ctr"/>
-            <a:endParaRPr lang="zh-TW" altLang="en-US"/>
-          </a:p>
-        </p:txBody>
-      </p:sp>
-      <p:sp>
-        <p:nvSpPr>
-          <p:cNvPr id="12" name="矩形 11"/>
-          <p:cNvSpPr/>
-          <p:nvPr/>
-        </p:nvSpPr>
-        <p:spPr>
-          <a:xfrm>
-            <a:off x="8151917" y="5257194"/>
-            <a:ext cx="420047" cy="63699"/>
-          </a:xfrm>
-          <a:prstGeom prst="rect">
-            <a:avLst/>
-          </a:prstGeom>
-        </p:spPr>
-        <p:style>
-          <a:lnRef idx="2">
-            <a:schemeClr val="accent1">
-              <a:shade val="50000"/>
-            </a:schemeClr>
-          </a:lnRef>
-          <a:fillRef idx="1">
-            <a:schemeClr val="accent1"/>
-          </a:fillRef>
-          <a:effectRef idx="0">
-            <a:schemeClr val="accent1"/>
-          </a:effectRef>
-          <a:fontRef idx="minor">
-            <a:schemeClr val="lt1"/>
-          </a:fontRef>
-        </p:style>
-        <p:txBody>
-          <a:bodyPr rtlCol="0" anchor="ctr"/>
-          <a:lstStyle/>
-          <a:p>
-            <a:pPr algn="ctr"/>
-            <a:endParaRPr lang="zh-TW" altLang="en-US"/>
-          </a:p>
-        </p:txBody>
-      </p:sp>
-      <p:sp>
-        <p:nvSpPr>
-          <p:cNvPr id="13" name="文字方塊 12"/>
-          <p:cNvSpPr txBox="1"/>
-          <p:nvPr/>
-        </p:nvSpPr>
-        <p:spPr>
-          <a:xfrm>
-            <a:off x="8760246" y="5104377"/>
-            <a:ext cx="668818" cy="369332"/>
-          </a:xfrm>
-          <a:prstGeom prst="rect">
-            <a:avLst/>
-          </a:prstGeom>
-          <a:noFill/>
-        </p:spPr>
-        <p:txBody>
-          <a:bodyPr wrap="square" rtlCol="0">
-            <a:spAutoFit/>
-          </a:bodyPr>
-          <a:lstStyle/>
-          <a:p>
-            <a:r>
-              <a:rPr lang="en-US" altLang="zh-TW" dirty="0"/>
-              <a:t>1p’</a:t>
-            </a:r>
-            <a:endParaRPr lang="zh-TW" altLang="en-US" dirty="0"/>
-          </a:p>
-        </p:txBody>
-      </p:sp>
-      <p:sp>
-        <p:nvSpPr>
-          <p:cNvPr id="19" name="左大括弧 18"/>
-          <p:cNvSpPr/>
-          <p:nvPr/>
-        </p:nvSpPr>
-        <p:spPr>
-          <a:xfrm>
-            <a:off x="6886500" y="664952"/>
-            <a:ext cx="504056" cy="2253212"/>
-          </a:xfrm>
-          <a:prstGeom prst="leftBrace">
-            <a:avLst/>
-          </a:prstGeom>
-        </p:spPr>
-        <p:style>
-          <a:lnRef idx="1">
-            <a:schemeClr val="accent1"/>
-          </a:lnRef>
-          <a:fillRef idx="0">
-            <a:schemeClr val="accent1"/>
-          </a:fillRef>
-          <a:effectRef idx="0">
-            <a:schemeClr val="accent1"/>
-          </a:effectRef>
-          <a:fontRef idx="minor">
-            <a:schemeClr val="tx1"/>
-          </a:fontRef>
-        </p:style>
-        <p:txBody>
-          <a:bodyPr rtlCol="0" anchor="ctr"/>
-          <a:lstStyle/>
-          <a:p>
-            <a:pPr algn="ctr"/>
-            <a:endParaRPr lang="zh-TW" altLang="en-US"/>
-          </a:p>
-        </p:txBody>
-      </p:sp>
-      <p:sp>
-        <p:nvSpPr>
-          <p:cNvPr id="20" name="文字方塊 19"/>
-          <p:cNvSpPr txBox="1"/>
-          <p:nvPr/>
-        </p:nvSpPr>
-        <p:spPr>
-          <a:xfrm>
-            <a:off x="6272018" y="1606892"/>
-            <a:ext cx="840831" cy="369332"/>
-          </a:xfrm>
-          <a:prstGeom prst="rect">
-            <a:avLst/>
-          </a:prstGeom>
-          <a:noFill/>
-        </p:spPr>
-        <p:txBody>
-          <a:bodyPr wrap="square" rtlCol="0">
-            <a:spAutoFit/>
-          </a:bodyPr>
-          <a:lstStyle/>
-          <a:p>
-            <a:r>
-              <a:rPr lang="en-US" altLang="zh-TW" dirty="0"/>
-              <a:t>340</a:t>
-            </a:r>
-            <a:endParaRPr lang="zh-TW" altLang="en-US" dirty="0"/>
-          </a:p>
-        </p:txBody>
-      </p:sp>
-      <p:sp>
-        <p:nvSpPr>
-          <p:cNvPr id="21" name="左大括弧 20"/>
-          <p:cNvSpPr/>
-          <p:nvPr/>
-        </p:nvSpPr>
-        <p:spPr>
-          <a:xfrm>
-            <a:off x="6886500" y="3003982"/>
-            <a:ext cx="504056" cy="2253212"/>
-          </a:xfrm>
-          <a:prstGeom prst="leftBrace">
-            <a:avLst/>
-          </a:prstGeom>
-        </p:spPr>
-        <p:style>
-          <a:lnRef idx="1">
-            <a:schemeClr val="accent1"/>
-          </a:lnRef>
-          <a:fillRef idx="0">
-            <a:schemeClr val="accent1"/>
-          </a:fillRef>
-          <a:effectRef idx="0">
-            <a:schemeClr val="accent1"/>
-          </a:effectRef>
-          <a:fontRef idx="minor">
-            <a:schemeClr val="tx1"/>
-          </a:fontRef>
-        </p:style>
-        <p:txBody>
-          <a:bodyPr rtlCol="0" anchor="ctr"/>
-          <a:lstStyle/>
-          <a:p>
-            <a:pPr algn="ctr"/>
-            <a:endParaRPr lang="zh-TW" altLang="en-US"/>
-          </a:p>
-        </p:txBody>
-      </p:sp>
-      <p:sp>
-        <p:nvSpPr>
-          <p:cNvPr id="22" name="文字方塊 21"/>
-          <p:cNvSpPr txBox="1"/>
-          <p:nvPr/>
-        </p:nvSpPr>
-        <p:spPr>
-          <a:xfrm>
-            <a:off x="6272018" y="3945922"/>
-            <a:ext cx="840831" cy="369332"/>
-          </a:xfrm>
-          <a:prstGeom prst="rect">
-            <a:avLst/>
-          </a:prstGeom>
-          <a:noFill/>
-        </p:spPr>
-        <p:txBody>
-          <a:bodyPr wrap="square" rtlCol="0">
-            <a:spAutoFit/>
-          </a:bodyPr>
-          <a:lstStyle/>
-          <a:p>
-            <a:r>
-              <a:rPr lang="en-US" altLang="zh-TW" dirty="0"/>
-              <a:t>340</a:t>
-            </a:r>
-            <a:endParaRPr lang="zh-TW" altLang="en-US" dirty="0"/>
-          </a:p>
-        </p:txBody>
-      </p:sp>
-      <p:cxnSp>
-        <p:nvCxnSpPr>
-          <p:cNvPr id="24" name="直線接點 23"/>
-          <p:cNvCxnSpPr>
-            <a:endCxn id="4" idx="3"/>
-          </p:cNvCxnSpPr>
-          <p:nvPr/>
-        </p:nvCxnSpPr>
-        <p:spPr>
-          <a:xfrm>
-            <a:off x="8760239" y="949261"/>
-            <a:ext cx="818650" cy="823136"/>
-          </a:xfrm>
-          <a:prstGeom prst="line">
-            <a:avLst/>
-          </a:prstGeom>
-        </p:spPr>
-        <p:style>
-          <a:lnRef idx="1">
-            <a:schemeClr val="accent1"/>
-          </a:lnRef>
-          <a:fillRef idx="0">
-            <a:schemeClr val="accent1"/>
-          </a:fillRef>
-          <a:effectRef idx="0">
-            <a:schemeClr val="accent1"/>
-          </a:effectRef>
-          <a:fontRef idx="minor">
-            <a:schemeClr val="tx1"/>
-          </a:fontRef>
-        </p:style>
-      </p:cxnSp>
-      <p:cxnSp>
-        <p:nvCxnSpPr>
-          <p:cNvPr id="28" name="直線接點 27"/>
-          <p:cNvCxnSpPr/>
-          <p:nvPr/>
-        </p:nvCxnSpPr>
-        <p:spPr>
-          <a:xfrm flipV="1">
-            <a:off x="8318066" y="1772397"/>
-            <a:ext cx="1230714" cy="1014274"/>
-          </a:xfrm>
-          <a:prstGeom prst="line">
-            <a:avLst/>
-          </a:prstGeom>
-        </p:spPr>
-        <p:style>
-          <a:lnRef idx="1">
-            <a:schemeClr val="accent1"/>
-          </a:lnRef>
-          <a:fillRef idx="0">
-            <a:schemeClr val="accent1"/>
-          </a:fillRef>
-          <a:effectRef idx="0">
-            <a:schemeClr val="accent1"/>
-          </a:effectRef>
-          <a:fontRef idx="minor">
-            <a:schemeClr val="tx1"/>
-          </a:fontRef>
-        </p:style>
-      </p:cxnSp>
-      <p:cxnSp>
-        <p:nvCxnSpPr>
-          <p:cNvPr id="31" name="直線接點 30"/>
-          <p:cNvCxnSpPr/>
-          <p:nvPr/>
-        </p:nvCxnSpPr>
-        <p:spPr>
-          <a:xfrm>
-            <a:off x="7778689" y="2286000"/>
-            <a:ext cx="506984" cy="472569"/>
-          </a:xfrm>
-          <a:prstGeom prst="line">
-            <a:avLst/>
-          </a:prstGeom>
-        </p:spPr>
-        <p:style>
-          <a:lnRef idx="1">
-            <a:schemeClr val="accent1"/>
-          </a:lnRef>
-          <a:fillRef idx="0">
-            <a:schemeClr val="accent1"/>
-          </a:fillRef>
-          <a:effectRef idx="0">
-            <a:schemeClr val="accent1"/>
-          </a:effectRef>
-          <a:fontRef idx="minor">
-            <a:schemeClr val="tx1"/>
-          </a:fontRef>
-        </p:style>
-      </p:cxnSp>
-      <p:cxnSp>
-        <p:nvCxnSpPr>
-          <p:cNvPr id="35" name="直線接點 34"/>
-          <p:cNvCxnSpPr/>
-          <p:nvPr/>
-        </p:nvCxnSpPr>
-        <p:spPr>
-          <a:xfrm flipV="1">
-            <a:off x="7816460" y="851357"/>
-            <a:ext cx="1732320" cy="1422108"/>
-          </a:xfrm>
-          <a:prstGeom prst="line">
-            <a:avLst/>
-          </a:prstGeom>
-        </p:spPr>
-        <p:style>
-          <a:lnRef idx="1">
-            <a:schemeClr val="accent1"/>
-          </a:lnRef>
-          <a:fillRef idx="0">
-            <a:schemeClr val="accent1"/>
-          </a:fillRef>
-          <a:effectRef idx="0">
-            <a:schemeClr val="accent1"/>
-          </a:effectRef>
-          <a:fontRef idx="minor">
-            <a:schemeClr val="tx1"/>
-          </a:fontRef>
-        </p:style>
-      </p:cxnSp>
-      <p:cxnSp>
-        <p:nvCxnSpPr>
-          <p:cNvPr id="40" name="直線接點 39"/>
-          <p:cNvCxnSpPr/>
-          <p:nvPr/>
-        </p:nvCxnSpPr>
-        <p:spPr>
-          <a:xfrm flipV="1">
-            <a:off x="7809513" y="2786673"/>
-            <a:ext cx="508553" cy="419394"/>
-          </a:xfrm>
-          <a:prstGeom prst="line">
-            <a:avLst/>
-          </a:prstGeom>
-          <a:ln>
-            <a:solidFill>
-              <a:srgbClr val="FF0000"/>
-            </a:solidFill>
-          </a:ln>
-        </p:spPr>
-        <p:style>
-          <a:lnRef idx="1">
-            <a:schemeClr val="accent1"/>
-          </a:lnRef>
-          <a:fillRef idx="0">
-            <a:schemeClr val="accent1"/>
-          </a:fillRef>
-          <a:effectRef idx="0">
-            <a:schemeClr val="accent1"/>
-          </a:effectRef>
-          <a:fontRef idx="minor">
-            <a:schemeClr val="tx1"/>
-          </a:fontRef>
-        </p:style>
-      </p:cxnSp>
-      <p:cxnSp>
-        <p:nvCxnSpPr>
-          <p:cNvPr id="45" name="直線接點 44"/>
-          <p:cNvCxnSpPr>
-            <a:endCxn id="9" idx="3"/>
-          </p:cNvCxnSpPr>
-          <p:nvPr/>
-        </p:nvCxnSpPr>
-        <p:spPr>
-          <a:xfrm>
-            <a:off x="7809513" y="3208388"/>
-            <a:ext cx="1769376" cy="1876796"/>
-          </a:xfrm>
-          <a:prstGeom prst="line">
-            <a:avLst/>
-          </a:prstGeom>
-          <a:ln>
-            <a:solidFill>
-              <a:srgbClr val="FF0000"/>
-            </a:solidFill>
-          </a:ln>
-        </p:spPr>
-        <p:style>
-          <a:lnRef idx="1">
-            <a:schemeClr val="accent1"/>
-          </a:lnRef>
-          <a:fillRef idx="0">
-            <a:schemeClr val="accent1"/>
-          </a:fillRef>
-          <a:effectRef idx="0">
-            <a:schemeClr val="accent1"/>
-          </a:effectRef>
-          <a:fontRef idx="minor">
-            <a:schemeClr val="tx1"/>
-          </a:fontRef>
-        </p:style>
-      </p:cxnSp>
     </p:spTree>
     <p:extLst>
       <p:ext uri="{BB962C8B-B14F-4D97-AF65-F5344CB8AC3E}">
-        <p14:creationId xmlns:p14="http://schemas.microsoft.com/office/powerpoint/2010/main" val="1321605861"/>
+        <p14:creationId xmlns:p14="http://schemas.microsoft.com/office/powerpoint/2010/main" val="628802997"/>
       </p:ext>
     </p:extLst>
   </p:cSld>
@@ -14057,7 +15677,7 @@
             </a:r>
             <a:r>
               <a:rPr lang="zh-TW" altLang="en-US" dirty="0"/>
-              <a:t>預測落點飄移</a:t>
+              <a:t>預測落點</a:t>
             </a:r>
           </a:p>
         </p:txBody>
@@ -14074,8 +15694,8 @@
         </p:nvSpPr>
         <p:spPr>
           <a:xfrm>
-            <a:off x="1293334" y="2556932"/>
-            <a:ext cx="5233126" cy="3318936"/>
+            <a:off x="1295064" y="2556932"/>
+            <a:ext cx="4976954" cy="3318936"/>
           </a:xfrm>
         </p:spPr>
         <p:txBody>
@@ -14084,31 +15704,48 @@
           <a:p>
             <a:r>
               <a:rPr lang="zh-TW" altLang="en-US" dirty="0"/>
-              <a:t>預測球移動</a:t>
-            </a:r>
+              <a:t>由於速度一快，下降時在判斷落點已經來不及了，所以我決定上升時就做落點預測</a:t>
+            </a:r>
+            <a:endParaRPr lang="en-US" altLang="zh-TW" dirty="0"/>
+          </a:p>
+          <a:p>
             <a:r>
               <a:rPr lang="en-US" altLang="zh-TW" dirty="0"/>
-              <a:t>7</a:t>
+              <a:t>1p‘</a:t>
             </a:r>
             <a:r>
               <a:rPr lang="zh-TW" altLang="en-US" dirty="0"/>
-              <a:t>次，實際移動大於</a:t>
+              <a:t> 高度 </a:t>
             </a:r>
             <a:r>
               <a:rPr lang="en-US" altLang="zh-TW" dirty="0"/>
-              <a:t>7</a:t>
-            </a:r>
-            <a:r>
-              <a:rPr lang="zh-TW" altLang="en-US"/>
-              <a:t>次導致落點飄移</a:t>
+              <a:t>760</a:t>
+            </a:r>
+            <a:r>
+              <a:rPr lang="zh-TW" altLang="en-US" dirty="0"/>
+              <a:t> 可以預測到落點</a:t>
+            </a:r>
+            <a:r>
+              <a:rPr lang="en-US" altLang="zh-TW" dirty="0"/>
+              <a:t>X</a:t>
+            </a:r>
+            <a:r>
+              <a:rPr lang="zh-TW" altLang="en-US" dirty="0"/>
+              <a:t>值</a:t>
             </a:r>
             <a:endParaRPr lang="en-US" altLang="zh-TW" dirty="0"/>
           </a:p>
-        </p:txBody>
-      </p:sp>
-      <p:sp>
-        <p:nvSpPr>
-          <p:cNvPr id="6" name="矩形 5"/>
+          <a:p>
+            <a:pPr marL="0" indent="0">
+              <a:buNone/>
+            </a:pPr>
+            <a:endParaRPr lang="zh-TW" altLang="en-US" dirty="0"/>
+          </a:p>
+        </p:txBody>
+      </p:sp>
+      <p:sp>
+        <p:nvSpPr>
+          <p:cNvPr id="4" name="矩形 3"/>
           <p:cNvSpPr/>
           <p:nvPr/>
         </p:nvSpPr>
@@ -14154,7 +15791,47 @@
       </p:sp>
       <p:sp>
         <p:nvSpPr>
-          <p:cNvPr id="7" name="矩形 6"/>
+          <p:cNvPr id="5" name="矩形 4"/>
+          <p:cNvSpPr/>
+          <p:nvPr/>
+        </p:nvSpPr>
+        <p:spPr>
+          <a:xfrm>
+            <a:off x="8151910" y="664952"/>
+            <a:ext cx="420047" cy="63699"/>
+          </a:xfrm>
+          <a:prstGeom prst="rect">
+            <a:avLst/>
+          </a:prstGeom>
+        </p:spPr>
+        <p:style>
+          <a:lnRef idx="2">
+            <a:schemeClr val="accent1">
+              <a:shade val="50000"/>
+            </a:schemeClr>
+          </a:lnRef>
+          <a:fillRef idx="1">
+            <a:schemeClr val="accent1"/>
+          </a:fillRef>
+          <a:effectRef idx="0">
+            <a:schemeClr val="accent1"/>
+          </a:effectRef>
+          <a:fontRef idx="minor">
+            <a:schemeClr val="lt1"/>
+          </a:fontRef>
+        </p:style>
+        <p:txBody>
+          <a:bodyPr rtlCol="0" anchor="ctr"/>
+          <a:lstStyle/>
+          <a:p>
+            <a:pPr algn="ctr"/>
+            <a:endParaRPr lang="zh-TW" altLang="en-US"/>
+          </a:p>
+        </p:txBody>
+      </p:sp>
+      <p:sp>
+        <p:nvSpPr>
+          <p:cNvPr id="6" name="矩形 5"/>
           <p:cNvSpPr/>
           <p:nvPr/>
         </p:nvSpPr>
@@ -14202,7 +15879,67 @@
       </p:sp>
       <p:sp>
         <p:nvSpPr>
-          <p:cNvPr id="8" name="矩形 7"/>
+          <p:cNvPr id="7" name="文字方塊 6"/>
+          <p:cNvSpPr txBox="1"/>
+          <p:nvPr/>
+        </p:nvSpPr>
+        <p:spPr>
+          <a:xfrm>
+            <a:off x="8760239" y="512135"/>
+            <a:ext cx="668818" cy="369332"/>
+          </a:xfrm>
+          <a:prstGeom prst="rect">
+            <a:avLst/>
+          </a:prstGeom>
+          <a:noFill/>
+        </p:spPr>
+        <p:txBody>
+          <a:bodyPr wrap="square" rtlCol="0">
+            <a:spAutoFit/>
+          </a:bodyPr>
+          <a:lstStyle/>
+          <a:p>
+            <a:r>
+              <a:rPr lang="en-US" altLang="zh-TW" dirty="0"/>
+              <a:t>1p</a:t>
+            </a:r>
+            <a:endParaRPr lang="zh-TW" altLang="en-US" dirty="0"/>
+          </a:p>
+        </p:txBody>
+      </p:sp>
+      <p:sp>
+        <p:nvSpPr>
+          <p:cNvPr id="8" name="文字方塊 7"/>
+          <p:cNvSpPr txBox="1"/>
+          <p:nvPr/>
+        </p:nvSpPr>
+        <p:spPr>
+          <a:xfrm>
+            <a:off x="8264018" y="2733498"/>
+            <a:ext cx="627326" cy="369332"/>
+          </a:xfrm>
+          <a:prstGeom prst="rect">
+            <a:avLst/>
+          </a:prstGeom>
+          <a:noFill/>
+        </p:spPr>
+        <p:txBody>
+          <a:bodyPr wrap="square" rtlCol="0">
+            <a:spAutoFit/>
+          </a:bodyPr>
+          <a:lstStyle/>
+          <a:p>
+            <a:r>
+              <a:rPr lang="en-US" altLang="zh-TW" dirty="0"/>
+              <a:t>2p</a:t>
+            </a:r>
+            <a:endParaRPr lang="zh-TW" altLang="en-US" dirty="0"/>
+          </a:p>
+        </p:txBody>
+      </p:sp>
+      <p:sp>
+        <p:nvSpPr>
+          <p:cNvPr id="9" name="矩形 8"/>
           <p:cNvSpPr/>
           <p:nvPr/>
         </p:nvSpPr>
@@ -14249,16 +15986,16 @@
       </p:sp>
       <p:sp>
         <p:nvSpPr>
-          <p:cNvPr id="9" name="橢圓 8"/>
+          <p:cNvPr id="12" name="矩形 11"/>
           <p:cNvSpPr/>
           <p:nvPr/>
         </p:nvSpPr>
         <p:spPr>
           <a:xfrm>
-            <a:off x="8254652" y="1340768"/>
-            <a:ext cx="216024" cy="216024"/>
-          </a:xfrm>
-          <a:prstGeom prst="ellipse">
+            <a:off x="8151917" y="5257194"/>
+            <a:ext cx="420047" cy="63699"/>
+          </a:xfrm>
+          <a:prstGeom prst="rect">
             <a:avLst/>
           </a:prstGeom>
         </p:spPr>
@@ -14289,33 +16026,61 @@
       </p:sp>
       <p:sp>
         <p:nvSpPr>
-          <p:cNvPr id="10" name="橢圓 9"/>
+          <p:cNvPr id="13" name="文字方塊 12"/>
+          <p:cNvSpPr txBox="1"/>
+          <p:nvPr/>
+        </p:nvSpPr>
+        <p:spPr>
+          <a:xfrm>
+            <a:off x="8760246" y="5104377"/>
+            <a:ext cx="668818" cy="369332"/>
+          </a:xfrm>
+          <a:prstGeom prst="rect">
+            <a:avLst/>
+          </a:prstGeom>
+          <a:noFill/>
+        </p:spPr>
+        <p:txBody>
+          <a:bodyPr wrap="square" rtlCol="0">
+            <a:spAutoFit/>
+          </a:bodyPr>
+          <a:lstStyle/>
+          <a:p>
+            <a:r>
+              <a:rPr lang="en-US" altLang="zh-TW" dirty="0"/>
+              <a:t>1p’</a:t>
+            </a:r>
+            <a:endParaRPr lang="zh-TW" altLang="en-US" dirty="0"/>
+          </a:p>
+        </p:txBody>
+      </p:sp>
+      <p:sp>
+        <p:nvSpPr>
+          <p:cNvPr id="19" name="左大括弧 18"/>
           <p:cNvSpPr/>
           <p:nvPr/>
         </p:nvSpPr>
         <p:spPr>
           <a:xfrm>
-            <a:off x="8570777" y="1664385"/>
-            <a:ext cx="216024" cy="216024"/>
-          </a:xfrm>
-          <a:prstGeom prst="ellipse">
+            <a:off x="6886500" y="664952"/>
+            <a:ext cx="504056" cy="2253212"/>
+          </a:xfrm>
+          <a:prstGeom prst="leftBrace">
             <a:avLst/>
           </a:prstGeom>
         </p:spPr>
         <p:style>
-          <a:lnRef idx="2">
-            <a:schemeClr val="accent1">
-              <a:shade val="50000"/>
-            </a:schemeClr>
+          <a:lnRef idx="1">
+            <a:schemeClr val="accent1"/>
           </a:lnRef>
-          <a:fillRef idx="1">
+          <a:fillRef idx="0">
             <a:schemeClr val="accent1"/>
           </a:fillRef>
           <a:effectRef idx="0">
             <a:schemeClr val="accent1"/>
           </a:effectRef>
           <a:fontRef idx="minor">
-            <a:schemeClr val="lt1"/>
+            <a:schemeClr val="tx1"/>
           </a:fontRef>
         </p:style>
         <p:txBody>
@@ -14329,33 +16094,61 @@
       </p:sp>
       <p:sp>
         <p:nvSpPr>
-          <p:cNvPr id="13" name="橢圓 12"/>
+          <p:cNvPr id="20" name="文字方塊 19"/>
+          <p:cNvSpPr txBox="1"/>
+          <p:nvPr/>
+        </p:nvSpPr>
+        <p:spPr>
+          <a:xfrm>
+            <a:off x="6272018" y="1606892"/>
+            <a:ext cx="840831" cy="369332"/>
+          </a:xfrm>
+          <a:prstGeom prst="rect">
+            <a:avLst/>
+          </a:prstGeom>
+          <a:noFill/>
+        </p:spPr>
+        <p:txBody>
+          <a:bodyPr wrap="square" rtlCol="0">
+            <a:spAutoFit/>
+          </a:bodyPr>
+          <a:lstStyle/>
+          <a:p>
+            <a:r>
+              <a:rPr lang="en-US" altLang="zh-TW" dirty="0"/>
+              <a:t>340</a:t>
+            </a:r>
+            <a:endParaRPr lang="zh-TW" altLang="en-US" dirty="0"/>
+          </a:p>
+        </p:txBody>
+      </p:sp>
+      <p:sp>
+        <p:nvSpPr>
+          <p:cNvPr id="21" name="左大括弧 20"/>
           <p:cNvSpPr/>
           <p:nvPr/>
         </p:nvSpPr>
         <p:spPr>
           <a:xfrm>
-            <a:off x="8570777" y="1664385"/>
-            <a:ext cx="216024" cy="216024"/>
-          </a:xfrm>
-          <a:prstGeom prst="ellipse">
+            <a:off x="6886500" y="3003982"/>
+            <a:ext cx="504056" cy="2253212"/>
+          </a:xfrm>
+          <a:prstGeom prst="leftBrace">
             <a:avLst/>
           </a:prstGeom>
         </p:spPr>
         <p:style>
-          <a:lnRef idx="2">
-            <a:schemeClr val="accent1">
-              <a:shade val="50000"/>
-            </a:schemeClr>
+          <a:lnRef idx="1">
+            <a:schemeClr val="accent1"/>
           </a:lnRef>
-          <a:fillRef idx="1">
+          <a:fillRef idx="0">
             <a:schemeClr val="accent1"/>
           </a:fillRef>
           <a:effectRef idx="0">
             <a:schemeClr val="accent1"/>
           </a:effectRef>
           <a:fontRef idx="minor">
-            <a:schemeClr val="lt1"/>
+            <a:schemeClr val="tx1"/>
           </a:fontRef>
         </p:style>
         <p:txBody>
@@ -14369,586 +16162,232 @@
       </p:sp>
       <p:sp>
         <p:nvSpPr>
-          <p:cNvPr id="14" name="橢圓 13"/>
-          <p:cNvSpPr/>
+          <p:cNvPr id="22" name="文字方塊 21"/>
+          <p:cNvSpPr txBox="1"/>
           <p:nvPr/>
         </p:nvSpPr>
         <p:spPr>
           <a:xfrm>
-            <a:off x="8886902" y="1988002"/>
-            <a:ext cx="216024" cy="216024"/>
-          </a:xfrm>
-          <a:prstGeom prst="ellipse">
+            <a:off x="6272018" y="3945922"/>
+            <a:ext cx="840831" cy="369332"/>
+          </a:xfrm>
+          <a:prstGeom prst="rect">
             <a:avLst/>
           </a:prstGeom>
+          <a:noFill/>
+        </p:spPr>
+        <p:txBody>
+          <a:bodyPr wrap="square" rtlCol="0">
+            <a:spAutoFit/>
+          </a:bodyPr>
+          <a:lstStyle/>
+          <a:p>
+            <a:r>
+              <a:rPr lang="en-US" altLang="zh-TW" dirty="0"/>
+              <a:t>340</a:t>
+            </a:r>
+            <a:endParaRPr lang="zh-TW" altLang="en-US" dirty="0"/>
+          </a:p>
+        </p:txBody>
+      </p:sp>
+      <p:cxnSp>
+        <p:nvCxnSpPr>
+          <p:cNvPr id="24" name="直線接點 23"/>
+          <p:cNvCxnSpPr>
+            <a:endCxn id="4" idx="3"/>
+          </p:cNvCxnSpPr>
+          <p:nvPr/>
+        </p:nvCxnSpPr>
+        <p:spPr>
+          <a:xfrm>
+            <a:off x="8760239" y="949261"/>
+            <a:ext cx="818650" cy="823136"/>
+          </a:xfrm>
+          <a:prstGeom prst="line">
+            <a:avLst/>
+          </a:prstGeom>
         </p:spPr>
         <p:style>
-          <a:lnRef idx="2">
-            <a:schemeClr val="accent1">
-              <a:shade val="50000"/>
-            </a:schemeClr>
+          <a:lnRef idx="1">
+            <a:schemeClr val="accent1"/>
           </a:lnRef>
-          <a:fillRef idx="1">
+          <a:fillRef idx="0">
             <a:schemeClr val="accent1"/>
           </a:fillRef>
           <a:effectRef idx="0">
             <a:schemeClr val="accent1"/>
           </a:effectRef>
           <a:fontRef idx="minor">
-            <a:schemeClr val="lt1"/>
+            <a:schemeClr val="tx1"/>
           </a:fontRef>
         </p:style>
-        <p:txBody>
-          <a:bodyPr rtlCol="0" anchor="ctr"/>
-          <a:lstStyle/>
-          <a:p>
-            <a:pPr algn="ctr"/>
-            <a:endParaRPr lang="zh-TW" altLang="en-US"/>
-          </a:p>
-        </p:txBody>
-      </p:sp>
-      <p:sp>
-        <p:nvSpPr>
-          <p:cNvPr id="19" name="橢圓 18"/>
-          <p:cNvSpPr/>
+      </p:cxnSp>
+      <p:cxnSp>
+        <p:nvCxnSpPr>
+          <p:cNvPr id="28" name="直線接點 27"/>
+          <p:cNvCxnSpPr/>
           <p:nvPr/>
-        </p:nvSpPr>
-        <p:spPr>
-          <a:xfrm>
-            <a:off x="9222751" y="2286000"/>
-            <a:ext cx="216024" cy="216024"/>
-          </a:xfrm>
-          <a:prstGeom prst="ellipse">
+        </p:nvCxnSpPr>
+        <p:spPr>
+          <a:xfrm flipV="1">
+            <a:off x="8318066" y="1772397"/>
+            <a:ext cx="1230714" cy="1014274"/>
+          </a:xfrm>
+          <a:prstGeom prst="line">
             <a:avLst/>
           </a:prstGeom>
         </p:spPr>
         <p:style>
-          <a:lnRef idx="2">
-            <a:schemeClr val="accent1">
-              <a:shade val="50000"/>
-            </a:schemeClr>
+          <a:lnRef idx="1">
+            <a:schemeClr val="accent1"/>
           </a:lnRef>
-          <a:fillRef idx="1">
+          <a:fillRef idx="0">
             <a:schemeClr val="accent1"/>
           </a:fillRef>
           <a:effectRef idx="0">
             <a:schemeClr val="accent1"/>
           </a:effectRef>
           <a:fontRef idx="minor">
-            <a:schemeClr val="lt1"/>
+            <a:schemeClr val="tx1"/>
           </a:fontRef>
         </p:style>
-        <p:txBody>
-          <a:bodyPr rtlCol="0" anchor="ctr"/>
-          <a:lstStyle/>
-          <a:p>
-            <a:pPr algn="ctr"/>
-            <a:endParaRPr lang="zh-TW" altLang="en-US"/>
-          </a:p>
-        </p:txBody>
-      </p:sp>
-      <p:sp>
-        <p:nvSpPr>
-          <p:cNvPr id="21" name="橢圓 20"/>
-          <p:cNvSpPr/>
+      </p:cxnSp>
+      <p:cxnSp>
+        <p:nvCxnSpPr>
+          <p:cNvPr id="31" name="直線接點 30"/>
+          <p:cNvCxnSpPr/>
           <p:nvPr/>
-        </p:nvSpPr>
+        </p:nvCxnSpPr>
         <p:spPr>
           <a:xfrm>
-            <a:off x="9012727" y="2597687"/>
-            <a:ext cx="216024" cy="216024"/>
-          </a:xfrm>
-          <a:prstGeom prst="ellipse">
+            <a:off x="7778689" y="2286000"/>
+            <a:ext cx="506984" cy="472569"/>
+          </a:xfrm>
+          <a:prstGeom prst="line">
             <a:avLst/>
           </a:prstGeom>
         </p:spPr>
         <p:style>
-          <a:lnRef idx="2">
-            <a:schemeClr val="accent1">
-              <a:shade val="50000"/>
-            </a:schemeClr>
+          <a:lnRef idx="1">
+            <a:schemeClr val="accent1"/>
           </a:lnRef>
-          <a:fillRef idx="1">
+          <a:fillRef idx="0">
             <a:schemeClr val="accent1"/>
           </a:fillRef>
           <a:effectRef idx="0">
             <a:schemeClr val="accent1"/>
           </a:effectRef>
           <a:fontRef idx="minor">
-            <a:schemeClr val="lt1"/>
+            <a:schemeClr val="tx1"/>
           </a:fontRef>
         </p:style>
-        <p:txBody>
-          <a:bodyPr rtlCol="0" anchor="ctr"/>
-          <a:lstStyle/>
-          <a:p>
-            <a:pPr algn="ctr"/>
-            <a:endParaRPr lang="zh-TW" altLang="en-US"/>
-          </a:p>
-        </p:txBody>
-      </p:sp>
-      <p:sp>
-        <p:nvSpPr>
-          <p:cNvPr id="22" name="橢圓 21"/>
-          <p:cNvSpPr/>
+      </p:cxnSp>
+      <p:cxnSp>
+        <p:nvCxnSpPr>
+          <p:cNvPr id="35" name="直線接點 34"/>
+          <p:cNvCxnSpPr/>
           <p:nvPr/>
-        </p:nvSpPr>
-        <p:spPr>
-          <a:xfrm>
-            <a:off x="8763942" y="2918164"/>
-            <a:ext cx="216024" cy="216024"/>
-          </a:xfrm>
-          <a:prstGeom prst="ellipse">
+        </p:nvCxnSpPr>
+        <p:spPr>
+          <a:xfrm flipV="1">
+            <a:off x="7816460" y="851357"/>
+            <a:ext cx="1732320" cy="1422108"/>
+          </a:xfrm>
+          <a:prstGeom prst="line">
             <a:avLst/>
           </a:prstGeom>
         </p:spPr>
         <p:style>
-          <a:lnRef idx="2">
-            <a:schemeClr val="accent1">
-              <a:shade val="50000"/>
-            </a:schemeClr>
+          <a:lnRef idx="1">
+            <a:schemeClr val="accent1"/>
           </a:lnRef>
-          <a:fillRef idx="1">
+          <a:fillRef idx="0">
             <a:schemeClr val="accent1"/>
           </a:fillRef>
           <a:effectRef idx="0">
             <a:schemeClr val="accent1"/>
           </a:effectRef>
           <a:fontRef idx="minor">
-            <a:schemeClr val="lt1"/>
+            <a:schemeClr val="tx1"/>
           </a:fontRef>
         </p:style>
-        <p:txBody>
-          <a:bodyPr rtlCol="0" anchor="ctr"/>
-          <a:lstStyle/>
-          <a:p>
-            <a:pPr algn="ctr"/>
-            <a:endParaRPr lang="zh-TW" altLang="en-US"/>
-          </a:p>
-        </p:txBody>
-      </p:sp>
-      <p:sp>
-        <p:nvSpPr>
-          <p:cNvPr id="23" name="橢圓 22"/>
-          <p:cNvSpPr/>
+      </p:cxnSp>
+      <p:cxnSp>
+        <p:nvCxnSpPr>
+          <p:cNvPr id="40" name="直線接點 39"/>
+          <p:cNvCxnSpPr/>
           <p:nvPr/>
-        </p:nvSpPr>
-        <p:spPr>
-          <a:xfrm>
-            <a:off x="8550750" y="3207052"/>
-            <a:ext cx="216024" cy="216024"/>
-          </a:xfrm>
-          <a:prstGeom prst="ellipse">
+        </p:nvCxnSpPr>
+        <p:spPr>
+          <a:xfrm flipV="1">
+            <a:off x="7809513" y="2786673"/>
+            <a:ext cx="508553" cy="419394"/>
+          </a:xfrm>
+          <a:prstGeom prst="line">
             <a:avLst/>
           </a:prstGeom>
+          <a:ln>
+            <a:solidFill>
+              <a:srgbClr val="FF0000"/>
+            </a:solidFill>
+          </a:ln>
         </p:spPr>
         <p:style>
-          <a:lnRef idx="2">
-            <a:schemeClr val="accent1">
-              <a:shade val="50000"/>
-            </a:schemeClr>
+          <a:lnRef idx="1">
+            <a:schemeClr val="accent1"/>
           </a:lnRef>
-          <a:fillRef idx="1">
+          <a:fillRef idx="0">
             <a:schemeClr val="accent1"/>
           </a:fillRef>
           <a:effectRef idx="0">
             <a:schemeClr val="accent1"/>
           </a:effectRef>
           <a:fontRef idx="minor">
-            <a:schemeClr val="lt1"/>
+            <a:schemeClr val="tx1"/>
           </a:fontRef>
         </p:style>
-        <p:txBody>
-          <a:bodyPr rtlCol="0" anchor="ctr"/>
-          <a:lstStyle/>
-          <a:p>
-            <a:pPr algn="ctr"/>
-            <a:endParaRPr lang="zh-TW" altLang="en-US"/>
-          </a:p>
-        </p:txBody>
-      </p:sp>
-      <p:sp>
-        <p:nvSpPr>
-          <p:cNvPr id="25" name="橢圓 24"/>
-          <p:cNvSpPr/>
+      </p:cxnSp>
+      <p:cxnSp>
+        <p:nvCxnSpPr>
+          <p:cNvPr id="45" name="直線接點 44"/>
+          <p:cNvCxnSpPr>
+            <a:endCxn id="9" idx="3"/>
+          </p:cNvCxnSpPr>
           <p:nvPr/>
-        </p:nvSpPr>
+        </p:nvCxnSpPr>
         <p:spPr>
           <a:xfrm>
-            <a:off x="8254652" y="3524424"/>
-            <a:ext cx="216024" cy="216024"/>
-          </a:xfrm>
-          <a:prstGeom prst="ellipse">
+            <a:off x="7809513" y="3208388"/>
+            <a:ext cx="1769376" cy="1876796"/>
+          </a:xfrm>
+          <a:prstGeom prst="line">
             <a:avLst/>
           </a:prstGeom>
+          <a:ln>
+            <a:solidFill>
+              <a:srgbClr val="FF0000"/>
+            </a:solidFill>
+          </a:ln>
         </p:spPr>
         <p:style>
-          <a:lnRef idx="2">
-            <a:schemeClr val="accent1">
-              <a:shade val="50000"/>
-            </a:schemeClr>
+          <a:lnRef idx="1">
+            <a:schemeClr val="accent1"/>
           </a:lnRef>
-          <a:fillRef idx="1">
+          <a:fillRef idx="0">
             <a:schemeClr val="accent1"/>
           </a:fillRef>
           <a:effectRef idx="0">
             <a:schemeClr val="accent1"/>
           </a:effectRef>
           <a:fontRef idx="minor">
-            <a:schemeClr val="lt1"/>
+            <a:schemeClr val="tx1"/>
           </a:fontRef>
         </p:style>
-        <p:txBody>
-          <a:bodyPr rtlCol="0" anchor="ctr"/>
-          <a:lstStyle/>
-          <a:p>
-            <a:pPr algn="ctr"/>
-            <a:endParaRPr lang="zh-TW" altLang="en-US"/>
-          </a:p>
-        </p:txBody>
-      </p:sp>
-      <p:sp>
-        <p:nvSpPr>
-          <p:cNvPr id="26" name="橢圓 25"/>
-          <p:cNvSpPr/>
-          <p:nvPr/>
-        </p:nvSpPr>
-        <p:spPr>
-          <a:xfrm>
-            <a:off x="8005867" y="3844901"/>
-            <a:ext cx="216024" cy="216024"/>
-          </a:xfrm>
-          <a:prstGeom prst="ellipse">
-            <a:avLst/>
-          </a:prstGeom>
-        </p:spPr>
-        <p:style>
-          <a:lnRef idx="2">
-            <a:schemeClr val="accent1">
-              <a:shade val="50000"/>
-            </a:schemeClr>
-          </a:lnRef>
-          <a:fillRef idx="1">
-            <a:schemeClr val="accent1"/>
-          </a:fillRef>
-          <a:effectRef idx="0">
-            <a:schemeClr val="accent1"/>
-          </a:effectRef>
-          <a:fontRef idx="minor">
-            <a:schemeClr val="lt1"/>
-          </a:fontRef>
-        </p:style>
-        <p:txBody>
-          <a:bodyPr rtlCol="0" anchor="ctr"/>
-          <a:lstStyle/>
-          <a:p>
-            <a:pPr algn="ctr"/>
-            <a:endParaRPr lang="zh-TW" altLang="en-US"/>
-          </a:p>
-        </p:txBody>
-      </p:sp>
-      <p:sp>
-        <p:nvSpPr>
-          <p:cNvPr id="27" name="橢圓 26"/>
-          <p:cNvSpPr/>
-          <p:nvPr/>
-        </p:nvSpPr>
-        <p:spPr>
-          <a:xfrm>
-            <a:off x="7712601" y="4132378"/>
-            <a:ext cx="216024" cy="216024"/>
-          </a:xfrm>
-          <a:prstGeom prst="ellipse">
-            <a:avLst/>
-          </a:prstGeom>
-        </p:spPr>
-        <p:style>
-          <a:lnRef idx="2">
-            <a:schemeClr val="accent1">
-              <a:shade val="50000"/>
-            </a:schemeClr>
-          </a:lnRef>
-          <a:fillRef idx="1">
-            <a:schemeClr val="accent1"/>
-          </a:fillRef>
-          <a:effectRef idx="0">
-            <a:schemeClr val="accent1"/>
-          </a:effectRef>
-          <a:fontRef idx="minor">
-            <a:schemeClr val="lt1"/>
-          </a:fontRef>
-        </p:style>
-        <p:txBody>
-          <a:bodyPr rtlCol="0" anchor="ctr"/>
-          <a:lstStyle/>
-          <a:p>
-            <a:pPr algn="ctr"/>
-            <a:endParaRPr lang="zh-TW" altLang="en-US"/>
-          </a:p>
-        </p:txBody>
-      </p:sp>
-      <p:sp>
-        <p:nvSpPr>
-          <p:cNvPr id="33" name="橢圓 32"/>
-          <p:cNvSpPr/>
-          <p:nvPr/>
-        </p:nvSpPr>
-        <p:spPr>
-          <a:xfrm>
-            <a:off x="8913821" y="2647232"/>
-            <a:ext cx="216024" cy="216024"/>
-          </a:xfrm>
-          <a:prstGeom prst="ellipse">
-            <a:avLst/>
-          </a:prstGeom>
-          <a:solidFill>
-            <a:srgbClr val="FF0000"/>
-          </a:solidFill>
-        </p:spPr>
-        <p:style>
-          <a:lnRef idx="2">
-            <a:schemeClr val="accent1">
-              <a:shade val="50000"/>
-            </a:schemeClr>
-          </a:lnRef>
-          <a:fillRef idx="1">
-            <a:schemeClr val="accent1"/>
-          </a:fillRef>
-          <a:effectRef idx="0">
-            <a:schemeClr val="accent1"/>
-          </a:effectRef>
-          <a:fontRef idx="minor">
-            <a:schemeClr val="lt1"/>
-          </a:fontRef>
-        </p:style>
-        <p:txBody>
-          <a:bodyPr rtlCol="0" anchor="ctr"/>
-          <a:lstStyle/>
-          <a:p>
-            <a:pPr algn="ctr"/>
-            <a:endParaRPr lang="zh-TW" altLang="en-US"/>
-          </a:p>
-        </p:txBody>
-      </p:sp>
-      <p:sp>
-        <p:nvSpPr>
-          <p:cNvPr id="34" name="橢圓 33"/>
-          <p:cNvSpPr/>
-          <p:nvPr/>
-        </p:nvSpPr>
-        <p:spPr>
-          <a:xfrm>
-            <a:off x="8655930" y="2448920"/>
-            <a:ext cx="216024" cy="216024"/>
-          </a:xfrm>
-          <a:prstGeom prst="ellipse">
-            <a:avLst/>
-          </a:prstGeom>
-          <a:solidFill>
-            <a:srgbClr val="FF0000"/>
-          </a:solidFill>
-        </p:spPr>
-        <p:style>
-          <a:lnRef idx="2">
-            <a:schemeClr val="accent1">
-              <a:shade val="50000"/>
-            </a:schemeClr>
-          </a:lnRef>
-          <a:fillRef idx="1">
-            <a:schemeClr val="accent1"/>
-          </a:fillRef>
-          <a:effectRef idx="0">
-            <a:schemeClr val="accent1"/>
-          </a:effectRef>
-          <a:fontRef idx="minor">
-            <a:schemeClr val="lt1"/>
-          </a:fontRef>
-        </p:style>
-        <p:txBody>
-          <a:bodyPr rtlCol="0" anchor="ctr"/>
-          <a:lstStyle/>
-          <a:p>
-            <a:pPr algn="ctr"/>
-            <a:endParaRPr lang="zh-TW" altLang="en-US"/>
-          </a:p>
-        </p:txBody>
-      </p:sp>
-      <p:sp>
-        <p:nvSpPr>
-          <p:cNvPr id="35" name="橢圓 34"/>
-          <p:cNvSpPr/>
-          <p:nvPr/>
-        </p:nvSpPr>
-        <p:spPr>
-          <a:xfrm>
-            <a:off x="8434680" y="2259448"/>
-            <a:ext cx="216024" cy="216024"/>
-          </a:xfrm>
-          <a:prstGeom prst="ellipse">
-            <a:avLst/>
-          </a:prstGeom>
-          <a:solidFill>
-            <a:srgbClr val="FF0000"/>
-          </a:solidFill>
-        </p:spPr>
-        <p:style>
-          <a:lnRef idx="2">
-            <a:schemeClr val="accent1">
-              <a:shade val="50000"/>
-            </a:schemeClr>
-          </a:lnRef>
-          <a:fillRef idx="1">
-            <a:schemeClr val="accent1"/>
-          </a:fillRef>
-          <a:effectRef idx="0">
-            <a:schemeClr val="accent1"/>
-          </a:effectRef>
-          <a:fontRef idx="minor">
-            <a:schemeClr val="lt1"/>
-          </a:fontRef>
-        </p:style>
-        <p:txBody>
-          <a:bodyPr rtlCol="0" anchor="ctr"/>
-          <a:lstStyle/>
-          <a:p>
-            <a:pPr algn="ctr"/>
-            <a:endParaRPr lang="zh-TW" altLang="en-US"/>
-          </a:p>
-        </p:txBody>
-      </p:sp>
-      <p:sp>
-        <p:nvSpPr>
-          <p:cNvPr id="37" name="橢圓 36"/>
-          <p:cNvSpPr/>
-          <p:nvPr/>
-        </p:nvSpPr>
-        <p:spPr>
-          <a:xfrm>
-            <a:off x="8146640" y="2070186"/>
-            <a:ext cx="216024" cy="216024"/>
-          </a:xfrm>
-          <a:prstGeom prst="ellipse">
-            <a:avLst/>
-          </a:prstGeom>
-          <a:solidFill>
-            <a:srgbClr val="FF0000"/>
-          </a:solidFill>
-        </p:spPr>
-        <p:style>
-          <a:lnRef idx="2">
-            <a:schemeClr val="accent1">
-              <a:shade val="50000"/>
-            </a:schemeClr>
-          </a:lnRef>
-          <a:fillRef idx="1">
-            <a:schemeClr val="accent1"/>
-          </a:fillRef>
-          <a:effectRef idx="0">
-            <a:schemeClr val="accent1"/>
-          </a:effectRef>
-          <a:fontRef idx="minor">
-            <a:schemeClr val="lt1"/>
-          </a:fontRef>
-        </p:style>
-        <p:txBody>
-          <a:bodyPr rtlCol="0" anchor="ctr"/>
-          <a:lstStyle/>
-          <a:p>
-            <a:pPr algn="ctr"/>
-            <a:endParaRPr lang="zh-TW" altLang="en-US"/>
-          </a:p>
-        </p:txBody>
-      </p:sp>
-      <p:sp>
-        <p:nvSpPr>
-          <p:cNvPr id="38" name="橢圓 37"/>
-          <p:cNvSpPr/>
-          <p:nvPr/>
-        </p:nvSpPr>
-        <p:spPr>
-          <a:xfrm>
-            <a:off x="7911134" y="1870601"/>
-            <a:ext cx="216024" cy="216024"/>
-          </a:xfrm>
-          <a:prstGeom prst="ellipse">
-            <a:avLst/>
-          </a:prstGeom>
-          <a:solidFill>
-            <a:srgbClr val="FF0000"/>
-          </a:solidFill>
-        </p:spPr>
-        <p:style>
-          <a:lnRef idx="2">
-            <a:schemeClr val="accent1">
-              <a:shade val="50000"/>
-            </a:schemeClr>
-          </a:lnRef>
-          <a:fillRef idx="1">
-            <a:schemeClr val="accent1"/>
-          </a:fillRef>
-          <a:effectRef idx="0">
-            <a:schemeClr val="accent1"/>
-          </a:effectRef>
-          <a:fontRef idx="minor">
-            <a:schemeClr val="lt1"/>
-          </a:fontRef>
-        </p:style>
-        <p:txBody>
-          <a:bodyPr rtlCol="0" anchor="ctr"/>
-          <a:lstStyle/>
-          <a:p>
-            <a:pPr algn="ctr"/>
-            <a:endParaRPr lang="zh-TW" altLang="en-US"/>
-          </a:p>
-        </p:txBody>
-      </p:sp>
-      <p:sp>
-        <p:nvSpPr>
-          <p:cNvPr id="39" name="橢圓 38"/>
-          <p:cNvSpPr/>
-          <p:nvPr/>
-        </p:nvSpPr>
-        <p:spPr>
-          <a:xfrm>
-            <a:off x="7820613" y="1793522"/>
-            <a:ext cx="216024" cy="216024"/>
-          </a:xfrm>
-          <a:prstGeom prst="ellipse">
-            <a:avLst/>
-          </a:prstGeom>
-          <a:solidFill>
-            <a:srgbClr val="FF0000"/>
-          </a:solidFill>
-        </p:spPr>
-        <p:style>
-          <a:lnRef idx="2">
-            <a:schemeClr val="accent1">
-              <a:shade val="50000"/>
-            </a:schemeClr>
-          </a:lnRef>
-          <a:fillRef idx="1">
-            <a:schemeClr val="accent1"/>
-          </a:fillRef>
-          <a:effectRef idx="0">
-            <a:schemeClr val="accent1"/>
-          </a:effectRef>
-          <a:fontRef idx="minor">
-            <a:schemeClr val="lt1"/>
-          </a:fontRef>
-        </p:style>
-        <p:txBody>
-          <a:bodyPr rtlCol="0" anchor="ctr"/>
-          <a:lstStyle/>
-          <a:p>
-            <a:pPr algn="ctr"/>
-            <a:endParaRPr lang="zh-TW" altLang="en-US"/>
-          </a:p>
-        </p:txBody>
-      </p:sp>
+      </p:cxnSp>
     </p:spTree>
     <p:extLst>
       <p:ext uri="{BB962C8B-B14F-4D97-AF65-F5344CB8AC3E}">
-        <p14:creationId xmlns:p14="http://schemas.microsoft.com/office/powerpoint/2010/main" val="990246829"/>
+        <p14:creationId xmlns:p14="http://schemas.microsoft.com/office/powerpoint/2010/main" val="1321605861"/>
       </p:ext>
     </p:extLst>
   </p:cSld>
